--- a/raider2_poster2.pptx
+++ b/raider2_poster2.pptx
@@ -289,7 +289,7 @@
             <a:fld id="{118711EF-7CA4-4D38-A8AB-4993930350F5}" type="datetimeFigureOut">
               <a:rPr lang="en-US" smtClean="0"/>
               <a:pPr/>
-              <a:t>7/5/15</a:t>
+              <a:t>07/06/15</a:t>
             </a:fld>
             <a:endParaRPr lang="en-US"/>
           </a:p>
@@ -456,7 +456,7 @@
             <a:fld id="{118711EF-7CA4-4D38-A8AB-4993930350F5}" type="datetimeFigureOut">
               <a:rPr lang="en-US" smtClean="0"/>
               <a:pPr/>
-              <a:t>7/5/15</a:t>
+              <a:t>07/06/15</a:t>
             </a:fld>
             <a:endParaRPr lang="en-US"/>
           </a:p>
@@ -633,7 +633,7 @@
             <a:fld id="{118711EF-7CA4-4D38-A8AB-4993930350F5}" type="datetimeFigureOut">
               <a:rPr lang="en-US" smtClean="0"/>
               <a:pPr/>
-              <a:t>7/5/15</a:t>
+              <a:t>07/06/15</a:t>
             </a:fld>
             <a:endParaRPr lang="en-US"/>
           </a:p>
@@ -800,7 +800,7 @@
             <a:fld id="{118711EF-7CA4-4D38-A8AB-4993930350F5}" type="datetimeFigureOut">
               <a:rPr lang="en-US" smtClean="0"/>
               <a:pPr/>
-              <a:t>7/5/15</a:t>
+              <a:t>07/06/15</a:t>
             </a:fld>
             <a:endParaRPr lang="en-US"/>
           </a:p>
@@ -1043,7 +1043,7 @@
             <a:fld id="{118711EF-7CA4-4D38-A8AB-4993930350F5}" type="datetimeFigureOut">
               <a:rPr lang="en-US" smtClean="0"/>
               <a:pPr/>
-              <a:t>7/5/15</a:t>
+              <a:t>07/06/15</a:t>
             </a:fld>
             <a:endParaRPr lang="en-US"/>
           </a:p>
@@ -1328,7 +1328,7 @@
             <a:fld id="{118711EF-7CA4-4D38-A8AB-4993930350F5}" type="datetimeFigureOut">
               <a:rPr lang="en-US" smtClean="0"/>
               <a:pPr/>
-              <a:t>7/5/15</a:t>
+              <a:t>07/06/15</a:t>
             </a:fld>
             <a:endParaRPr lang="en-US"/>
           </a:p>
@@ -1752,7 +1752,7 @@
             <a:fld id="{118711EF-7CA4-4D38-A8AB-4993930350F5}" type="datetimeFigureOut">
               <a:rPr lang="en-US" smtClean="0"/>
               <a:pPr/>
-              <a:t>7/5/15</a:t>
+              <a:t>07/06/15</a:t>
             </a:fld>
             <a:endParaRPr lang="en-US"/>
           </a:p>
@@ -1867,7 +1867,7 @@
             <a:fld id="{118711EF-7CA4-4D38-A8AB-4993930350F5}" type="datetimeFigureOut">
               <a:rPr lang="en-US" smtClean="0"/>
               <a:pPr/>
-              <a:t>7/5/15</a:t>
+              <a:t>07/06/15</a:t>
             </a:fld>
             <a:endParaRPr lang="en-US"/>
           </a:p>
@@ -1959,7 +1959,7 @@
             <a:fld id="{118711EF-7CA4-4D38-A8AB-4993930350F5}" type="datetimeFigureOut">
               <a:rPr lang="en-US" smtClean="0"/>
               <a:pPr/>
-              <a:t>7/5/15</a:t>
+              <a:t>07/06/15</a:t>
             </a:fld>
             <a:endParaRPr lang="en-US"/>
           </a:p>
@@ -2233,7 +2233,7 @@
             <a:fld id="{118711EF-7CA4-4D38-A8AB-4993930350F5}" type="datetimeFigureOut">
               <a:rPr lang="en-US" smtClean="0"/>
               <a:pPr/>
-              <a:t>7/5/15</a:t>
+              <a:t>07/06/15</a:t>
             </a:fld>
             <a:endParaRPr lang="en-US"/>
           </a:p>
@@ -2483,7 +2483,7 @@
             <a:fld id="{118711EF-7CA4-4D38-A8AB-4993930350F5}" type="datetimeFigureOut">
               <a:rPr lang="en-US" smtClean="0"/>
               <a:pPr/>
-              <a:t>7/5/15</a:t>
+              <a:t>07/06/15</a:t>
             </a:fld>
             <a:endParaRPr lang="en-US"/>
           </a:p>
@@ -2693,7 +2693,7 @@
             <a:fld id="{118711EF-7CA4-4D38-A8AB-4993930350F5}" type="datetimeFigureOut">
               <a:rPr lang="en-US" smtClean="0"/>
               <a:pPr/>
-              <a:t>7/5/15</a:t>
+              <a:t>07/06/15</a:t>
             </a:fld>
             <a:endParaRPr lang="en-US"/>
           </a:p>
@@ -3073,13 +3073,13 @@
         <p:spPr>
           <a:xfrm>
             <a:off x="654050" y="795337"/>
-            <a:ext cx="30905450" cy="41638538"/>
+            <a:ext cx="31089600" cy="41638538"/>
           </a:xfrm>
           <a:prstGeom prst="rect">
             <a:avLst/>
           </a:prstGeom>
           <a:noFill/>
-          <a:ln>
+          <a:ln w="31750">
             <a:solidFill>
               <a:schemeClr val="accent1"/>
             </a:solidFill>
@@ -3263,7 +3263,7 @@
         </p:nvSpPr>
         <p:spPr bwMode="auto">
           <a:xfrm>
-            <a:off x="1035050" y="4071937"/>
+            <a:off x="1141284" y="4071937"/>
             <a:ext cx="11101387" cy="1447800"/>
           </a:xfrm>
           <a:prstGeom prst="rect">
@@ -3426,21 +3426,7 @@
                 <a:latin typeface="Times New Roman" pitchFamily="18" charset="0"/>
                 <a:cs typeface="Arial" pitchFamily="34" charset="0"/>
               </a:rPr>
-              <a:t>Departments </a:t>
-            </a:r>
-            <a:r>
-              <a:rPr kumimoji="0" lang="en-US" sz="2800" b="0" i="0" u="none" strike="noStrike" cap="none" normalizeH="0" baseline="0" dirty="0" smtClean="0">
-                <a:ln>
-                  <a:noFill/>
-                </a:ln>
-                <a:solidFill>
-                  <a:srgbClr val="000000"/>
-                </a:solidFill>
-                <a:effectLst/>
-                <a:latin typeface="Times New Roman" pitchFamily="18" charset="0"/>
-                <a:cs typeface="Arial" pitchFamily="34" charset="0"/>
-              </a:rPr>
-              <a:t>of </a:t>
+              <a:t>Departments of </a:t>
             </a:r>
             <a:r>
               <a:rPr kumimoji="0" lang="en-US" sz="2800" b="0" i="0" u="none" strike="noStrike" cap="none" normalizeH="0" baseline="30000" dirty="0" smtClean="0">
@@ -3581,14 +3567,14 @@
           <p:nvPr>
             <p:extLst>
               <p:ext uri="{D42A27DB-BD31-4B8C-83A1-F6EECF244321}">
-                <p14:modId xmlns:p14="http://schemas.microsoft.com/office/powerpoint/2010/main" val="2831544281"/>
+                <p14:modId xmlns:p14="http://schemas.microsoft.com/office/powerpoint/2010/main" val="3315671431"/>
               </p:ext>
             </p:extLst>
           </p:nvPr>
         </p:nvGraphicFramePr>
         <p:xfrm>
-          <a:off x="7054850" y="6738937"/>
-          <a:ext cx="12801600" cy="3276600"/>
+          <a:off x="7283450" y="6281738"/>
+          <a:ext cx="13487400" cy="3754472"/>
         </p:xfrm>
         <a:graphic>
           <a:graphicData uri="http://schemas.openxmlformats.org/drawingml/2006/table">
@@ -3597,7 +3583,7 @@
                 <a:tableStyleId>{FABFCF23-3B69-468F-B69F-88F6DE6A72F2}</a:tableStyleId>
               </a:tblPr>
               <a:tblGrid>
-                <a:gridCol w="12801600"/>
+                <a:gridCol w="13487400"/>
               </a:tblGrid>
               <a:tr h="919833">
                 <a:tc>
@@ -3605,14 +3591,10 @@
                     <a:bodyPr/>
                     <a:lstStyle/>
                     <a:p>
-                      <a:pPr algn="ctr"/>
+                      <a:pPr marL="0" algn="ctr"/>
                       <a:r>
                         <a:rPr lang="en-US" sz="5400" b="0" dirty="0" smtClean="0"/>
-                        <a:t>De Novo Repeat </a:t>
-                      </a:r>
-                      <a:r>
-                        <a:rPr lang="en-US" sz="5400" b="0" dirty="0" smtClean="0"/>
-                        <a:t>Identification</a:t>
+                        <a:t>De Novo Repeat Identification</a:t>
                       </a:r>
                       <a:endParaRPr lang="en-US" sz="5400" b="0" dirty="0">
                         <a:solidFill>
@@ -3630,917 +3612,96 @@
                     <a:bodyPr/>
                     <a:lstStyle/>
                     <a:p>
-                      <a:pPr marL="457200">
+                      <a:pPr marL="0">
                         <a:buFont typeface="Arial" pitchFamily="34" charset="0"/>
                         <a:buChar char="•"/>
                       </a:pPr>
                       <a:r>
                         <a:rPr lang="en-US" sz="3200" dirty="0" smtClean="0"/>
-                        <a:t> Repeats</a:t>
-                      </a:r>
-                      <a:r>
-                        <a:rPr lang="en-US" sz="3200" baseline="0" dirty="0" smtClean="0"/>
-                        <a:t> make up a significant portion of eukaryotic genomes</a:t>
+                        <a:t> </a:t>
+                      </a:r>
+                      <a:r>
+                        <a:rPr lang="en-US" sz="3600" dirty="0" smtClean="0"/>
+                        <a:t>Repeats</a:t>
+                      </a:r>
+                      <a:r>
+                        <a:rPr lang="en-US" sz="3600" baseline="0" dirty="0" smtClean="0"/>
+                        <a:t> are </a:t>
+                      </a:r>
+                      <a:r>
+                        <a:rPr lang="en-US" sz="3600" baseline="0" dirty="0" smtClean="0"/>
+                        <a:t>a significant portion of eukaryotic </a:t>
+                      </a:r>
+                      <a:r>
+                        <a:rPr lang="en-US" sz="3600" baseline="0" dirty="0" smtClean="0"/>
+                        <a:t>genomes</a:t>
                       </a:r>
                     </a:p>
                     <a:p>
-                      <a:pPr marL="457200">
+                      <a:pPr marL="0">
+                        <a:buFont typeface="Arial" pitchFamily="34" charset="0"/>
+                        <a:buNone/>
+                      </a:pPr>
+                      <a:r>
+                        <a:rPr lang="en-US" sz="3600" baseline="0" dirty="0" smtClean="0"/>
+                        <a:t>   - For breakdown of human genome, see pie chart</a:t>
+                      </a:r>
+                      <a:r>
+                        <a:rPr lang="en-US" sz="3600" baseline="30000" dirty="0" smtClean="0"/>
+                        <a:t>4</a:t>
+                      </a:r>
+                      <a:endParaRPr lang="en-US" sz="3600" baseline="0" dirty="0" smtClean="0"/>
+                    </a:p>
+                    <a:p>
+                      <a:pPr marL="0">
                         <a:buFont typeface="Arial" pitchFamily="34" charset="0"/>
                         <a:buChar char="•"/>
                       </a:pPr>
                       <a:r>
-                        <a:rPr lang="en-US" sz="3200" baseline="0" dirty="0" smtClean="0"/>
+                        <a:rPr lang="en-US" sz="3600" baseline="0" dirty="0" smtClean="0"/>
                         <a:t> </a:t>
                       </a:r>
                       <a:r>
-                        <a:rPr lang="en-US" sz="3200" baseline="0" dirty="0" err="1" smtClean="0"/>
+                        <a:rPr lang="en-US" sz="3600" baseline="0" dirty="0" err="1" smtClean="0"/>
                         <a:t>RepeatMasker</a:t>
                       </a:r>
                       <a:r>
-                        <a:rPr lang="en-US" sz="3200" baseline="0" dirty="0" smtClean="0"/>
+                        <a:rPr lang="en-US" sz="3600" baseline="0" dirty="0" smtClean="0"/>
                         <a:t> is a library based tool for identifying repeats</a:t>
                       </a:r>
-                      <a:endParaRPr lang="en-US" sz="3200" dirty="0" smtClean="0"/>
+                      <a:endParaRPr lang="en-US" sz="3600" dirty="0" smtClean="0"/>
                     </a:p>
                     <a:p>
-                      <a:pPr marL="457200">
+                      <a:pPr marL="0">
                         <a:buFont typeface="Arial" pitchFamily="34" charset="0"/>
                         <a:buChar char="•"/>
                       </a:pPr>
                       <a:r>
-                        <a:rPr lang="en-US" sz="3200" dirty="0" smtClean="0"/>
-                        <a:t> De novo</a:t>
-                      </a:r>
-                      <a:r>
-                        <a:rPr lang="en-US" sz="3200" baseline="0" dirty="0" smtClean="0"/>
-                        <a:t> – identify </a:t>
-                      </a:r>
-                      <a:r>
-                        <a:rPr lang="en-US" sz="3200" baseline="0" dirty="0" smtClean="0"/>
-                        <a:t>repeats </a:t>
-                      </a:r>
-                      <a:r>
-                        <a:rPr lang="en-US" sz="3200" baseline="0" dirty="0" smtClean="0"/>
-                        <a:t>without </a:t>
-                      </a:r>
-                      <a:r>
-                        <a:rPr lang="en-US" sz="3200" baseline="0" dirty="0" smtClean="0"/>
-                        <a:t>the use of known </a:t>
-                      </a:r>
-                      <a:r>
-                        <a:rPr lang="en-US" sz="3200" baseline="0" dirty="0" smtClean="0"/>
-                        <a:t>repeats</a:t>
+                        <a:rPr lang="en-US" sz="3600" dirty="0" smtClean="0"/>
+                        <a:t> </a:t>
+                      </a:r>
+                      <a:r>
+                        <a:rPr lang="en-US" sz="3600" dirty="0" smtClean="0"/>
+                        <a:t>De novo</a:t>
+                      </a:r>
+                      <a:r>
+                        <a:rPr lang="en-US" sz="3600" baseline="0" dirty="0" smtClean="0"/>
+                        <a:t> – identify repeats without the use of known repeats</a:t>
                       </a:r>
                     </a:p>
                     <a:p>
-                      <a:pPr marL="457200">
+                      <a:pPr marL="0">
                         <a:buFont typeface="Arial" pitchFamily="34" charset="0"/>
                         <a:buChar char="•"/>
                       </a:pPr>
                       <a:r>
-                        <a:rPr lang="en-US" sz="3200" baseline="0" dirty="0" smtClean="0"/>
+                        <a:rPr lang="en-US" sz="3600" baseline="0" dirty="0" smtClean="0"/>
                         <a:t> Many approaches have scalability/generalizability issues</a:t>
                       </a:r>
-                      <a:endParaRPr lang="en-US" sz="3200" b="0" baseline="0" dirty="0" smtClean="0"/>
+                      <a:endParaRPr lang="en-US" sz="3600" b="0" baseline="0" dirty="0" smtClean="0"/>
                     </a:p>
                   </a:txBody>
                   <a:tcPr/>
-                </a:tc>
-              </a:tr>
-            </a:tbl>
-          </a:graphicData>
-        </a:graphic>
-      </p:graphicFrame>
-      <p:graphicFrame>
-        <p:nvGraphicFramePr>
-          <p:cNvPr id="83" name="Table 82"/>
-          <p:cNvGraphicFramePr>
-            <a:graphicFrameLocks noGrp="1"/>
-          </p:cNvGraphicFramePr>
-          <p:nvPr>
-            <p:extLst>
-              <p:ext uri="{D42A27DB-BD31-4B8C-83A1-F6EECF244321}">
-                <p14:modId xmlns:p14="http://schemas.microsoft.com/office/powerpoint/2010/main" val="2434439130"/>
-              </p:ext>
-            </p:extLst>
-          </p:nvPr>
-        </p:nvGraphicFramePr>
-        <p:xfrm>
-          <a:off x="1035051" y="36990337"/>
-          <a:ext cx="14401801" cy="3733800"/>
-        </p:xfrm>
-        <a:graphic>
-          <a:graphicData uri="http://schemas.openxmlformats.org/drawingml/2006/table">
-            <a:tbl>
-              <a:tblPr firstRow="1" bandRow="1">
-                <a:tableStyleId>{775DCB02-9BB8-47FD-8907-85C794F793BA}</a:tableStyleId>
-              </a:tblPr>
-              <a:tblGrid>
-                <a:gridCol w="7086599"/>
-                <a:gridCol w="1676400"/>
-                <a:gridCol w="2819400"/>
-                <a:gridCol w="2819402"/>
-              </a:tblGrid>
-              <a:tr h="190500">
-                <a:tc>
-                  <a:txBody>
-                    <a:bodyPr/>
-                    <a:lstStyle/>
-                    <a:p>
-                      <a:pPr algn="ctr" fontAlgn="b"/>
-                      <a:endParaRPr lang="en-US" sz="3000" b="1" i="0" u="none" strike="noStrike" dirty="0">
-                        <a:solidFill>
-                          <a:srgbClr val="FFFFFF"/>
-                        </a:solidFill>
-                        <a:latin typeface="Calibri"/>
-                      </a:endParaRPr>
-                    </a:p>
-                  </a:txBody>
-                  <a:tcPr marL="9525" marR="9525" marT="9525" marB="0" anchor="b"/>
-                </a:tc>
-                <a:tc gridSpan="3">
-                  <a:txBody>
-                    <a:bodyPr/>
-                    <a:lstStyle/>
-                    <a:p>
-                      <a:pPr algn="ctr" fontAlgn="b"/>
-                      <a:r>
-                        <a:rPr lang="fr-FR" sz="3000" b="0" u="none" strike="noStrike" dirty="0">
-                          <a:latin typeface="+mj-lt"/>
-                        </a:rPr>
-                        <a:t>C. </a:t>
-                      </a:r>
-                      <a:r>
-                        <a:rPr lang="fr-FR" sz="3000" b="0" u="none" strike="noStrike" dirty="0" err="1">
-                          <a:latin typeface="+mj-lt"/>
-                        </a:rPr>
-                        <a:t>Elegans</a:t>
-                      </a:r>
-                      <a:r>
-                        <a:rPr lang="fr-FR" sz="3000" b="0" u="none" strike="noStrike" dirty="0">
-                          <a:latin typeface="+mj-lt"/>
-                        </a:rPr>
-                        <a:t> </a:t>
-                      </a:r>
-                      <a:r>
-                        <a:rPr lang="fr-FR" sz="3000" b="0" u="none" strike="noStrike" dirty="0" err="1">
-                          <a:latin typeface="+mj-lt"/>
-                        </a:rPr>
-                        <a:t>ChrI</a:t>
-                      </a:r>
-                      <a:r>
-                        <a:rPr lang="fr-FR" sz="3000" b="0" u="none" strike="noStrike" dirty="0">
-                          <a:latin typeface="+mj-lt"/>
-                        </a:rPr>
-                        <a:t> </a:t>
-                      </a:r>
-                      <a:r>
-                        <a:rPr lang="fr-FR" sz="3000" b="0" u="none" strike="noStrike" dirty="0" smtClean="0">
-                          <a:latin typeface="+mj-lt"/>
-                        </a:rPr>
-                        <a:t>- </a:t>
-                      </a:r>
-                      <a:r>
-                        <a:rPr lang="fr-FR" sz="3000" b="0" u="none" strike="noStrike" dirty="0">
-                          <a:latin typeface="+mj-lt"/>
-                        </a:rPr>
-                        <a:t>15,072,423 </a:t>
-                      </a:r>
-                      <a:r>
-                        <a:rPr lang="fr-FR" sz="3000" b="0" u="none" strike="noStrike" dirty="0" err="1">
-                          <a:latin typeface="+mj-lt"/>
-                        </a:rPr>
-                        <a:t>bp</a:t>
-                      </a:r>
-                      <a:endParaRPr lang="fr-FR" sz="3000" b="0" i="0" u="none" strike="noStrike" dirty="0">
-                        <a:solidFill>
-                          <a:srgbClr val="FFFFFF"/>
-                        </a:solidFill>
-                        <a:latin typeface="+mj-lt"/>
-                      </a:endParaRPr>
-                    </a:p>
-                  </a:txBody>
-                  <a:tcPr marL="9525" marR="9525" marT="9525" marB="0" anchor="b"/>
-                </a:tc>
-                <a:tc hMerge="1">
-                  <a:txBody>
-                    <a:bodyPr/>
-                    <a:lstStyle/>
-                    <a:p>
-                      <a:endParaRPr lang="en-US"/>
-                    </a:p>
-                  </a:txBody>
-                  <a:tcPr/>
-                </a:tc>
-                <a:tc hMerge="1">
-                  <a:txBody>
-                    <a:bodyPr/>
-                    <a:lstStyle/>
-                    <a:p>
-                      <a:endParaRPr lang="en-US"/>
-                    </a:p>
-                  </a:txBody>
-                  <a:tcPr/>
-                </a:tc>
-              </a:tr>
-              <a:tr h="190500">
-                <a:tc>
-                  <a:txBody>
-                    <a:bodyPr/>
-                    <a:lstStyle/>
-                    <a:p>
-                      <a:pPr algn="ctr" fontAlgn="b"/>
-                      <a:r>
-                        <a:rPr lang="en-US" sz="3000" u="none" strike="noStrike" dirty="0">
-                          <a:latin typeface="+mn-lt"/>
-                        </a:rPr>
-                        <a:t>Seed / Method</a:t>
-                      </a:r>
-                      <a:endParaRPr lang="en-US" sz="3000" b="1" i="0" u="none" strike="noStrike" dirty="0">
-                        <a:solidFill>
-                          <a:srgbClr val="000000"/>
-                        </a:solidFill>
-                        <a:latin typeface="+mn-lt"/>
-                      </a:endParaRPr>
-                    </a:p>
-                  </a:txBody>
-                  <a:tcPr marL="9525" marR="9525" marT="9525" marB="0" anchor="b"/>
-                </a:tc>
-                <a:tc>
-                  <a:txBody>
-                    <a:bodyPr/>
-                    <a:lstStyle/>
-                    <a:p>
-                      <a:pPr algn="ctr" fontAlgn="b"/>
-                      <a:r>
-                        <a:rPr lang="en-US" sz="3000" u="none" strike="noStrike" dirty="0">
-                          <a:latin typeface="+mn-lt"/>
-                        </a:rPr>
-                        <a:t>Time (s)</a:t>
-                      </a:r>
-                      <a:endParaRPr lang="en-US" sz="3000" b="1" i="0" u="none" strike="noStrike" dirty="0">
-                        <a:solidFill>
-                          <a:srgbClr val="000000"/>
-                        </a:solidFill>
-                        <a:latin typeface="+mn-lt"/>
-                      </a:endParaRPr>
-                    </a:p>
-                  </a:txBody>
-                  <a:tcPr marL="9525" marR="9525" marT="9525" marB="0" anchor="b"/>
-                </a:tc>
-                <a:tc>
-                  <a:txBody>
-                    <a:bodyPr/>
-                    <a:lstStyle/>
-                    <a:p>
-                      <a:pPr algn="ctr" fontAlgn="b"/>
-                      <a:r>
-                        <a:rPr lang="en-US" sz="3000" u="none" strike="noStrike" dirty="0" smtClean="0">
-                          <a:latin typeface="+mn-lt"/>
-                        </a:rPr>
-                        <a:t>True Positives</a:t>
-                      </a:r>
-                      <a:endParaRPr lang="en-US" sz="3000" b="1" i="0" u="none" strike="noStrike" dirty="0">
-                        <a:solidFill>
-                          <a:srgbClr val="000000"/>
-                        </a:solidFill>
-                        <a:latin typeface="+mn-lt"/>
-                      </a:endParaRPr>
-                    </a:p>
-                  </a:txBody>
-                  <a:tcPr marL="9525" marR="9525" marT="9525" marB="0" anchor="b"/>
-                </a:tc>
-                <a:tc>
-                  <a:txBody>
-                    <a:bodyPr/>
-                    <a:lstStyle/>
-                    <a:p>
-                      <a:pPr algn="ctr" fontAlgn="b"/>
-                      <a:r>
-                        <a:rPr lang="en-US" sz="3000" u="none" strike="noStrike" dirty="0" smtClean="0">
-                          <a:latin typeface="+mn-lt"/>
-                        </a:rPr>
-                        <a:t>True Negatives</a:t>
-                      </a:r>
-                      <a:endParaRPr lang="en-US" sz="3000" b="1" i="0" u="none" strike="noStrike" dirty="0">
-                        <a:solidFill>
-                          <a:srgbClr val="000000"/>
-                        </a:solidFill>
-                        <a:latin typeface="+mn-lt"/>
-                      </a:endParaRPr>
-                    </a:p>
-                  </a:txBody>
-                  <a:tcPr marL="9525" marR="9525" marT="9525" marB="0" anchor="b"/>
-                </a:tc>
-              </a:tr>
-              <a:tr h="190500">
-                <a:tc>
-                  <a:txBody>
-                    <a:bodyPr/>
-                    <a:lstStyle/>
-                    <a:p>
-                      <a:pPr algn="r" fontAlgn="b"/>
-                      <a:r>
-                        <a:rPr lang="en-US" sz="3000" b="0" i="0" u="none" strike="noStrike" dirty="0" smtClean="0">
-                          <a:solidFill>
-                            <a:srgbClr val="000000"/>
-                          </a:solidFill>
-                          <a:latin typeface="+mn-lt"/>
-                        </a:rPr>
-                        <a:t>111111111111111111111111</a:t>
-                      </a:r>
-                      <a:endParaRPr lang="en-US" sz="3000" b="0" i="0" u="none" strike="noStrike" dirty="0">
-                        <a:solidFill>
-                          <a:srgbClr val="000000"/>
-                        </a:solidFill>
-                        <a:latin typeface="+mn-lt"/>
-                      </a:endParaRPr>
-                    </a:p>
-                  </a:txBody>
-                  <a:tcPr marL="9525" marR="9525" marT="9525" marB="0" anchor="b"/>
-                </a:tc>
-                <a:tc>
-                  <a:txBody>
-                    <a:bodyPr/>
-                    <a:lstStyle/>
-                    <a:p>
-                      <a:pPr algn="r" fontAlgn="b"/>
-                      <a:r>
-                        <a:rPr lang="en-US" sz="3000" b="0" i="0" u="none" strike="noStrike" dirty="0" smtClean="0">
-                          <a:solidFill>
-                            <a:srgbClr val="000000"/>
-                          </a:solidFill>
-                          <a:latin typeface="+mn-lt"/>
-                        </a:rPr>
-                        <a:t>3632</a:t>
-                      </a:r>
-                      <a:endParaRPr lang="en-US" sz="3000" b="0" i="0" u="none" strike="noStrike" dirty="0">
-                        <a:solidFill>
-                          <a:srgbClr val="000000"/>
-                        </a:solidFill>
-                        <a:latin typeface="+mn-lt"/>
-                      </a:endParaRPr>
-                    </a:p>
-                  </a:txBody>
-                  <a:tcPr marL="9525" marR="9525" marT="9525" marB="0" anchor="b"/>
-                </a:tc>
-                <a:tc>
-                  <a:txBody>
-                    <a:bodyPr/>
-                    <a:lstStyle/>
-                    <a:p>
-                      <a:pPr algn="r" fontAlgn="b"/>
-                      <a:r>
-                        <a:rPr lang="en-US" sz="3000" b="0" i="0" u="none" strike="noStrike" dirty="0" smtClean="0">
-                          <a:solidFill>
-                            <a:srgbClr val="000000"/>
-                          </a:solidFill>
-                          <a:latin typeface="+mn-lt"/>
-                        </a:rPr>
-                        <a:t>0.27573</a:t>
-                      </a:r>
-                      <a:endParaRPr lang="en-US" sz="3000" b="0" i="0" u="none" strike="noStrike" dirty="0">
-                        <a:solidFill>
-                          <a:srgbClr val="000000"/>
-                        </a:solidFill>
-                        <a:latin typeface="+mn-lt"/>
-                      </a:endParaRPr>
-                    </a:p>
-                  </a:txBody>
-                  <a:tcPr marL="9525" marR="9525" marT="9525" marB="0" anchor="b"/>
-                </a:tc>
-                <a:tc>
-                  <a:txBody>
-                    <a:bodyPr/>
-                    <a:lstStyle/>
-                    <a:p>
-                      <a:pPr algn="r" fontAlgn="b"/>
-                      <a:r>
-                        <a:rPr lang="en-US" sz="3000" b="0" i="0" u="none" strike="noStrike" dirty="0" smtClean="0">
-                          <a:solidFill>
-                            <a:srgbClr val="000000"/>
-                          </a:solidFill>
-                          <a:latin typeface="+mn-lt"/>
-                        </a:rPr>
-                        <a:t>0.84774</a:t>
-                      </a:r>
-                      <a:endParaRPr lang="en-US" sz="3000" b="0" i="0" u="none" strike="noStrike" dirty="0">
-                        <a:solidFill>
-                          <a:srgbClr val="000000"/>
-                        </a:solidFill>
-                        <a:latin typeface="+mn-lt"/>
-                      </a:endParaRPr>
-                    </a:p>
-                  </a:txBody>
-                  <a:tcPr marL="9525" marR="9525" marT="9525" marB="0" anchor="b"/>
-                </a:tc>
-              </a:tr>
-              <a:tr h="190500">
-                <a:tc>
-                  <a:txBody>
-                    <a:bodyPr/>
-                    <a:lstStyle/>
-                    <a:p>
-                      <a:pPr marL="0" marR="0" indent="0" algn="r" defTabSz="4319626" rtl="0" eaLnBrk="1" fontAlgn="b" latinLnBrk="0" hangingPunct="1">
-                        <a:lnSpc>
-                          <a:spcPct val="100000"/>
-                        </a:lnSpc>
-                        <a:spcBef>
-                          <a:spcPts val="0"/>
-                        </a:spcBef>
-                        <a:spcAft>
-                          <a:spcPts val="0"/>
-                        </a:spcAft>
-                        <a:buClrTx/>
-                        <a:buSzTx/>
-                        <a:buFontTx/>
-                        <a:buNone/>
-                        <a:tabLst/>
-                        <a:defRPr/>
-                      </a:pPr>
-                      <a:r>
-                        <a:rPr lang="en-US" sz="3000" b="0" i="0" u="none" strike="noStrike" dirty="0" smtClean="0">
-                          <a:solidFill>
-                            <a:srgbClr val="000000"/>
-                          </a:solidFill>
-                          <a:latin typeface="+mn-lt"/>
-                        </a:rPr>
-                        <a:t>11111011111110011111111011111</a:t>
-                      </a:r>
-                    </a:p>
-                  </a:txBody>
-                  <a:tcPr marL="9525" marR="9525" marT="9525" marB="0" anchor="b"/>
-                </a:tc>
-                <a:tc>
-                  <a:txBody>
-                    <a:bodyPr/>
-                    <a:lstStyle/>
-                    <a:p>
-                      <a:pPr algn="r" fontAlgn="b"/>
-                      <a:r>
-                        <a:rPr lang="en-US" sz="3000" b="0" i="0" u="none" strike="noStrike" dirty="0" smtClean="0">
-                          <a:solidFill>
-                            <a:srgbClr val="000000"/>
-                          </a:solidFill>
-                          <a:latin typeface="+mn-lt"/>
-                        </a:rPr>
-                        <a:t>3650</a:t>
-                      </a:r>
-                      <a:endParaRPr lang="en-US" sz="3000" b="0" i="0" u="none" strike="noStrike" dirty="0">
-                        <a:solidFill>
-                          <a:srgbClr val="000000"/>
-                        </a:solidFill>
-                        <a:latin typeface="+mn-lt"/>
-                      </a:endParaRPr>
-                    </a:p>
-                  </a:txBody>
-                  <a:tcPr marL="9525" marR="9525" marT="9525" marB="0" anchor="b"/>
-                </a:tc>
-                <a:tc>
-                  <a:txBody>
-                    <a:bodyPr/>
-                    <a:lstStyle/>
-                    <a:p>
-                      <a:pPr algn="r" fontAlgn="b"/>
-                      <a:r>
-                        <a:rPr lang="en-US" sz="3000" b="0" i="0" u="none" strike="noStrike" dirty="0" smtClean="0">
-                          <a:solidFill>
-                            <a:schemeClr val="dk1"/>
-                          </a:solidFill>
-                          <a:latin typeface="+mn-lt"/>
-                        </a:rPr>
-                        <a:t>0.35049</a:t>
-                      </a:r>
-                      <a:endParaRPr lang="en-US" sz="3000" b="0" i="0" u="none" strike="noStrike" dirty="0">
-                        <a:solidFill>
-                          <a:srgbClr val="000000"/>
-                        </a:solidFill>
-                        <a:latin typeface="+mn-lt"/>
-                      </a:endParaRPr>
-                    </a:p>
-                  </a:txBody>
-                  <a:tcPr marL="9525" marR="9525" marT="9525" marB="0" anchor="b"/>
-                </a:tc>
-                <a:tc>
-                  <a:txBody>
-                    <a:bodyPr/>
-                    <a:lstStyle/>
-                    <a:p>
-                      <a:pPr algn="r" fontAlgn="b"/>
-                      <a:r>
-                        <a:rPr lang="en-US" sz="3000" u="none" strike="noStrike" dirty="0" smtClean="0">
-                          <a:latin typeface="+mn-lt"/>
-                        </a:rPr>
-                        <a:t>0.82401</a:t>
-                      </a:r>
-                      <a:endParaRPr lang="en-US" sz="3000" b="0" i="0" u="none" strike="noStrike" dirty="0">
-                        <a:solidFill>
-                          <a:srgbClr val="000000"/>
-                        </a:solidFill>
-                        <a:latin typeface="+mn-lt"/>
-                      </a:endParaRPr>
-                    </a:p>
-                  </a:txBody>
-                  <a:tcPr marL="9525" marR="9525" marT="9525" marB="0" anchor="b"/>
-                </a:tc>
-              </a:tr>
-              <a:tr h="190500">
-                <a:tc>
-                  <a:txBody>
-                    <a:bodyPr/>
-                    <a:lstStyle/>
-                    <a:p>
-                      <a:pPr algn="r" fontAlgn="b"/>
-                      <a:r>
-                        <a:rPr lang="en-US" sz="3000" u="none" strike="noStrike" dirty="0" smtClean="0">
-                          <a:latin typeface="+mn-lt"/>
-                        </a:rPr>
-                        <a:t>11101101101001100111</a:t>
-                      </a:r>
-                      <a:endParaRPr lang="en-US" sz="3000" b="0" i="0" u="none" strike="noStrike" dirty="0">
-                        <a:solidFill>
-                          <a:srgbClr val="000000"/>
-                        </a:solidFill>
-                        <a:latin typeface="+mn-lt"/>
-                      </a:endParaRPr>
-                    </a:p>
-                  </a:txBody>
-                  <a:tcPr marL="9525" marR="9525" marT="9525" marB="0" anchor="b"/>
-                </a:tc>
-                <a:tc>
-                  <a:txBody>
-                    <a:bodyPr/>
-                    <a:lstStyle/>
-                    <a:p>
-                      <a:pPr algn="r" fontAlgn="b"/>
-                      <a:r>
-                        <a:rPr lang="en-US" sz="3000" b="0" i="0" u="none" strike="noStrike" dirty="0" smtClean="0">
-                          <a:solidFill>
-                            <a:srgbClr val="000000"/>
-                          </a:solidFill>
-                          <a:latin typeface="+mn-lt"/>
-                        </a:rPr>
-                        <a:t>14426</a:t>
-                      </a:r>
-                      <a:endParaRPr lang="en-US" sz="3000" b="0" i="0" u="none" strike="noStrike" dirty="0">
-                        <a:solidFill>
-                          <a:srgbClr val="000000"/>
-                        </a:solidFill>
-                        <a:latin typeface="+mn-lt"/>
-                      </a:endParaRPr>
-                    </a:p>
-                  </a:txBody>
-                  <a:tcPr marL="9525" marR="9525" marT="9525" marB="0" anchor="b"/>
-                </a:tc>
-                <a:tc>
-                  <a:txBody>
-                    <a:bodyPr/>
-                    <a:lstStyle/>
-                    <a:p>
-                      <a:pPr algn="r" fontAlgn="b"/>
-                      <a:r>
-                        <a:rPr lang="en-US" sz="3000" u="none" strike="noStrike" dirty="0" smtClean="0">
-                          <a:latin typeface="+mn-lt"/>
-                        </a:rPr>
-                        <a:t>0.39361</a:t>
-                      </a:r>
-                      <a:endParaRPr lang="en-US" sz="3000" b="0" i="0" u="none" strike="noStrike" dirty="0">
-                        <a:solidFill>
-                          <a:srgbClr val="000000"/>
-                        </a:solidFill>
-                        <a:latin typeface="+mn-lt"/>
-                      </a:endParaRPr>
-                    </a:p>
-                  </a:txBody>
-                  <a:tcPr marL="9525" marR="9525" marT="9525" marB="0" anchor="b"/>
-                </a:tc>
-                <a:tc>
-                  <a:txBody>
-                    <a:bodyPr/>
-                    <a:lstStyle/>
-                    <a:p>
-                      <a:pPr algn="r" fontAlgn="b"/>
-                      <a:r>
-                        <a:rPr lang="en-US" sz="3000" b="0" i="0" u="none" strike="noStrike" dirty="0" smtClean="0">
-                          <a:solidFill>
-                            <a:srgbClr val="000000"/>
-                          </a:solidFill>
-                          <a:latin typeface="+mn-lt"/>
-                        </a:rPr>
-                        <a:t>0.78065</a:t>
-                      </a:r>
-                      <a:endParaRPr lang="en-US" sz="3000" b="0" i="0" u="none" strike="noStrike" dirty="0">
-                        <a:solidFill>
-                          <a:srgbClr val="000000"/>
-                        </a:solidFill>
-                        <a:latin typeface="+mn-lt"/>
-                      </a:endParaRPr>
-                    </a:p>
-                  </a:txBody>
-                  <a:tcPr marL="9525" marR="9525" marT="9525" marB="0" anchor="b"/>
-                </a:tc>
-              </a:tr>
-              <a:tr h="190500">
-                <a:tc>
-                  <a:txBody>
-                    <a:bodyPr/>
-                    <a:lstStyle/>
-                    <a:p>
-                      <a:pPr marL="0" marR="0" indent="0" algn="r" defTabSz="4319626" rtl="0" eaLnBrk="1" fontAlgn="b" latinLnBrk="0" hangingPunct="1">
-                        <a:lnSpc>
-                          <a:spcPct val="100000"/>
-                        </a:lnSpc>
-                        <a:spcBef>
-                          <a:spcPts val="0"/>
-                        </a:spcBef>
-                        <a:spcAft>
-                          <a:spcPts val="0"/>
-                        </a:spcAft>
-                        <a:buClrTx/>
-                        <a:buSzTx/>
-                        <a:buFontTx/>
-                        <a:buNone/>
-                        <a:tabLst/>
-                        <a:defRPr/>
-                      </a:pPr>
-                      <a:r>
-                        <a:rPr lang="en-US" sz="3000" b="0" i="0" u="none" strike="noStrike" dirty="0" smtClean="0">
-                          <a:solidFill>
-                            <a:srgbClr val="000000"/>
-                          </a:solidFill>
-                          <a:latin typeface="+mn-lt"/>
-                        </a:rPr>
-                        <a:t>11110100101001101111</a:t>
-                      </a:r>
-                      <a:endParaRPr lang="en-US" sz="3000" b="0" i="0" u="none" strike="noStrike" dirty="0" smtClean="0">
-                        <a:solidFill>
-                          <a:srgbClr val="000000"/>
-                        </a:solidFill>
-                        <a:latin typeface="+mn-lt"/>
-                      </a:endParaRPr>
-                    </a:p>
-                  </a:txBody>
-                  <a:tcPr marL="9525" marR="9525" marT="9525" marB="0" anchor="b"/>
-                </a:tc>
-                <a:tc>
-                  <a:txBody>
-                    <a:bodyPr/>
-                    <a:lstStyle/>
-                    <a:p>
-                      <a:pPr algn="r" fontAlgn="b"/>
-                      <a:r>
-                        <a:rPr lang="en-US" sz="3000" u="none" strike="noStrike" dirty="0" smtClean="0">
-                          <a:latin typeface="+mn-lt"/>
-                        </a:rPr>
-                        <a:t>14403</a:t>
-                      </a:r>
-                      <a:endParaRPr lang="en-US" sz="3000" b="0" i="0" u="none" strike="noStrike" dirty="0">
-                        <a:solidFill>
-                          <a:srgbClr val="000000"/>
-                        </a:solidFill>
-                        <a:latin typeface="+mn-lt"/>
-                      </a:endParaRPr>
-                    </a:p>
-                  </a:txBody>
-                  <a:tcPr marL="9525" marR="9525" marT="9525" marB="0" anchor="b"/>
-                </a:tc>
-                <a:tc>
-                  <a:txBody>
-                    <a:bodyPr/>
-                    <a:lstStyle/>
-                    <a:p>
-                      <a:pPr algn="r" fontAlgn="b"/>
-                      <a:r>
-                        <a:rPr lang="en-US" sz="3000" u="none" strike="noStrike" dirty="0" smtClean="0">
-                          <a:latin typeface="+mn-lt"/>
-                        </a:rPr>
-                        <a:t>0.41674</a:t>
-                      </a:r>
-                      <a:endParaRPr lang="en-US" sz="3000" b="0" i="0" u="none" strike="noStrike" dirty="0">
-                        <a:solidFill>
-                          <a:srgbClr val="000000"/>
-                        </a:solidFill>
-                        <a:latin typeface="+mn-lt"/>
-                      </a:endParaRPr>
-                    </a:p>
-                  </a:txBody>
-                  <a:tcPr marL="9525" marR="9525" marT="9525" marB="0" anchor="b"/>
-                </a:tc>
-                <a:tc>
-                  <a:txBody>
-                    <a:bodyPr/>
-                    <a:lstStyle/>
-                    <a:p>
-                      <a:pPr algn="r" fontAlgn="b"/>
-                      <a:r>
-                        <a:rPr lang="en-US" sz="3000" u="none" strike="noStrike" dirty="0" smtClean="0">
-                          <a:latin typeface="+mn-lt"/>
-                        </a:rPr>
-                        <a:t>0.78163</a:t>
-                      </a:r>
-                      <a:endParaRPr lang="en-US" sz="3000" b="0" i="0" u="none" strike="noStrike" dirty="0">
-                        <a:solidFill>
-                          <a:srgbClr val="000000"/>
-                        </a:solidFill>
-                        <a:latin typeface="+mn-lt"/>
-                      </a:endParaRPr>
-                    </a:p>
-                  </a:txBody>
-                  <a:tcPr marL="9525" marR="9525" marT="9525" marB="0" anchor="b"/>
-                </a:tc>
-              </a:tr>
-              <a:tr h="190500">
-                <a:tc>
-                  <a:txBody>
-                    <a:bodyPr/>
-                    <a:lstStyle/>
-                    <a:p>
-                      <a:pPr marL="0" marR="0" indent="0" algn="r" defTabSz="4319626" rtl="0" eaLnBrk="1" fontAlgn="b" latinLnBrk="0" hangingPunct="1">
-                        <a:lnSpc>
-                          <a:spcPct val="100000"/>
-                        </a:lnSpc>
-                        <a:spcBef>
-                          <a:spcPts val="0"/>
-                        </a:spcBef>
-                        <a:spcAft>
-                          <a:spcPts val="0"/>
-                        </a:spcAft>
-                        <a:buClrTx/>
-                        <a:buSzTx/>
-                        <a:buFontTx/>
-                        <a:buNone/>
-                        <a:tabLst/>
-                        <a:defRPr/>
-                      </a:pPr>
-                      <a:r>
-                        <a:rPr lang="en-US" sz="3000" b="0" i="0" u="none" strike="noStrike" dirty="0" smtClean="0">
-                          <a:solidFill>
-                            <a:srgbClr val="000000"/>
-                          </a:solidFill>
-                          <a:latin typeface="+mn-lt"/>
-                        </a:rPr>
-                        <a:t>11110010101001100111</a:t>
-                      </a:r>
-                    </a:p>
-                  </a:txBody>
-                  <a:tcPr marL="9525" marR="9525" marT="9525" marB="0" anchor="b"/>
-                </a:tc>
-                <a:tc>
-                  <a:txBody>
-                    <a:bodyPr/>
-                    <a:lstStyle/>
-                    <a:p>
-                      <a:pPr algn="r" fontAlgn="b"/>
-                      <a:r>
-                        <a:rPr lang="en-US" sz="3000" b="0" i="0" u="none" strike="noStrike" dirty="0" smtClean="0">
-                          <a:solidFill>
-                            <a:srgbClr val="000000"/>
-                          </a:solidFill>
-                          <a:latin typeface="+mn-lt"/>
-                        </a:rPr>
-                        <a:t>18049</a:t>
-                      </a:r>
-                      <a:endParaRPr lang="en-US" sz="3000" b="0" i="0" u="none" strike="noStrike" dirty="0">
-                        <a:solidFill>
-                          <a:srgbClr val="000000"/>
-                        </a:solidFill>
-                        <a:latin typeface="+mn-lt"/>
-                      </a:endParaRPr>
-                    </a:p>
-                  </a:txBody>
-                  <a:tcPr marL="9525" marR="9525" marT="9525" marB="0" anchor="b"/>
-                </a:tc>
-                <a:tc>
-                  <a:txBody>
-                    <a:bodyPr/>
-                    <a:lstStyle/>
-                    <a:p>
-                      <a:pPr algn="r" fontAlgn="b"/>
-                      <a:r>
-                        <a:rPr lang="en-US" sz="3000" b="0" i="0" u="none" strike="noStrike" dirty="0" smtClean="0">
-                          <a:solidFill>
-                            <a:srgbClr val="000000"/>
-                          </a:solidFill>
-                          <a:latin typeface="+mn-lt"/>
-                        </a:rPr>
-                        <a:t>0.42555</a:t>
-                      </a:r>
-                      <a:endParaRPr lang="en-US" sz="3000" b="0" i="0" u="none" strike="noStrike" dirty="0">
-                        <a:solidFill>
-                          <a:srgbClr val="000000"/>
-                        </a:solidFill>
-                        <a:latin typeface="+mn-lt"/>
-                      </a:endParaRPr>
-                    </a:p>
-                  </a:txBody>
-                  <a:tcPr marL="9525" marR="9525" marT="9525" marB="0" anchor="b"/>
-                </a:tc>
-                <a:tc>
-                  <a:txBody>
-                    <a:bodyPr/>
-                    <a:lstStyle/>
-                    <a:p>
-                      <a:pPr algn="r" fontAlgn="b"/>
-                      <a:r>
-                        <a:rPr lang="en-US" sz="3000" b="0" i="0" u="none" strike="noStrike" dirty="0" smtClean="0">
-                          <a:solidFill>
-                            <a:srgbClr val="000000"/>
-                          </a:solidFill>
-                          <a:latin typeface="+mn-lt"/>
-                        </a:rPr>
-                        <a:t>0.77728</a:t>
-                      </a:r>
-                      <a:endParaRPr lang="en-US" sz="3000" b="0" i="0" u="none" strike="noStrike" dirty="0">
-                        <a:solidFill>
-                          <a:srgbClr val="000000"/>
-                        </a:solidFill>
-                        <a:latin typeface="+mn-lt"/>
-                      </a:endParaRPr>
-                    </a:p>
-                  </a:txBody>
-                  <a:tcPr marL="9525" marR="9525" marT="9525" marB="0" anchor="b"/>
-                </a:tc>
-              </a:tr>
-              <a:tr h="190500">
-                <a:tc>
-                  <a:txBody>
-                    <a:bodyPr/>
-                    <a:lstStyle/>
-                    <a:p>
-                      <a:pPr algn="r" fontAlgn="b"/>
-                      <a:r>
-                        <a:rPr lang="en-US" sz="3000" u="none" strike="noStrike"/>
-                        <a:t>RepeatScout</a:t>
-                      </a:r>
-                      <a:endParaRPr lang="en-US" sz="3000" b="0" i="0" u="none" strike="noStrike">
-                        <a:solidFill>
-                          <a:srgbClr val="000000"/>
-                        </a:solidFill>
-                        <a:latin typeface="Calibri"/>
-                      </a:endParaRPr>
-                    </a:p>
-                  </a:txBody>
-                  <a:tcPr marL="9525" marR="9525" marT="9525" marB="0" anchor="b"/>
-                </a:tc>
-                <a:tc>
-                  <a:txBody>
-                    <a:bodyPr/>
-                    <a:lstStyle/>
-                    <a:p>
-                      <a:pPr algn="r" fontAlgn="b"/>
-                      <a:r>
-                        <a:rPr lang="en-US" sz="3000" u="none" strike="noStrike" dirty="0" smtClean="0"/>
-                        <a:t>28853</a:t>
-                      </a:r>
-                      <a:endParaRPr lang="en-US" sz="3000" b="0" i="0" u="none" strike="noStrike" dirty="0">
-                        <a:solidFill>
-                          <a:srgbClr val="000000"/>
-                        </a:solidFill>
-                        <a:latin typeface="Calibri"/>
-                      </a:endParaRPr>
-                    </a:p>
-                  </a:txBody>
-                  <a:tcPr marL="9525" marR="9525" marT="9525" marB="0" anchor="b"/>
-                </a:tc>
-                <a:tc>
-                  <a:txBody>
-                    <a:bodyPr/>
-                    <a:lstStyle/>
-                    <a:p>
-                      <a:pPr algn="r" fontAlgn="b"/>
-                      <a:r>
-                        <a:rPr lang="en-US" sz="3000" u="none" strike="noStrike" dirty="0" smtClean="0"/>
-                        <a:t>0.55450</a:t>
-                      </a:r>
-                      <a:endParaRPr lang="en-US" sz="3000" b="0" i="0" u="none" strike="noStrike" dirty="0">
-                        <a:solidFill>
-                          <a:srgbClr val="000000"/>
-                        </a:solidFill>
-                        <a:latin typeface="Calibri"/>
-                      </a:endParaRPr>
-                    </a:p>
-                  </a:txBody>
-                  <a:tcPr marL="9525" marR="9525" marT="9525" marB="0" anchor="b"/>
-                </a:tc>
-                <a:tc>
-                  <a:txBody>
-                    <a:bodyPr/>
-                    <a:lstStyle/>
-                    <a:p>
-                      <a:pPr algn="r" fontAlgn="b"/>
-                      <a:r>
-                        <a:rPr lang="en-US" sz="3000" u="none" strike="noStrike" dirty="0" smtClean="0"/>
-                        <a:t>0.85224</a:t>
-                      </a:r>
-                      <a:endParaRPr lang="en-US" sz="3000" b="0" i="0" u="none" strike="noStrike" dirty="0">
-                        <a:solidFill>
-                          <a:srgbClr val="000000"/>
-                        </a:solidFill>
-                        <a:latin typeface="Calibri"/>
-                      </a:endParaRPr>
-                    </a:p>
-                  </a:txBody>
-                  <a:tcPr marL="9525" marR="9525" marT="9525" marB="0" anchor="b"/>
                 </a:tc>
               </a:tr>
             </a:tbl>
@@ -4562,7 +3723,7 @@
         </p:blipFill>
         <p:spPr bwMode="auto">
           <a:xfrm>
-            <a:off x="20847050" y="7805737"/>
+            <a:off x="21486218" y="7272337"/>
             <a:ext cx="9829800" cy="2514600"/>
           </a:xfrm>
           <a:prstGeom prst="rect">
@@ -4585,8 +3746,8 @@
         </p:nvCxnSpPr>
         <p:spPr>
           <a:xfrm flipH="1">
-            <a:off x="23056850" y="8643937"/>
-            <a:ext cx="2819400" cy="1066800"/>
+            <a:off x="23361650" y="8186737"/>
+            <a:ext cx="2209800" cy="990600"/>
           </a:xfrm>
           <a:prstGeom prst="straightConnector1">
             <a:avLst/>
@@ -4621,8 +3782,8 @@
         </p:nvCxnSpPr>
         <p:spPr>
           <a:xfrm flipH="1">
-            <a:off x="25647650" y="8720137"/>
-            <a:ext cx="762000" cy="1076325"/>
+            <a:off x="25876250" y="8262937"/>
+            <a:ext cx="381000" cy="914400"/>
           </a:xfrm>
           <a:prstGeom prst="straightConnector1">
             <a:avLst/>
@@ -4657,8 +3818,8 @@
         </p:nvCxnSpPr>
         <p:spPr>
           <a:xfrm>
-            <a:off x="27628850" y="8720137"/>
-            <a:ext cx="76200" cy="1066800"/>
+            <a:off x="27705050" y="8262937"/>
+            <a:ext cx="381000" cy="914400"/>
           </a:xfrm>
           <a:prstGeom prst="straightConnector1">
             <a:avLst/>
@@ -4693,8 +3854,8 @@
         </p:nvSpPr>
         <p:spPr>
           <a:xfrm>
-            <a:off x="25419327" y="8034337"/>
-            <a:ext cx="3843120" cy="584776"/>
+            <a:off x="25571450" y="7577137"/>
+            <a:ext cx="3810000" cy="584776"/>
           </a:xfrm>
           <a:prstGeom prst="rect">
             <a:avLst/>
@@ -4702,11 +3863,12 @@
           <a:noFill/>
         </p:spPr>
         <p:txBody>
-          <a:bodyPr wrap="none" rtlCol="0">
+          <a:bodyPr wrap="square" rtlCol="0">
             <a:spAutoFit/>
           </a:bodyPr>
           <a:lstStyle/>
           <a:p>
+            <a:pPr algn="ctr"/>
             <a:r>
               <a:rPr lang="en-US" sz="3200" b="1" dirty="0" smtClean="0">
                 <a:solidFill>
@@ -4731,7 +3893,7 @@
         </p:nvSpPr>
         <p:spPr>
           <a:xfrm>
-            <a:off x="25342850" y="10767119"/>
+            <a:off x="25563578" y="10400237"/>
             <a:ext cx="3817872" cy="1077218"/>
           </a:xfrm>
           <a:prstGeom prst="rect">
@@ -4763,15 +3925,7 @@
                   <a:schemeClr val="accent4"/>
                 </a:solidFill>
               </a:rPr>
-              <a:t>elementary </a:t>
-            </a:r>
-            <a:r>
-              <a:rPr lang="en-US" sz="3200" b="1" dirty="0" smtClean="0">
-                <a:solidFill>
-                  <a:schemeClr val="accent4"/>
-                </a:solidFill>
-              </a:rPr>
-              <a:t>repeat</a:t>
+              <a:t>elementary repeat</a:t>
             </a:r>
             <a:endParaRPr lang="en-US" sz="3200" b="1" dirty="0">
               <a:solidFill>
@@ -4789,8 +3943,8 @@
         </p:nvSpPr>
         <p:spPr>
           <a:xfrm rot="5400000">
-            <a:off x="24314150" y="9139237"/>
-            <a:ext cx="381000" cy="2590800"/>
+            <a:off x="24961850" y="8643937"/>
+            <a:ext cx="381000" cy="2514600"/>
           </a:xfrm>
           <a:prstGeom prst="rightBrace">
             <a:avLst>
@@ -4835,44 +3989,8 @@
         </p:nvCxnSpPr>
         <p:spPr>
           <a:xfrm flipH="1" flipV="1">
-            <a:off x="25342850" y="10548937"/>
-            <a:ext cx="685800" cy="609600"/>
-          </a:xfrm>
-          <a:prstGeom prst="straightConnector1">
-            <a:avLst/>
-          </a:prstGeom>
-          <a:ln>
-            <a:solidFill>
-              <a:schemeClr val="accent4"/>
-            </a:solidFill>
-            <a:tailEnd type="arrow"/>
-          </a:ln>
-        </p:spPr>
-        <p:style>
-          <a:lnRef idx="1">
-            <a:schemeClr val="accent1"/>
-          </a:lnRef>
-          <a:fillRef idx="0">
-            <a:schemeClr val="accent1"/>
-          </a:fillRef>
-          <a:effectRef idx="0">
-            <a:schemeClr val="accent1"/>
-          </a:effectRef>
-          <a:fontRef idx="minor">
-            <a:schemeClr val="tx1"/>
-          </a:fontRef>
-        </p:style>
-      </p:cxnSp>
-      <p:cxnSp>
-        <p:nvCxnSpPr>
-          <p:cNvPr id="112" name="Straight Arrow Connector 111"/>
-          <p:cNvCxnSpPr/>
-          <p:nvPr/>
-        </p:nvCxnSpPr>
-        <p:spPr>
-          <a:xfrm flipV="1">
-            <a:off x="28467050" y="10548938"/>
-            <a:ext cx="609600" cy="609599"/>
+            <a:off x="25342850" y="10015537"/>
+            <a:ext cx="914400" cy="685800"/>
           </a:xfrm>
           <a:prstGeom prst="straightConnector1">
             <a:avLst/>
@@ -4908,14 +4026,14 @@
           <p:nvPr>
             <p:extLst>
               <p:ext uri="{D42A27DB-BD31-4B8C-83A1-F6EECF244321}">
-                <p14:modId xmlns:p14="http://schemas.microsoft.com/office/powerpoint/2010/main" val="2731438788"/>
+                <p14:modId xmlns:p14="http://schemas.microsoft.com/office/powerpoint/2010/main" val="326046849"/>
               </p:ext>
             </p:extLst>
           </p:nvPr>
         </p:nvGraphicFramePr>
         <p:xfrm>
-          <a:off x="1035050" y="33637537"/>
-          <a:ext cx="30099000" cy="2651759"/>
+          <a:off x="1111250" y="33037005"/>
+          <a:ext cx="30175200" cy="2734134"/>
         </p:xfrm>
         <a:graphic>
           <a:graphicData uri="http://schemas.openxmlformats.org/drawingml/2006/table">
@@ -4924,9 +4042,9 @@
                 <a:tableStyleId>{073A0DAA-6AF3-43AB-8588-CEC1D06C72B9}</a:tableStyleId>
               </a:tblPr>
               <a:tblGrid>
-                <a:gridCol w="30099000"/>
+                <a:gridCol w="30175200"/>
               </a:tblGrid>
-              <a:tr h="824056">
+              <a:tr h="942805">
                 <a:tc>
                   <a:txBody>
                     <a:bodyPr/>
@@ -4943,7 +4061,7 @@
                   <a:tcPr/>
                 </a:tc>
               </a:tr>
-              <a:tr h="1447800">
+              <a:tr h="1791329">
                 <a:tc>
                   <a:txBody>
                     <a:bodyPr/>
@@ -4955,11 +4073,7 @@
                       </a:pPr>
                       <a:r>
                         <a:rPr lang="en-US" sz="3600" baseline="0" dirty="0" smtClean="0"/>
-                        <a:t> We used well-annotated genomes and searched for </a:t>
-                      </a:r>
-                      <a:r>
-                        <a:rPr lang="en-US" sz="3600" baseline="0" dirty="0" smtClean="0"/>
-                        <a:t>repeats, comparing results with those in </a:t>
+                        <a:t> We used well-annotated genomes and searched for repeats, comparing results with those in </a:t>
                       </a:r>
                       <a:r>
                         <a:rPr lang="en-US" sz="3600" baseline="0" dirty="0" err="1" smtClean="0"/>
@@ -4985,19 +4099,23 @@
                       </a:r>
                       <a:r>
                         <a:rPr lang="en-US" sz="3600" baseline="0" dirty="0" smtClean="0"/>
+                        <a:t> is run with parameters set to default. Runtimes include time taken by </a:t>
+                      </a:r>
+                      <a:r>
+                        <a:rPr lang="en-US" sz="3600" baseline="0" dirty="0" smtClean="0"/>
+                        <a:t>RepeatMasker</a:t>
+                      </a:r>
+                      <a:r>
+                        <a:rPr lang="en-US" sz="3600" baseline="30000" dirty="0" smtClean="0"/>
+                        <a:t>9</a:t>
+                      </a:r>
+                      <a:r>
+                        <a:rPr lang="en-US" sz="3600" baseline="0" dirty="0" smtClean="0"/>
                         <a:t> </a:t>
                       </a:r>
                       <a:r>
                         <a:rPr lang="en-US" sz="3600" baseline="0" dirty="0" smtClean="0"/>
-                        <a:t>is run with parameters set to default. Runtimes include time taken by RepeatMasker</a:t>
-                      </a:r>
-                      <a:r>
-                        <a:rPr lang="en-US" sz="3600" baseline="30000" dirty="0" smtClean="0"/>
-                        <a:t>7</a:t>
-                      </a:r>
-                      <a:r>
-                        <a:rPr lang="en-US" sz="3600" baseline="0" dirty="0" smtClean="0"/>
-                        <a:t> to find </a:t>
+                        <a:t>to find </a:t>
                       </a:r>
                       <a:r>
                         <a:rPr lang="en-US" sz="3600" baseline="0" dirty="0" err="1" smtClean="0"/>
@@ -5022,21 +4140,28 @@
           <p:cNvGraphicFramePr>
             <a:graphicFrameLocks noGrp="1"/>
           </p:cNvGraphicFramePr>
-          <p:nvPr/>
+          <p:nvPr>
+            <p:extLst>
+              <p:ext uri="{D42A27DB-BD31-4B8C-83A1-F6EECF244321}">
+                <p14:modId xmlns:p14="http://schemas.microsoft.com/office/powerpoint/2010/main" val="2451189889"/>
+              </p:ext>
+            </p:extLst>
+          </p:nvPr>
         </p:nvGraphicFramePr>
         <p:xfrm>
-          <a:off x="882650" y="41943337"/>
-          <a:ext cx="20421600" cy="381000"/>
+          <a:off x="1111250" y="40800338"/>
+          <a:ext cx="30175199" cy="994410"/>
         </p:xfrm>
         <a:graphic>
           <a:graphicData uri="http://schemas.openxmlformats.org/drawingml/2006/table">
             <a:tbl>
               <a:tblPr/>
               <a:tblGrid>
-                <a:gridCol w="11353800"/>
-                <a:gridCol w="9067800"/>
+                <a:gridCol w="10782025"/>
+                <a:gridCol w="10782025"/>
+                <a:gridCol w="8611149"/>
               </a:tblGrid>
-              <a:tr h="190500">
+              <a:tr h="353344">
                 <a:tc>
                   <a:txBody>
                     <a:bodyPr/>
@@ -5044,85 +4169,169 @@
                     <a:p>
                       <a:pPr algn="l" fontAlgn="b"/>
                       <a:r>
-                        <a:rPr lang="en-US" sz="1000" b="0" i="0" u="none" strike="noStrike" baseline="30000" dirty="0" smtClean="0">
+                        <a:rPr lang="en-US" sz="1600" b="0" i="0" u="none" strike="noStrike" baseline="30000" dirty="0" smtClean="0">
                           <a:solidFill>
                             <a:srgbClr val="222222"/>
                           </a:solidFill>
-                          <a:latin typeface="Arial"/>
+                          <a:latin typeface="+mn-lt"/>
                         </a:rPr>
                         <a:t>4</a:t>
                       </a:r>
                       <a:r>
-                        <a:rPr lang="en-US" sz="1000" b="0" i="0" u="none" strike="noStrike" dirty="0" smtClean="0">
+                        <a:rPr lang="en-US" sz="1600" b="0" i="0" u="none" strike="noStrike" dirty="0" smtClean="0">
                           <a:solidFill>
                             <a:srgbClr val="222222"/>
                           </a:solidFill>
-                          <a:latin typeface="Arial"/>
+                          <a:latin typeface="+mn-lt"/>
                         </a:rPr>
-                        <a:t>Zheng</a:t>
-                      </a:r>
-                      <a:r>
-                        <a:rPr lang="en-US" sz="1000" b="0" i="0" u="none" strike="noStrike" dirty="0">
+                        <a:t>Reece, Jane B., Lisa A. </a:t>
+                      </a:r>
+                      <a:r>
+                        <a:rPr lang="en-US" sz="1600" b="0" i="0" u="none" strike="noStrike" dirty="0" err="1" smtClean="0">
                           <a:solidFill>
                             <a:srgbClr val="222222"/>
                           </a:solidFill>
-                          <a:latin typeface="Arial"/>
+                          <a:latin typeface="+mn-lt"/>
                         </a:rPr>
-                        <a:t>, </a:t>
-                      </a:r>
-                      <a:r>
-                        <a:rPr lang="en-US" sz="1000" b="0" i="0" u="none" strike="noStrike" dirty="0" err="1">
+                        <a:t>Urry</a:t>
+                      </a:r>
+                      <a:r>
+                        <a:rPr lang="en-US" sz="1600" b="0" i="0" u="none" strike="noStrike" dirty="0" smtClean="0">
                           <a:solidFill>
                             <a:srgbClr val="222222"/>
                           </a:solidFill>
-                          <a:latin typeface="Arial"/>
+                          <a:latin typeface="+mn-lt"/>
                         </a:rPr>
-                        <a:t>Jie</a:t>
-                      </a:r>
-                      <a:r>
-                        <a:rPr lang="en-US" sz="1000" b="0" i="0" u="none" strike="noStrike" dirty="0">
+                        <a:t>, Michael L. Cain, Steven A. Wasserman, Peter V. </a:t>
+                      </a:r>
+                      <a:r>
+                        <a:rPr lang="en-US" sz="1600" b="0" i="0" u="none" strike="noStrike" dirty="0" err="1" smtClean="0">
                           <a:solidFill>
                             <a:srgbClr val="222222"/>
                           </a:solidFill>
-                          <a:latin typeface="Arial"/>
+                          <a:latin typeface="+mn-lt"/>
                         </a:rPr>
-                        <a:t>, and Stefano </a:t>
-                      </a:r>
-                      <a:r>
-                        <a:rPr lang="en-US" sz="1000" b="0" i="0" u="none" strike="noStrike" dirty="0" err="1">
+                        <a:t>Minorsky</a:t>
+                      </a:r>
+                      <a:r>
+                        <a:rPr lang="en-US" sz="1600" b="0" i="0" u="none" strike="noStrike" dirty="0" smtClean="0">
                           <a:solidFill>
                             <a:srgbClr val="222222"/>
                           </a:solidFill>
-                          <a:latin typeface="Arial"/>
+                          <a:latin typeface="+mn-lt"/>
                         </a:rPr>
-                        <a:t>Lonardi</a:t>
-                      </a:r>
-                      <a:r>
-                        <a:rPr lang="en-US" sz="1000" b="0" i="0" u="none" strike="noStrike" dirty="0">
+                        <a:t>,</a:t>
+                      </a:r>
+                      <a:r>
+                        <a:rPr lang="en-US" sz="1600" b="0" i="0" u="none" strike="noStrike" baseline="0" dirty="0" smtClean="0">
                           <a:solidFill>
                             <a:srgbClr val="222222"/>
                           </a:solidFill>
-                          <a:latin typeface="Arial"/>
+                          <a:latin typeface="+mn-lt"/>
                         </a:rPr>
-                        <a:t>. "Discovery of repetitive patterns in DNA with accurate boundaries." </a:t>
-                      </a:r>
-                      <a:r>
-                        <a:rPr lang="en-US" sz="1000" b="0" i="1" u="none" strike="noStrike" dirty="0">
+                        <a:t> and </a:t>
+                      </a:r>
+                      <a:r>
+                        <a:rPr lang="en-US" sz="1600" b="0" i="0" u="none" strike="noStrike" dirty="0" smtClean="0">
                           <a:solidFill>
                             <a:srgbClr val="222222"/>
                           </a:solidFill>
-                          <a:latin typeface="Arial"/>
+                          <a:latin typeface="+mn-lt"/>
                         </a:rPr>
-                        <a:t>Bioinformatics and Bioengineering, 2005. BIBE 2005. Fifth IEEE Symposium on</a:t>
-                      </a:r>
-                      <a:r>
-                        <a:rPr lang="en-US" sz="1000" b="0" i="0" u="none" strike="noStrike" dirty="0">
+                        <a:t>Robert B. Jackson. “Genomes and their evolution.” </a:t>
+                      </a:r>
+                      <a:r>
+                        <a:rPr lang="en-US" sz="1600" b="0" i="1" u="none" strike="noStrike" dirty="0" smtClean="0">
                           <a:solidFill>
                             <a:srgbClr val="222222"/>
                           </a:solidFill>
-                          <a:latin typeface="Arial"/>
+                          <a:latin typeface="+mn-lt"/>
                         </a:rPr>
-                        <a:t>. IEEE, 2005.</a:t>
+                        <a:t>Campbell Biology.</a:t>
+                      </a:r>
+                      <a:r>
+                        <a:rPr lang="en-US" sz="1600" b="0" i="1" u="none" strike="noStrike" baseline="0" dirty="0" smtClean="0">
+                          <a:solidFill>
+                            <a:srgbClr val="222222"/>
+                          </a:solidFill>
+                          <a:latin typeface="+mn-lt"/>
+                        </a:rPr>
+                        <a:t> </a:t>
+                      </a:r>
+                      <a:r>
+                        <a:rPr lang="en-US" sz="1600" b="0" i="0" u="none" strike="noStrike" baseline="0" dirty="0" smtClean="0">
+                          <a:solidFill>
+                            <a:srgbClr val="222222"/>
+                          </a:solidFill>
+                          <a:latin typeface="+mn-lt"/>
+                        </a:rPr>
+                        <a:t>10th ed. USA: Pearson Education, 2013. 444. Print.</a:t>
+                      </a:r>
+                      <a:endParaRPr lang="en-US" sz="1600" b="0" i="0" u="none" strike="noStrike" dirty="0">
+                        <a:solidFill>
+                          <a:srgbClr val="222222"/>
+                        </a:solidFill>
+                        <a:latin typeface="+mn-lt"/>
+                      </a:endParaRPr>
+                    </a:p>
+                  </a:txBody>
+                  <a:tcPr marL="9525" marR="9525" marT="9525" marB="0" anchor="b">
+                    <a:lnL>
+                      <a:noFill/>
+                    </a:lnL>
+                    <a:lnR>
+                      <a:noFill/>
+                    </a:lnR>
+                    <a:lnT>
+                      <a:noFill/>
+                    </a:lnT>
+                    <a:lnB>
+                      <a:noFill/>
+                    </a:lnB>
+                  </a:tcPr>
+                </a:tc>
+                <a:tc>
+                  <a:txBody>
+                    <a:bodyPr/>
+                    <a:lstStyle/>
+                    <a:p>
+                      <a:pPr marL="0" marR="0" indent="0" algn="l" defTabSz="4319626" rtl="0" eaLnBrk="1" fontAlgn="b" latinLnBrk="0" hangingPunct="1">
+                        <a:lnSpc>
+                          <a:spcPct val="100000"/>
+                        </a:lnSpc>
+                        <a:spcBef>
+                          <a:spcPts val="0"/>
+                        </a:spcBef>
+                        <a:spcAft>
+                          <a:spcPts val="0"/>
+                        </a:spcAft>
+                        <a:buClrTx/>
+                        <a:buSzTx/>
+                        <a:buFontTx/>
+                        <a:buNone/>
+                        <a:tabLst/>
+                        <a:defRPr/>
+                      </a:pPr>
+                      <a:r>
+                        <a:rPr lang="en-US" sz="1600" b="0" i="0" u="none" strike="noStrike" baseline="30000" dirty="0" smtClean="0">
+                          <a:solidFill>
+                            <a:srgbClr val="222222"/>
+                          </a:solidFill>
+                          <a:latin typeface="+mn-lt"/>
+                        </a:rPr>
+                        <a:t>6</a:t>
+                      </a:r>
+                      <a:r>
+                        <a:rPr lang="en-US" sz="1600" dirty="0" smtClean="0"/>
+                        <a:t>Figueroa, Nathaniel, et al. "RAIDER: Rapid </a:t>
+                      </a:r>
+                      <a:r>
+                        <a:rPr lang="en-US" sz="1600" dirty="0" err="1" smtClean="0"/>
+                        <a:t>Ab</a:t>
+                      </a:r>
+                      <a:r>
+                        <a:rPr lang="en-US" sz="1600" dirty="0" smtClean="0"/>
+                        <a:t> Initio Detection of Elementary Repeats." Advances in Bioinformatics and Computational Biology. Springer International Publishing, 2013. 170-180.</a:t>
                       </a:r>
                     </a:p>
                   </a:txBody>
@@ -5148,101 +4357,101 @@
                     <a:p>
                       <a:pPr algn="l" fontAlgn="b"/>
                       <a:r>
-                        <a:rPr lang="en-US" sz="1100" b="0" i="0" u="none" strike="noStrike" baseline="30000" dirty="0" smtClean="0">
+                        <a:rPr lang="en-US" sz="1600" b="0" i="0" u="none" strike="noStrike" baseline="30000" dirty="0" smtClean="0">
                           <a:solidFill>
                             <a:srgbClr val="000000"/>
                           </a:solidFill>
-                          <a:latin typeface="Calibri"/>
+                          <a:latin typeface="+mn-lt"/>
                         </a:rPr>
-                        <a:t>6</a:t>
-                      </a:r>
-                      <a:r>
-                        <a:rPr lang="en-US" sz="1100" b="0" i="0" u="none" strike="noStrike" dirty="0" smtClean="0">
+                        <a:t>8</a:t>
+                      </a:r>
+                      <a:r>
+                        <a:rPr lang="en-US" sz="1600" b="0" i="0" u="none" strike="noStrike" dirty="0" smtClean="0">
                           <a:solidFill>
                             <a:srgbClr val="000000"/>
                           </a:solidFill>
-                          <a:latin typeface="Calibri"/>
+                          <a:latin typeface="+mn-lt"/>
                         </a:rPr>
                         <a:t>Price</a:t>
                       </a:r>
                       <a:r>
-                        <a:rPr lang="en-US" sz="1100" b="0" i="0" u="none" strike="noStrike" dirty="0">
+                        <a:rPr lang="en-US" sz="1600" b="0" i="0" u="none" strike="noStrike" dirty="0">
                           <a:solidFill>
                             <a:srgbClr val="000000"/>
                           </a:solidFill>
-                          <a:latin typeface="Calibri"/>
+                          <a:latin typeface="+mn-lt"/>
                         </a:rPr>
                         <a:t>, </a:t>
                       </a:r>
                       <a:r>
-                        <a:rPr lang="en-US" sz="1100" b="0" i="0" u="none" strike="noStrike" dirty="0" err="1">
+                        <a:rPr lang="en-US" sz="1600" b="0" i="0" u="none" strike="noStrike" dirty="0" err="1">
                           <a:solidFill>
                             <a:srgbClr val="000000"/>
                           </a:solidFill>
-                          <a:latin typeface="Calibri"/>
+                          <a:latin typeface="+mn-lt"/>
                         </a:rPr>
                         <a:t>Alkes</a:t>
                       </a:r>
                       <a:r>
-                        <a:rPr lang="en-US" sz="1100" b="0" i="0" u="none" strike="noStrike" dirty="0">
+                        <a:rPr lang="en-US" sz="1600" b="0" i="0" u="none" strike="noStrike" dirty="0">
                           <a:solidFill>
                             <a:srgbClr val="000000"/>
                           </a:solidFill>
-                          <a:latin typeface="Calibri"/>
+                          <a:latin typeface="+mn-lt"/>
                         </a:rPr>
                         <a:t> L., Neil C. Jones, and </a:t>
                       </a:r>
                       <a:r>
-                        <a:rPr lang="en-US" sz="1100" b="0" i="0" u="none" strike="noStrike" dirty="0" err="1">
+                        <a:rPr lang="en-US" sz="1600" b="0" i="0" u="none" strike="noStrike" dirty="0" err="1">
                           <a:solidFill>
                             <a:srgbClr val="000000"/>
                           </a:solidFill>
-                          <a:latin typeface="Calibri"/>
+                          <a:latin typeface="+mn-lt"/>
                         </a:rPr>
                         <a:t>Pavel</a:t>
                       </a:r>
                       <a:r>
-                        <a:rPr lang="en-US" sz="1100" b="0" i="0" u="none" strike="noStrike" dirty="0">
+                        <a:rPr lang="en-US" sz="1600" b="0" i="0" u="none" strike="noStrike" dirty="0">
                           <a:solidFill>
                             <a:srgbClr val="000000"/>
                           </a:solidFill>
-                          <a:latin typeface="Calibri"/>
+                          <a:latin typeface="+mn-lt"/>
                         </a:rPr>
                         <a:t> A. </a:t>
                       </a:r>
                       <a:r>
-                        <a:rPr lang="en-US" sz="1100" b="0" i="0" u="none" strike="noStrike" dirty="0" err="1">
+                        <a:rPr lang="en-US" sz="1600" b="0" i="0" u="none" strike="noStrike" dirty="0" err="1">
                           <a:solidFill>
                             <a:srgbClr val="000000"/>
                           </a:solidFill>
-                          <a:latin typeface="Calibri"/>
+                          <a:latin typeface="+mn-lt"/>
                         </a:rPr>
                         <a:t>Pevzner</a:t>
                       </a:r>
                       <a:r>
-                        <a:rPr lang="en-US" sz="1100" b="0" i="0" u="none" strike="noStrike" dirty="0">
+                        <a:rPr lang="en-US" sz="1600" b="0" i="0" u="none" strike="noStrike" dirty="0">
                           <a:solidFill>
                             <a:srgbClr val="000000"/>
                           </a:solidFill>
-                          <a:latin typeface="Calibri"/>
+                          <a:latin typeface="+mn-lt"/>
                         </a:rPr>
                         <a:t>. "De novo identification of repeat families in large genomes." </a:t>
                       </a:r>
                       <a:r>
-                        <a:rPr lang="en-US" sz="1100" b="0" i="1" u="none" strike="noStrike" dirty="0">
+                        <a:rPr lang="en-US" sz="1600" b="0" i="1" u="none" strike="noStrike" dirty="0">
                           <a:solidFill>
                             <a:srgbClr val="000000"/>
                           </a:solidFill>
-                          <a:latin typeface="Calibri"/>
+                          <a:latin typeface="+mn-lt"/>
                         </a:rPr>
                         <a:t>Bioinformatics</a:t>
                       </a:r>
                       <a:r>
-                        <a:rPr lang="en-US" sz="1100" b="0" i="0" u="none" strike="noStrike" dirty="0">
+                        <a:rPr lang="en-US" sz="1600" b="0" i="0" u="none" strike="noStrike" dirty="0">
                           <a:solidFill>
                             <a:srgbClr val="000000"/>
                           </a:solidFill>
-                          <a:latin typeface="Calibri"/>
+                          <a:latin typeface="+mn-lt"/>
                         </a:rPr>
                         <a:t> 21.suppl 1 (2005): i351-i358.</a:t>
                       </a:r>
@@ -5264,76 +4473,134 @@
                   </a:tcPr>
                 </a:tc>
               </a:tr>
-              <a:tr h="190500">
+              <a:tr h="180056">
                 <a:tc>
                   <a:txBody>
                     <a:bodyPr/>
                     <a:lstStyle/>
                     <a:p>
-                      <a:pPr algn="l" fontAlgn="b"/>
-                      <a:r>
-                        <a:rPr lang="en-US" sz="1100" b="0" i="0" u="none" strike="noStrike" baseline="30000" dirty="0" smtClean="0">
+                      <a:pPr marL="0" marR="0" indent="0" algn="l" defTabSz="4319626" rtl="0" eaLnBrk="1" fontAlgn="b" latinLnBrk="0" hangingPunct="1">
+                        <a:lnSpc>
+                          <a:spcPct val="100000"/>
+                        </a:lnSpc>
+                        <a:spcBef>
+                          <a:spcPts val="0"/>
+                        </a:spcBef>
+                        <a:spcAft>
+                          <a:spcPts val="0"/>
+                        </a:spcAft>
+                        <a:buClrTx/>
+                        <a:buSzTx/>
+                        <a:buFontTx/>
+                        <a:buNone/>
+                        <a:tabLst/>
+                        <a:defRPr/>
+                      </a:pPr>
+                      <a:r>
+                        <a:rPr lang="en-US" sz="1600" b="0" i="0" u="none" strike="noStrike" baseline="30000" dirty="0" smtClean="0">
                           <a:solidFill>
-                            <a:srgbClr val="000000"/>
+                            <a:srgbClr val="222222"/>
                           </a:solidFill>
-                          <a:latin typeface="Calibri"/>
+                          <a:latin typeface="+mn-lt"/>
                         </a:rPr>
                         <a:t>5</a:t>
                       </a:r>
                       <a:r>
-                        <a:rPr lang="en-US" sz="1100" b="0" i="0" u="none" strike="noStrike" dirty="0" smtClean="0">
+                        <a:rPr lang="en-US" sz="1600" b="0" i="0" u="none" strike="noStrike" dirty="0" smtClean="0">
                           <a:solidFill>
-                            <a:srgbClr val="000000"/>
+                            <a:srgbClr val="222222"/>
                           </a:solidFill>
-                          <a:latin typeface="Calibri"/>
+                          <a:latin typeface="+mn-lt"/>
                         </a:rPr>
-                        <a:t>J</a:t>
-                      </a:r>
-                      <a:r>
-                        <a:rPr lang="en-US" sz="1100" b="0" i="0" u="none" strike="noStrike" dirty="0">
+                        <a:t>Zheng, </a:t>
+                      </a:r>
+                      <a:r>
+                        <a:rPr lang="en-US" sz="1600" b="0" i="0" u="none" strike="noStrike" dirty="0" err="1" smtClean="0">
                           <a:solidFill>
-                            <a:srgbClr val="000000"/>
+                            <a:srgbClr val="222222"/>
                           </a:solidFill>
-                          <a:latin typeface="Calibri"/>
+                          <a:latin typeface="+mn-lt"/>
                         </a:rPr>
-                        <a:t>. T. M. L. Bin Ma, “</a:t>
-                      </a:r>
-                      <a:r>
-                        <a:rPr lang="en-US" sz="1100" b="0" i="0" u="none" strike="noStrike" dirty="0" err="1">
+                        <a:t>Jie</a:t>
+                      </a:r>
+                      <a:r>
+                        <a:rPr lang="en-US" sz="1600" b="0" i="0" u="none" strike="noStrike" dirty="0" smtClean="0">
                           <a:solidFill>
-                            <a:srgbClr val="000000"/>
+                            <a:srgbClr val="222222"/>
                           </a:solidFill>
-                          <a:latin typeface="Calibri"/>
+                          <a:latin typeface="+mn-lt"/>
                         </a:rPr>
-                        <a:t>PatternHunter</a:t>
-                      </a:r>
-                      <a:r>
-                        <a:rPr lang="en-US" sz="1100" b="0" i="0" u="none" strike="noStrike" dirty="0">
+                        <a:t>, and Stefano </a:t>
+                      </a:r>
+                      <a:r>
+                        <a:rPr lang="en-US" sz="1600" b="0" i="0" u="none" strike="noStrike" dirty="0" err="1" smtClean="0">
                           <a:solidFill>
-                            <a:srgbClr val="000000"/>
+                            <a:srgbClr val="222222"/>
                           </a:solidFill>
-                          <a:latin typeface="Calibri"/>
+                          <a:latin typeface="+mn-lt"/>
                         </a:rPr>
-                        <a:t>: faster and more sensitive homology search,” </a:t>
-                      </a:r>
-                      <a:r>
-                        <a:rPr lang="en-US" sz="1100" b="0" i="1" u="none" strike="noStrike" dirty="0">
+                        <a:t>Lonardi</a:t>
+                      </a:r>
+                      <a:r>
+                        <a:rPr lang="en-US" sz="1600" b="0" i="0" u="none" strike="noStrike" dirty="0" smtClean="0">
                           <a:solidFill>
-                            <a:srgbClr val="000000"/>
+                            <a:srgbClr val="222222"/>
                           </a:solidFill>
-                          <a:latin typeface="Calibri"/>
+                          <a:latin typeface="+mn-lt"/>
                         </a:rPr>
-                        <a:t>Bioinformatics, </a:t>
-                      </a:r>
-                      <a:r>
-                        <a:rPr lang="en-US" sz="1100" b="0" i="0" u="none" strike="noStrike" dirty="0">
+                        <a:t>.</a:t>
+                      </a:r>
+                      <a:r>
+                        <a:rPr lang="en-US" sz="1600" b="0" i="0" u="none" strike="noStrike" baseline="0" dirty="0" smtClean="0">
                           <a:solidFill>
-                            <a:srgbClr val="000000"/>
+                            <a:srgbClr val="222222"/>
                           </a:solidFill>
-                          <a:latin typeface="Calibri"/>
+                          <a:latin typeface="+mn-lt"/>
                         </a:rPr>
-                        <a:t>2001. </a:t>
-                      </a:r>
+                        <a:t> </a:t>
+                      </a:r>
+                      <a:r>
+                        <a:rPr lang="en-US" sz="1600" b="0" i="0" u="none" strike="noStrike" dirty="0" smtClean="0">
+                          <a:solidFill>
+                            <a:srgbClr val="222222"/>
+                          </a:solidFill>
+                          <a:latin typeface="+mn-lt"/>
+                        </a:rPr>
+                        <a:t>"Discovery of repetitive patterns in DNA with accurate boundaries." </a:t>
+                      </a:r>
+                      <a:r>
+                        <a:rPr lang="en-US" sz="1600" b="0" i="1" u="none" strike="noStrike" dirty="0" smtClean="0">
+                          <a:solidFill>
+                            <a:srgbClr val="222222"/>
+                          </a:solidFill>
+                          <a:latin typeface="+mn-lt"/>
+                        </a:rPr>
+                        <a:t>Bioinformatics and Bioengineering, 2005. BIBE 2005. Fifth IEEE Symposium on</a:t>
+                      </a:r>
+                      <a:r>
+                        <a:rPr lang="en-US" sz="1600" b="0" i="0" u="none" strike="noStrike" dirty="0" smtClean="0">
+                          <a:solidFill>
+                            <a:srgbClr val="222222"/>
+                          </a:solidFill>
+                          <a:latin typeface="+mn-lt"/>
+                        </a:rPr>
+                        <a:t>. IEEE, 2005.</a:t>
+                      </a:r>
+                      <a:r>
+                        <a:rPr lang="en-US" sz="1600" b="0" i="0" u="none" strike="noStrike" baseline="0" dirty="0" smtClean="0">
+                          <a:solidFill>
+                            <a:srgbClr val="222222"/>
+                          </a:solidFill>
+                          <a:latin typeface="+mn-lt"/>
+                        </a:rPr>
+                        <a:t> 105-112.</a:t>
+                      </a:r>
+                      <a:endParaRPr lang="en-US" sz="1600" b="0" i="0" u="none" strike="noStrike" dirty="0" smtClean="0">
+                        <a:solidFill>
+                          <a:srgbClr val="222222"/>
+                        </a:solidFill>
+                        <a:latin typeface="+mn-lt"/>
+                      </a:endParaRPr>
                     </a:p>
                   </a:txBody>
                   <a:tcPr marL="9525" marR="9525" marT="9525" marB="0" anchor="b">
@@ -5358,67 +4625,187 @@
                     <a:p>
                       <a:pPr algn="l" fontAlgn="b"/>
                       <a:r>
-                        <a:rPr lang="en-US" sz="1100" b="0" i="0" u="none" strike="noStrike" baseline="30000" dirty="0" smtClean="0">
+                        <a:rPr lang="en-US" sz="1600" b="0" i="0" u="none" strike="noStrike" baseline="30000" dirty="0" smtClean="0">
                           <a:solidFill>
                             <a:srgbClr val="000000"/>
                           </a:solidFill>
-                          <a:latin typeface="Calibri"/>
+                          <a:latin typeface="+mn-lt"/>
                         </a:rPr>
                         <a:t>7</a:t>
                       </a:r>
                       <a:r>
-                        <a:rPr lang="en-US" sz="1100" b="0" i="0" u="none" strike="noStrike" dirty="0" smtClean="0">
+                        <a:rPr lang="en-US" sz="1600" b="0" i="0" u="none" strike="noStrike" baseline="0" dirty="0" smtClean="0">
                           <a:solidFill>
                             <a:srgbClr val="000000"/>
                           </a:solidFill>
-                          <a:latin typeface="Calibri"/>
+                          <a:latin typeface="+mn-lt"/>
                         </a:rPr>
-                        <a:t>Smit</a:t>
-                      </a:r>
-                      <a:r>
-                        <a:rPr lang="en-US" sz="1100" b="0" i="0" u="none" strike="noStrike" dirty="0">
+                        <a:t>Ma, Bin, John Tromp, and Ming Li.</a:t>
+                      </a:r>
+                      <a:r>
+                        <a:rPr lang="en-US" sz="1600" b="0" i="0" u="none" strike="noStrike" dirty="0" smtClean="0">
                           <a:solidFill>
                             <a:srgbClr val="000000"/>
                           </a:solidFill>
-                          <a:latin typeface="Calibri"/>
+                          <a:latin typeface="+mn-lt"/>
                         </a:rPr>
-                        <a:t>, AFA, </a:t>
-                      </a:r>
-                      <a:r>
-                        <a:rPr lang="en-US" sz="1100" b="0" i="0" u="none" strike="noStrike" dirty="0" err="1">
+                        <a:t> </a:t>
+                      </a:r>
+                      <a:r>
+                        <a:rPr lang="en-US" sz="1600" b="0" i="0" u="none" strike="noStrike" dirty="0">
                           <a:solidFill>
                             <a:srgbClr val="000000"/>
                           </a:solidFill>
-                          <a:latin typeface="Calibri"/>
+                          <a:latin typeface="+mn-lt"/>
                         </a:rPr>
-                        <a:t>Hubley</a:t>
-                      </a:r>
-                      <a:r>
-                        <a:rPr lang="en-US" sz="1100" b="0" i="0" u="none" strike="noStrike" dirty="0">
+                        <a:t>“</a:t>
+                      </a:r>
+                      <a:r>
+                        <a:rPr lang="en-US" sz="1600" b="0" i="0" u="none" strike="noStrike" dirty="0" err="1">
                           <a:solidFill>
                             <a:srgbClr val="000000"/>
                           </a:solidFill>
-                          <a:latin typeface="Calibri"/>
+                          <a:latin typeface="+mn-lt"/>
                         </a:rPr>
-                        <a:t>, R &amp; Green, P. </a:t>
-                      </a:r>
-                      <a:r>
-                        <a:rPr lang="en-US" sz="1100" b="0" i="0" u="none" strike="noStrike" dirty="0" err="1">
+                        <a:t>PatternHunter</a:t>
+                      </a:r>
+                      <a:r>
+                        <a:rPr lang="en-US" sz="1600" b="0" i="0" u="none" strike="noStrike" dirty="0">
                           <a:solidFill>
                             <a:srgbClr val="000000"/>
                           </a:solidFill>
-                          <a:latin typeface="Calibri"/>
+                          <a:latin typeface="+mn-lt"/>
                         </a:rPr>
-                        <a:t>RepeatMasker</a:t>
-                      </a:r>
-                      <a:r>
-                        <a:rPr lang="en-US" sz="1100" b="0" i="0" u="none" strike="noStrike" dirty="0">
+                        <a:t>: faster and more sensitive homology </a:t>
+                      </a:r>
+                      <a:r>
+                        <a:rPr lang="en-US" sz="1600" b="0" i="0" u="none" strike="noStrike" dirty="0" smtClean="0">
                           <a:solidFill>
                             <a:srgbClr val="000000"/>
                           </a:solidFill>
-                          <a:latin typeface="Calibri"/>
+                          <a:latin typeface="+mn-lt"/>
                         </a:rPr>
-                        <a:t> Open-3.0. 1996-2010 &lt;http://www.repeatmasker.org&gt;.</a:t>
+                        <a:t>search.” </a:t>
+                      </a:r>
+                      <a:r>
+                        <a:rPr lang="en-US" sz="1600" b="0" i="1" u="none" strike="noStrike" dirty="0" smtClean="0">
+                          <a:solidFill>
+                            <a:srgbClr val="000000"/>
+                          </a:solidFill>
+                          <a:latin typeface="+mn-lt"/>
+                        </a:rPr>
+                        <a:t>Bioinformatics</a:t>
+                      </a:r>
+                      <a:r>
+                        <a:rPr lang="en-US" sz="1600" b="0" i="0" u="none" strike="noStrike" dirty="0" smtClean="0">
+                          <a:solidFill>
+                            <a:srgbClr val="000000"/>
+                          </a:solidFill>
+                          <a:latin typeface="+mn-lt"/>
+                        </a:rPr>
+                        <a:t>.</a:t>
+                      </a:r>
+                      <a:r>
+                        <a:rPr lang="en-US" sz="1600" b="0" i="0" u="none" strike="noStrike" baseline="0" dirty="0" smtClean="0">
+                          <a:solidFill>
+                            <a:srgbClr val="000000"/>
+                          </a:solidFill>
+                          <a:latin typeface="+mn-lt"/>
+                        </a:rPr>
+                        <a:t> 18.3</a:t>
+                      </a:r>
+                      <a:r>
+                        <a:rPr lang="en-US" sz="1600" b="0" i="0" u="none" strike="noStrike" dirty="0" smtClean="0">
+                          <a:solidFill>
+                            <a:srgbClr val="000000"/>
+                          </a:solidFill>
+                          <a:latin typeface="+mn-lt"/>
+                        </a:rPr>
+                        <a:t> (2002) 440-445. </a:t>
+                      </a:r>
+                      <a:endParaRPr lang="en-US" sz="1600" b="0" i="0" u="none" strike="noStrike" dirty="0">
+                        <a:solidFill>
+                          <a:srgbClr val="000000"/>
+                        </a:solidFill>
+                        <a:latin typeface="+mn-lt"/>
+                      </a:endParaRPr>
+                    </a:p>
+                  </a:txBody>
+                  <a:tcPr marL="9525" marR="9525" marT="9525" marB="0" anchor="b">
+                    <a:lnL>
+                      <a:noFill/>
+                    </a:lnL>
+                    <a:lnR>
+                      <a:noFill/>
+                    </a:lnR>
+                    <a:lnT>
+                      <a:noFill/>
+                    </a:lnT>
+                    <a:lnB>
+                      <a:noFill/>
+                    </a:lnB>
+                  </a:tcPr>
+                </a:tc>
+                <a:tc>
+                  <a:txBody>
+                    <a:bodyPr/>
+                    <a:lstStyle/>
+                    <a:p>
+                      <a:pPr marL="0" marR="0" indent="0" algn="l" defTabSz="4319626" rtl="0" eaLnBrk="1" fontAlgn="b" latinLnBrk="0" hangingPunct="1">
+                        <a:lnSpc>
+                          <a:spcPct val="100000"/>
+                        </a:lnSpc>
+                        <a:spcBef>
+                          <a:spcPts val="0"/>
+                        </a:spcBef>
+                        <a:spcAft>
+                          <a:spcPts val="0"/>
+                        </a:spcAft>
+                        <a:buClrTx/>
+                        <a:buSzTx/>
+                        <a:buFontTx/>
+                        <a:buNone/>
+                        <a:tabLst/>
+                        <a:defRPr/>
+                      </a:pPr>
+                      <a:r>
+                        <a:rPr lang="en-US" sz="1600" b="0" i="0" u="none" strike="noStrike" baseline="30000" dirty="0" smtClean="0">
+                          <a:solidFill>
+                            <a:srgbClr val="000000"/>
+                          </a:solidFill>
+                          <a:latin typeface="+mn-lt"/>
+                        </a:rPr>
+                        <a:t>9</a:t>
+                      </a:r>
+                      <a:r>
+                        <a:rPr lang="en-US" sz="1600" dirty="0" smtClean="0">
+                          <a:latin typeface="+mn-lt"/>
+                        </a:rPr>
+                        <a:t>Smit, Arian FA, Robert </a:t>
+                      </a:r>
+                      <a:r>
+                        <a:rPr lang="en-US" sz="1600" dirty="0" err="1" smtClean="0">
+                          <a:latin typeface="+mn-lt"/>
+                        </a:rPr>
+                        <a:t>Hubley</a:t>
+                      </a:r>
+                      <a:r>
+                        <a:rPr lang="en-US" sz="1600" dirty="0" smtClean="0">
+                          <a:latin typeface="+mn-lt"/>
+                        </a:rPr>
+                        <a:t>, and Phil Green. "</a:t>
+                      </a:r>
+                      <a:r>
+                        <a:rPr lang="en-US" sz="1600" dirty="0" err="1" smtClean="0">
+                          <a:latin typeface="+mn-lt"/>
+                        </a:rPr>
+                        <a:t>RepeatMasker</a:t>
+                      </a:r>
+                      <a:r>
+                        <a:rPr lang="en-US" sz="1600" dirty="0" smtClean="0">
+                          <a:latin typeface="+mn-lt"/>
+                        </a:rPr>
+                        <a:t> Open-3.0." (1996): 1996.</a:t>
                       </a:r>
                     </a:p>
                   </a:txBody>
@@ -5459,7 +4846,7 @@
         </p:blipFill>
         <p:spPr bwMode="auto">
           <a:xfrm>
-            <a:off x="1254125" y="1147762"/>
+            <a:off x="1133991" y="1252537"/>
             <a:ext cx="2895600" cy="2895600"/>
           </a:xfrm>
           <a:prstGeom prst="rect">
@@ -5577,7 +4964,7 @@
         </p:blipFill>
         <p:spPr>
           <a:xfrm>
-            <a:off x="1263650" y="8872537"/>
+            <a:off x="1228267" y="8491537"/>
             <a:ext cx="5445583" cy="5181600"/>
           </a:xfrm>
           <a:prstGeom prst="rect">
@@ -5601,14 +4988,14 @@
           <p:nvPr>
             <p:extLst>
               <p:ext uri="{D42A27DB-BD31-4B8C-83A1-F6EECF244321}">
-                <p14:modId xmlns:p14="http://schemas.microsoft.com/office/powerpoint/2010/main" val="3931575873"/>
+                <p14:modId xmlns:p14="http://schemas.microsoft.com/office/powerpoint/2010/main" val="4186743562"/>
               </p:ext>
             </p:extLst>
           </p:nvPr>
         </p:nvGraphicFramePr>
         <p:xfrm>
-          <a:off x="12388850" y="10796888"/>
-          <a:ext cx="12192000" cy="3257249"/>
+          <a:off x="11626850" y="10396538"/>
+          <a:ext cx="13487400" cy="3257249"/>
         </p:xfrm>
         <a:graphic>
           <a:graphicData uri="http://schemas.openxmlformats.org/drawingml/2006/table">
@@ -5617,7 +5004,7 @@
                 <a:tableStyleId>{00A15C55-8517-42AA-B614-E9B94910E393}</a:tableStyleId>
               </a:tblPr>
               <a:tblGrid>
-                <a:gridCol w="12192000"/>
+                <a:gridCol w="13487400"/>
               </a:tblGrid>
               <a:tr h="857551">
                 <a:tc>
@@ -5628,11 +5015,15 @@
                       <a:pPr algn="ctr"/>
                       <a:r>
                         <a:rPr lang="en-US" sz="5400" b="0" dirty="0" smtClean="0"/>
-                        <a:t>Elementary Repeat</a:t>
+                        <a:t>Elementary </a:t>
+                      </a:r>
+                      <a:r>
+                        <a:rPr lang="en-US" sz="5400" b="0" dirty="0" smtClean="0"/>
+                        <a:t>Repeat</a:t>
                       </a:r>
                       <a:r>
                         <a:rPr lang="en-US" sz="5400" b="0" baseline="30000" dirty="0" smtClean="0"/>
-                        <a:t>4</a:t>
+                        <a:t>5</a:t>
                       </a:r>
                       <a:endParaRPr lang="en-US" sz="5400" b="0" dirty="0">
                         <a:latin typeface="+mj-lt"/>
@@ -5653,7 +5044,7 @@
                         <a:buNone/>
                       </a:pPr>
                       <a:r>
-                        <a:rPr lang="en-US" sz="3200" baseline="0" dirty="0" smtClean="0"/>
+                        <a:rPr lang="en-US" sz="3600" baseline="0" dirty="0" smtClean="0"/>
                         <a:t>An elementary repeat is a subsequence that:</a:t>
                       </a:r>
                     </a:p>
@@ -5676,7 +5067,7 @@
                         <a:defRPr/>
                       </a:pPr>
                       <a:r>
-                        <a:rPr lang="en-US" sz="3200" baseline="0" dirty="0" smtClean="0"/>
+                        <a:rPr lang="en-US" sz="3600" baseline="0" dirty="0" smtClean="0"/>
                         <a:t>  - meets minimum length and frequency requirements</a:t>
                       </a:r>
                     </a:p>
@@ -5699,8 +5090,16 @@
                         <a:defRPr/>
                       </a:pPr>
                       <a:r>
-                        <a:rPr lang="en-US" sz="3200" baseline="0" dirty="0" smtClean="0"/>
-                        <a:t>  - does not contain an elementary repeat of higher frequency</a:t>
+                        <a:rPr lang="en-US" sz="3600" baseline="0" dirty="0" smtClean="0"/>
+                        <a:t>  - does not contain </a:t>
+                      </a:r>
+                      <a:r>
+                        <a:rPr lang="en-US" sz="3600" baseline="0" dirty="0" smtClean="0"/>
+                        <a:t>a repeat </a:t>
+                      </a:r>
+                      <a:r>
+                        <a:rPr lang="en-US" sz="3600" baseline="0" dirty="0" smtClean="0"/>
+                        <a:t>of higher frequency</a:t>
                       </a:r>
                     </a:p>
                     <a:p>
@@ -5722,10 +5121,9 @@
                         <a:defRPr/>
                       </a:pPr>
                       <a:r>
-                        <a:rPr lang="en-US" sz="3200" baseline="0" dirty="0" smtClean="0"/>
+                        <a:rPr lang="en-US" sz="3600" baseline="0" dirty="0" smtClean="0"/>
                         <a:t>  - is maximal (not contained within a longer repeat)</a:t>
                       </a:r>
-                      <a:endParaRPr lang="en-US" sz="3200" baseline="0" dirty="0" smtClean="0"/>
                     </a:p>
                   </a:txBody>
                   <a:tcPr/>
@@ -5743,8 +5141,8 @@
         </p:nvSpPr>
         <p:spPr>
           <a:xfrm>
-            <a:off x="1035050" y="16797337"/>
-            <a:ext cx="11277600" cy="2438400"/>
+            <a:off x="1079446" y="16111538"/>
+            <a:ext cx="11004604" cy="2440001"/>
           </a:xfrm>
           <a:prstGeom prst="flowChartProcess">
             <a:avLst/>
@@ -5789,7 +5187,7 @@
         </p:nvSpPr>
         <p:spPr>
           <a:xfrm>
-            <a:off x="12693650" y="16568737"/>
+            <a:off x="12769850" y="16111538"/>
             <a:ext cx="12801600" cy="838200"/>
           </a:xfrm>
           <a:prstGeom prst="rect">
@@ -5827,7 +5225,7 @@
         </p:nvSpPr>
         <p:spPr>
           <a:xfrm>
-            <a:off x="12693650" y="17406937"/>
+            <a:off x="12769850" y="17178337"/>
             <a:ext cx="12801600" cy="838200"/>
           </a:xfrm>
           <a:prstGeom prst="rect">
@@ -5905,7 +5303,7 @@
         </p:nvSpPr>
         <p:spPr>
           <a:xfrm>
-            <a:off x="15284450" y="19293840"/>
+            <a:off x="15940922" y="19235737"/>
             <a:ext cx="12801600" cy="830997"/>
           </a:xfrm>
           <a:prstGeom prst="rect">
@@ -5976,7 +5374,7 @@
         </p:nvSpPr>
         <p:spPr>
           <a:xfrm>
-            <a:off x="15360650" y="20208240"/>
+            <a:off x="16001349" y="20150136"/>
             <a:ext cx="1524000" cy="1569660"/>
           </a:xfrm>
           <a:prstGeom prst="rect">
@@ -6055,7 +5453,7 @@
         </p:nvSpPr>
         <p:spPr>
           <a:xfrm>
-            <a:off x="17037050" y="20208240"/>
+            <a:off x="17753949" y="20208239"/>
             <a:ext cx="12801600" cy="830997"/>
           </a:xfrm>
           <a:prstGeom prst="rect">
@@ -6144,7 +5542,7 @@
         </p:nvSpPr>
         <p:spPr>
           <a:xfrm>
-            <a:off x="17113250" y="21122640"/>
+            <a:off x="17830149" y="21064536"/>
             <a:ext cx="1600200" cy="1569660"/>
           </a:xfrm>
           <a:prstGeom prst="rect">
@@ -6223,7 +5621,7 @@
         </p:nvSpPr>
         <p:spPr>
           <a:xfrm>
-            <a:off x="18865850" y="21247477"/>
+            <a:off x="19582749" y="21247476"/>
             <a:ext cx="12801600" cy="830997"/>
           </a:xfrm>
           <a:prstGeom prst="rect">
@@ -6312,7 +5710,7 @@
         </p:nvSpPr>
         <p:spPr>
           <a:xfrm>
-            <a:off x="18942050" y="22161877"/>
+            <a:off x="19658949" y="22131336"/>
             <a:ext cx="1524000" cy="1569660"/>
           </a:xfrm>
           <a:prstGeom prst="rect">
@@ -6391,7 +5789,7 @@
         </p:nvSpPr>
         <p:spPr>
           <a:xfrm>
-            <a:off x="17189450" y="23807737"/>
+            <a:off x="17189450" y="24188738"/>
             <a:ext cx="12801600" cy="830997"/>
           </a:xfrm>
           <a:prstGeom prst="rect">
@@ -6512,7 +5910,7 @@
         </p:nvSpPr>
         <p:spPr>
           <a:xfrm>
-            <a:off x="17189450" y="25262740"/>
+            <a:off x="17189450" y="25415141"/>
             <a:ext cx="12801600" cy="830997"/>
           </a:xfrm>
           <a:prstGeom prst="rect">
@@ -6621,14 +6019,14 @@
           <p:nvPr>
             <p:extLst>
               <p:ext uri="{D42A27DB-BD31-4B8C-83A1-F6EECF244321}">
-                <p14:modId xmlns:p14="http://schemas.microsoft.com/office/powerpoint/2010/main" val="354995741"/>
+                <p14:modId xmlns:p14="http://schemas.microsoft.com/office/powerpoint/2010/main" val="3206108300"/>
               </p:ext>
             </p:extLst>
           </p:nvPr>
         </p:nvGraphicFramePr>
         <p:xfrm>
-          <a:off x="1111250" y="15273337"/>
-          <a:ext cx="30022800" cy="1142999"/>
+          <a:off x="1104610" y="14739938"/>
+          <a:ext cx="30175200" cy="914400"/>
         </p:xfrm>
         <a:graphic>
           <a:graphicData uri="http://schemas.openxmlformats.org/drawingml/2006/table">
@@ -6637,9 +6035,9 @@
                 <a:tableStyleId>{93296810-A885-4BE3-A3E7-6D5BEEA58F35}</a:tableStyleId>
               </a:tblPr>
               <a:tblGrid>
-                <a:gridCol w="30022800"/>
+                <a:gridCol w="30175200"/>
               </a:tblGrid>
-              <a:tr h="1142999">
+              <a:tr h="910573">
                 <a:tc>
                   <a:txBody>
                     <a:bodyPr/>
@@ -6648,11 +6046,23 @@
                       <a:pPr algn="ctr"/>
                       <a:r>
                         <a:rPr lang="en-US" sz="5400" b="0" dirty="0" smtClean="0"/>
-                        <a:t>RAIDER:</a:t>
+                        <a:t>RAIDER</a:t>
+                      </a:r>
+                      <a:r>
+                        <a:rPr lang="en-US" sz="5400" b="0" baseline="30000" dirty="0" smtClean="0"/>
+                        <a:t>6</a:t>
+                      </a:r>
+                      <a:r>
+                        <a:rPr lang="en-US" sz="5400" b="0" dirty="0" smtClean="0"/>
+                        <a:t>:</a:t>
                       </a:r>
                       <a:r>
                         <a:rPr lang="en-US" sz="5400" b="0" baseline="0" dirty="0" smtClean="0"/>
-                        <a:t> a l</a:t>
+                        <a:t> </a:t>
+                      </a:r>
+                      <a:r>
+                        <a:rPr lang="en-US" sz="5400" b="0" baseline="0" dirty="0" smtClean="0"/>
+                        <a:t>a l</a:t>
                       </a:r>
                       <a:r>
                         <a:rPr lang="en-US" sz="5400" b="0" dirty="0" smtClean="0"/>
@@ -6682,8 +6092,8 @@
         </p:nvSpPr>
         <p:spPr>
           <a:xfrm>
-            <a:off x="1035050" y="16797337"/>
-            <a:ext cx="685800" cy="2743200"/>
+            <a:off x="1097588" y="16111538"/>
+            <a:ext cx="685800" cy="2971800"/>
           </a:xfrm>
           <a:prstGeom prst="rect">
             <a:avLst/>
@@ -6723,8 +6133,8 @@
         </p:nvSpPr>
         <p:spPr>
           <a:xfrm>
-            <a:off x="1873250" y="17025937"/>
-            <a:ext cx="8686800" cy="1569660"/>
+            <a:off x="1952242" y="16263937"/>
+            <a:ext cx="9903207" cy="1754327"/>
           </a:xfrm>
           <a:prstGeom prst="rect">
             <a:avLst/>
@@ -6738,30 +6148,34 @@
           <a:lstStyle/>
           <a:p>
             <a:r>
-              <a:rPr lang="en-US" sz="3200" dirty="0" smtClean="0"/>
+              <a:rPr lang="en-US" sz="3600" dirty="0" smtClean="0"/>
               <a:t>Construct a hash table mapping each distinct </a:t>
             </a:r>
             <a:r>
-              <a:rPr lang="en-US" sz="3200" i="1" dirty="0" smtClean="0"/>
+              <a:rPr lang="en-US" sz="3600" i="1" dirty="0" smtClean="0"/>
               <a:t>l</a:t>
             </a:r>
             <a:r>
-              <a:rPr lang="en-US" sz="3200" dirty="0" smtClean="0"/>
+              <a:rPr lang="en-US" sz="3600" dirty="0" smtClean="0"/>
               <a:t>-</a:t>
             </a:r>
             <a:r>
-              <a:rPr lang="en-US" sz="3200" dirty="0" err="1" smtClean="0"/>
+              <a:rPr lang="en-US" sz="3600" dirty="0" err="1" smtClean="0"/>
               <a:t>mer</a:t>
             </a:r>
             <a:r>
-              <a:rPr lang="en-US" sz="3200" dirty="0" smtClean="0"/>
-              <a:t> to the locations it was seen, similar to approach taken by RepeatScout</a:t>
-            </a:r>
-            <a:r>
-              <a:rPr lang="en-US" sz="3200" baseline="30000" dirty="0" smtClean="0"/>
-              <a:t>5</a:t>
-            </a:r>
-            <a:endParaRPr lang="en-US" sz="3200" dirty="0" smtClean="0"/>
+              <a:rPr lang="en-US" sz="3600" dirty="0" smtClean="0"/>
+              <a:t> to the locations it was seen, similar to approach taken by </a:t>
+            </a:r>
+            <a:r>
+              <a:rPr lang="en-US" sz="3600" dirty="0" smtClean="0"/>
+              <a:t>RepeatScout</a:t>
+            </a:r>
+            <a:r>
+              <a:rPr lang="en-US" sz="3600" baseline="30000" dirty="0" smtClean="0"/>
+              <a:t>7</a:t>
+            </a:r>
+            <a:endParaRPr lang="en-US" sz="3600" dirty="0" smtClean="0"/>
           </a:p>
         </p:txBody>
       </p:sp>
@@ -6773,8 +6187,8 @@
         </p:nvSpPr>
         <p:spPr>
           <a:xfrm>
-            <a:off x="1720850" y="18778537"/>
-            <a:ext cx="10591800" cy="762000"/>
+            <a:off x="1765246" y="18168937"/>
+            <a:ext cx="10318804" cy="914401"/>
           </a:xfrm>
           <a:prstGeom prst="rect">
             <a:avLst/>
@@ -6849,7 +6263,7 @@
         </p:nvSpPr>
         <p:spPr>
           <a:xfrm>
-            <a:off x="1035050" y="20073937"/>
+            <a:off x="1111250" y="19780073"/>
             <a:ext cx="14173200" cy="3124200"/>
           </a:xfrm>
           <a:prstGeom prst="flowChartProcess">
@@ -6895,8 +6309,8 @@
         </p:nvSpPr>
         <p:spPr>
           <a:xfrm>
-            <a:off x="1035050" y="20073937"/>
-            <a:ext cx="609600" cy="3581400"/>
+            <a:off x="1111250" y="19780072"/>
+            <a:ext cx="685800" cy="3875266"/>
           </a:xfrm>
           <a:prstGeom prst="rect">
             <a:avLst/>
@@ -6936,8 +6350,8 @@
         </p:nvSpPr>
         <p:spPr>
           <a:xfrm>
-            <a:off x="1797050" y="20531137"/>
-            <a:ext cx="12725400" cy="2062103"/>
+            <a:off x="1949450" y="20150137"/>
+            <a:ext cx="13336842" cy="2308324"/>
           </a:xfrm>
           <a:prstGeom prst="rect">
             <a:avLst/>
@@ -6955,31 +6369,39 @@
               <a:buChar char="•"/>
             </a:pPr>
             <a:r>
-              <a:rPr lang="en-US" sz="3200" dirty="0" smtClean="0"/>
-              <a:t> Check </a:t>
-            </a:r>
-            <a:r>
-              <a:rPr lang="en-US" sz="3200" dirty="0"/>
-              <a:t>to see if the </a:t>
-            </a:r>
-            <a:r>
-              <a:rPr lang="en-US" sz="3200" i="1" dirty="0"/>
+              <a:rPr lang="en-US" sz="3600" dirty="0" smtClean="0"/>
+              <a:t> </a:t>
+            </a:r>
+            <a:r>
+              <a:rPr lang="en-US" sz="3600" dirty="0" smtClean="0"/>
+              <a:t>Check </a:t>
+            </a:r>
+            <a:r>
+              <a:rPr lang="en-US" sz="3600" dirty="0"/>
+              <a:t>if the </a:t>
+            </a:r>
+            <a:r>
+              <a:rPr lang="en-US" sz="3600" i="1" dirty="0"/>
               <a:t>l</a:t>
             </a:r>
             <a:r>
-              <a:rPr lang="en-US" sz="3200" dirty="0"/>
+              <a:rPr lang="en-US" sz="3600" dirty="0"/>
               <a:t>-</a:t>
             </a:r>
             <a:r>
-              <a:rPr lang="en-US" sz="3200" dirty="0" err="1"/>
+              <a:rPr lang="en-US" sz="3600" dirty="0" err="1"/>
               <a:t>mer</a:t>
             </a:r>
             <a:r>
-              <a:rPr lang="en-US" sz="3200" dirty="0"/>
-              <a:t> can be merged into an existing </a:t>
-            </a:r>
-            <a:r>
-              <a:rPr lang="en-US" sz="3200" dirty="0" smtClean="0"/>
+              <a:rPr lang="en-US" sz="3600" dirty="0"/>
+              <a:t> can be merged into </a:t>
+            </a:r>
+            <a:r>
+              <a:rPr lang="en-US" sz="3600" dirty="0" smtClean="0"/>
+              <a:t>an existing </a:t>
+            </a:r>
+            <a:r>
+              <a:rPr lang="en-US" sz="3600" dirty="0" smtClean="0"/>
               <a:t>family</a:t>
             </a:r>
           </a:p>
@@ -6989,39 +6411,51 @@
               <a:buChar char="•"/>
             </a:pPr>
             <a:r>
-              <a:rPr lang="en-US" sz="3200" dirty="0"/>
-              <a:t> C</a:t>
-            </a:r>
-            <a:r>
-              <a:rPr lang="en-US" sz="3200" dirty="0" smtClean="0"/>
-              <a:t>an </a:t>
-            </a:r>
-            <a:r>
-              <a:rPr lang="en-US" sz="3200" dirty="0"/>
-              <a:t>only be part </a:t>
-            </a:r>
-            <a:r>
-              <a:rPr lang="en-US" sz="3200" dirty="0" smtClean="0"/>
-              <a:t>of family if within </a:t>
-            </a:r>
-            <a:r>
-              <a:rPr lang="en-US" sz="3200" i="1" dirty="0"/>
+              <a:rPr lang="en-US" sz="3600" dirty="0"/>
+              <a:t> </a:t>
+            </a:r>
+            <a:r>
+              <a:rPr lang="en-US" sz="3600" dirty="0" smtClean="0"/>
+              <a:t>To be </a:t>
+            </a:r>
+            <a:r>
+              <a:rPr lang="en-US" sz="3600" dirty="0"/>
+              <a:t>part </a:t>
+            </a:r>
+            <a:r>
+              <a:rPr lang="en-US" sz="3600" dirty="0" smtClean="0"/>
+              <a:t>of </a:t>
+            </a:r>
+            <a:r>
+              <a:rPr lang="en-US" sz="3600" dirty="0" smtClean="0"/>
+              <a:t>family, must be </a:t>
+            </a:r>
+            <a:r>
+              <a:rPr lang="en-US" sz="3600" dirty="0" smtClean="0"/>
+              <a:t>within </a:t>
+            </a:r>
+            <a:r>
+              <a:rPr lang="en-US" sz="3600" i="1" dirty="0"/>
               <a:t>l</a:t>
             </a:r>
             <a:r>
-              <a:rPr lang="en-US" sz="3200" dirty="0"/>
-              <a:t> of the last </a:t>
-            </a:r>
-            <a:r>
-              <a:rPr lang="en-US" sz="3200" dirty="0" err="1"/>
+              <a:rPr lang="en-US" sz="3600" dirty="0"/>
+              <a:t> of </a:t>
+            </a:r>
+            <a:r>
+              <a:rPr lang="en-US" sz="3600" dirty="0" smtClean="0"/>
+              <a:t>last </a:t>
+            </a:r>
+            <a:r>
+              <a:rPr lang="en-US" sz="3600" dirty="0" err="1"/>
               <a:t>lmer</a:t>
             </a:r>
             <a:r>
-              <a:rPr lang="en-US" sz="3200" dirty="0"/>
+              <a:rPr lang="en-US" sz="3600" dirty="0"/>
               <a:t> </a:t>
             </a:r>
             <a:r>
-              <a:rPr lang="en-US" sz="3200" dirty="0" smtClean="0"/>
+              <a:rPr lang="en-US" sz="3600" dirty="0" smtClean="0"/>
               <a:t>added</a:t>
             </a:r>
           </a:p>
@@ -7031,31 +6465,31 @@
               <a:buChar char="•"/>
             </a:pPr>
             <a:r>
-              <a:rPr lang="en-US" sz="3200" dirty="0"/>
+              <a:rPr lang="en-US" sz="3600" dirty="0"/>
               <a:t> </a:t>
             </a:r>
             <a:r>
-              <a:rPr lang="en-US" sz="3200" dirty="0" smtClean="0"/>
+              <a:rPr lang="en-US" sz="3600" dirty="0" smtClean="0"/>
               <a:t>Only </a:t>
             </a:r>
             <a:r>
-              <a:rPr lang="en-US" sz="3200" dirty="0"/>
+              <a:rPr lang="en-US" sz="3600" dirty="0"/>
               <a:t>need to look at </a:t>
             </a:r>
             <a:r>
-              <a:rPr lang="en-US" sz="3200" dirty="0" smtClean="0"/>
+              <a:rPr lang="en-US" sz="3600" dirty="0" smtClean="0"/>
               <a:t>the </a:t>
             </a:r>
             <a:r>
-              <a:rPr lang="en-US" sz="3200" dirty="0"/>
+              <a:rPr lang="en-US" sz="3600" dirty="0"/>
               <a:t>last </a:t>
             </a:r>
             <a:r>
-              <a:rPr lang="en-US" sz="3200" i="1" dirty="0"/>
+              <a:rPr lang="en-US" sz="3600" i="1" dirty="0"/>
               <a:t>l</a:t>
             </a:r>
             <a:r>
-              <a:rPr lang="en-US" sz="3200" dirty="0"/>
+              <a:rPr lang="en-US" sz="3600" dirty="0"/>
               <a:t> families seen</a:t>
             </a:r>
           </a:p>
@@ -7065,26 +6499,26 @@
               <a:buChar char="•"/>
             </a:pPr>
             <a:r>
-              <a:rPr lang="en-US" sz="3200" dirty="0"/>
+              <a:rPr lang="en-US" sz="3600" dirty="0"/>
               <a:t> If cannot merge, create new </a:t>
             </a:r>
             <a:r>
-              <a:rPr lang="en-US" sz="3200" dirty="0" smtClean="0"/>
+              <a:rPr lang="en-US" sz="3600" dirty="0" smtClean="0"/>
               <a:t>family with this </a:t>
             </a:r>
             <a:r>
-              <a:rPr lang="en-US" sz="3200" i="1" dirty="0" smtClean="0"/>
+              <a:rPr lang="en-US" sz="3600" i="1" dirty="0" smtClean="0"/>
               <a:t>l</a:t>
             </a:r>
             <a:r>
-              <a:rPr lang="en-US" sz="3200" dirty="0" smtClean="0"/>
+              <a:rPr lang="en-US" sz="3600" dirty="0" smtClean="0"/>
               <a:t>-</a:t>
             </a:r>
             <a:r>
-              <a:rPr lang="en-US" sz="3200" dirty="0" err="1" smtClean="0"/>
+              <a:rPr lang="en-US" sz="3600" dirty="0" err="1" smtClean="0"/>
               <a:t>mer</a:t>
             </a:r>
-            <a:endParaRPr lang="en-US" sz="3200" dirty="0" smtClean="0"/>
+            <a:endParaRPr lang="en-US" sz="3600" dirty="0" smtClean="0"/>
           </a:p>
         </p:txBody>
       </p:sp>
@@ -7096,8 +6530,8 @@
         </p:nvSpPr>
         <p:spPr>
           <a:xfrm>
-            <a:off x="1720850" y="22893337"/>
-            <a:ext cx="13487400" cy="762000"/>
+            <a:off x="1720850" y="22740937"/>
+            <a:ext cx="13563600" cy="914401"/>
           </a:xfrm>
           <a:prstGeom prst="rect">
             <a:avLst/>
@@ -7165,11 +6599,6 @@
               </a:rPr>
               <a:t> together as encountered</a:t>
             </a:r>
-            <a:endParaRPr lang="en-US" sz="4400" dirty="0">
-              <a:solidFill>
-                <a:prstClr val="white"/>
-              </a:solidFill>
-            </a:endParaRPr>
           </a:p>
         </p:txBody>
       </p:sp>
@@ -7181,8 +6610,8 @@
         </p:nvSpPr>
         <p:spPr>
           <a:xfrm>
-            <a:off x="1035050" y="24341137"/>
-            <a:ext cx="15621000" cy="1600200"/>
+            <a:off x="1148503" y="24341139"/>
+            <a:ext cx="15507547" cy="1828799"/>
           </a:xfrm>
           <a:prstGeom prst="flowChartProcess">
             <a:avLst/>
@@ -7227,8 +6656,8 @@
         </p:nvSpPr>
         <p:spPr>
           <a:xfrm>
-            <a:off x="1035050" y="24341137"/>
-            <a:ext cx="685800" cy="1600200"/>
+            <a:off x="1111250" y="24341139"/>
+            <a:ext cx="685800" cy="2057399"/>
           </a:xfrm>
           <a:prstGeom prst="rect">
             <a:avLst/>
@@ -7268,8 +6697,8 @@
         </p:nvSpPr>
         <p:spPr>
           <a:xfrm>
-            <a:off x="1720850" y="24569737"/>
-            <a:ext cx="13639800" cy="584776"/>
+            <a:off x="1949450" y="24569737"/>
+            <a:ext cx="14630400" cy="646331"/>
           </a:xfrm>
           <a:prstGeom prst="rect">
             <a:avLst/>
@@ -7283,8 +6712,16 @@
           <a:lstStyle/>
           <a:p>
             <a:r>
-              <a:rPr lang="en-US" sz="3200" dirty="0" smtClean="0"/>
-              <a:t>Break merges apart whenever elementary repeat definition is violated</a:t>
+              <a:rPr lang="en-US" sz="3600" dirty="0" smtClean="0"/>
+              <a:t>Break merges apart </a:t>
+            </a:r>
+            <a:r>
+              <a:rPr lang="en-US" sz="3600" dirty="0" smtClean="0"/>
+              <a:t>when </a:t>
+            </a:r>
+            <a:r>
+              <a:rPr lang="en-US" sz="3600" dirty="0" smtClean="0"/>
+              <a:t>elementary repeat definition is violated</a:t>
             </a:r>
           </a:p>
         </p:txBody>
@@ -7297,8 +6734,8 @@
         </p:nvSpPr>
         <p:spPr>
           <a:xfrm>
-            <a:off x="1720850" y="25179337"/>
-            <a:ext cx="14935200" cy="762000"/>
+            <a:off x="1720850" y="25484138"/>
+            <a:ext cx="14935200" cy="914400"/>
           </a:xfrm>
           <a:prstGeom prst="rect">
             <a:avLst/>
@@ -7382,8 +6819,8 @@
         </p:nvCxnSpPr>
         <p:spPr>
           <a:xfrm>
-            <a:off x="28924250" y="8720137"/>
-            <a:ext cx="1143000" cy="990600"/>
+            <a:off x="29152850" y="8262937"/>
+            <a:ext cx="1524000" cy="914400"/>
           </a:xfrm>
           <a:prstGeom prst="straightConnector1">
             <a:avLst/>
@@ -7418,8 +6855,8 @@
         </p:nvSpPr>
         <p:spPr>
           <a:xfrm rot="5400000">
-            <a:off x="29267150" y="9139237"/>
-            <a:ext cx="381000" cy="2590800"/>
+            <a:off x="29838650" y="8643937"/>
+            <a:ext cx="381000" cy="2514600"/>
           </a:xfrm>
           <a:prstGeom prst="rightBrace">
             <a:avLst>
@@ -7464,12 +6901,20 @@
         </p:nvSpPr>
         <p:spPr>
           <a:xfrm rot="5400000">
-            <a:off x="28733750" y="23769637"/>
+            <a:off x="28505150" y="24074437"/>
             <a:ext cx="1676400" cy="2209800"/>
           </a:xfrm>
           <a:prstGeom prst="circularArrow">
             <a:avLst/>
           </a:prstGeom>
+          <a:solidFill>
+            <a:schemeClr val="accent6"/>
+          </a:solidFill>
+          <a:ln>
+            <a:solidFill>
+              <a:schemeClr val="accent6"/>
+            </a:solidFill>
+          </a:ln>
         </p:spPr>
         <p:style>
           <a:lnRef idx="2">
@@ -7508,7 +6953,7 @@
         </p:nvSpPr>
         <p:spPr>
           <a:xfrm>
-            <a:off x="25190450" y="16568737"/>
+            <a:off x="25114250" y="16136204"/>
             <a:ext cx="2362200" cy="584776"/>
           </a:xfrm>
           <a:prstGeom prst="rect">
@@ -7574,8 +7019,8 @@
         </p:nvSpPr>
         <p:spPr>
           <a:xfrm>
-            <a:off x="15360650" y="19464337"/>
-            <a:ext cx="1828800" cy="609600"/>
+            <a:off x="16001349" y="19403377"/>
+            <a:ext cx="1874520" cy="594360"/>
           </a:xfrm>
           <a:prstGeom prst="rect">
             <a:avLst/>
@@ -7587,7 +7032,7 @@
           </a:solidFill>
           <a:ln w="19050" cmpd="sng">
             <a:solidFill>
-              <a:schemeClr val="accent1"/>
+              <a:schemeClr val="accent6"/>
             </a:solidFill>
           </a:ln>
         </p:spPr>
@@ -7607,14 +7052,14 @@
       </p:sp>
       <p:sp>
         <p:nvSpPr>
-          <p:cNvPr id="348" name="Rectangle 347"/>
+          <p:cNvPr id="354" name="Rectangle 353"/>
           <p:cNvSpPr/>
           <p:nvPr/>
         </p:nvSpPr>
         <p:spPr>
           <a:xfrm>
-            <a:off x="19399250" y="19464337"/>
-            <a:ext cx="1828800" cy="609600"/>
+            <a:off x="17265650" y="24341138"/>
+            <a:ext cx="3657600" cy="609600"/>
           </a:xfrm>
           <a:prstGeom prst="rect">
             <a:avLst/>
@@ -7626,7 +7071,7 @@
           </a:solidFill>
           <a:ln w="19050" cmpd="sng">
             <a:solidFill>
-              <a:schemeClr val="accent1"/>
+              <a:schemeClr val="accent6"/>
             </a:solidFill>
           </a:ln>
         </p:spPr>
@@ -7646,14 +7091,14 @@
       </p:sp>
       <p:sp>
         <p:nvSpPr>
-          <p:cNvPr id="349" name="Rectangle 348"/>
+          <p:cNvPr id="359" name="Rectangle 358"/>
           <p:cNvSpPr/>
           <p:nvPr/>
         </p:nvSpPr>
         <p:spPr>
           <a:xfrm>
-            <a:off x="17113250" y="20378737"/>
-            <a:ext cx="1828800" cy="609600"/>
+            <a:off x="21304250" y="24345120"/>
+            <a:ext cx="3657600" cy="609600"/>
           </a:xfrm>
           <a:prstGeom prst="rect">
             <a:avLst/>
@@ -7665,7 +7110,7 @@
           </a:solidFill>
           <a:ln w="19050" cmpd="sng">
             <a:solidFill>
-              <a:schemeClr val="accent1"/>
+              <a:schemeClr val="accent6"/>
             </a:solidFill>
           </a:ln>
         </p:spPr>
@@ -7685,14 +7130,14 @@
       </p:sp>
       <p:sp>
         <p:nvSpPr>
-          <p:cNvPr id="351" name="Rectangle 350"/>
+          <p:cNvPr id="360" name="Rectangle 359"/>
           <p:cNvSpPr/>
           <p:nvPr/>
         </p:nvSpPr>
         <p:spPr>
           <a:xfrm>
-            <a:off x="17494250" y="20378737"/>
-            <a:ext cx="1828800" cy="609600"/>
+            <a:off x="25342850" y="24348112"/>
+            <a:ext cx="3657600" cy="609600"/>
           </a:xfrm>
           <a:prstGeom prst="rect">
             <a:avLst/>
@@ -7704,7 +7149,7 @@
           </a:solidFill>
           <a:ln w="19050" cmpd="sng">
             <a:solidFill>
-              <a:schemeClr val="accent1"/>
+              <a:schemeClr val="accent6"/>
             </a:solidFill>
           </a:ln>
         </p:spPr>
@@ -7724,14 +7169,92 @@
       </p:sp>
       <p:sp>
         <p:nvSpPr>
-          <p:cNvPr id="352" name="Rectangle 351"/>
+          <p:cNvPr id="361" name="Rectangle 360"/>
           <p:cNvSpPr/>
           <p:nvPr/>
         </p:nvSpPr>
         <p:spPr>
           <a:xfrm>
-            <a:off x="21151850" y="20378737"/>
+            <a:off x="26104850" y="24341138"/>
             <a:ext cx="1828800" cy="609600"/>
+          </a:xfrm>
+          <a:prstGeom prst="rect">
+            <a:avLst/>
+          </a:prstGeom>
+          <a:solidFill>
+            <a:srgbClr val="FF8000">
+              <a:alpha val="25000"/>
+            </a:srgbClr>
+          </a:solidFill>
+          <a:ln w="19050" cmpd="sng">
+            <a:solidFill>
+              <a:schemeClr val="accent6"/>
+            </a:solidFill>
+          </a:ln>
+        </p:spPr>
+        <p:txBody>
+          <a:bodyPr wrap="square" rtlCol="0" anchor="ctr">
+            <a:spAutoFit/>
+          </a:bodyPr>
+          <a:lstStyle/>
+          <a:p>
+            <a:pPr algn="ctr"/>
+            <a:endParaRPr lang="en-US" sz="3200" dirty="0" smtClean="0">
+              <a:latin typeface="Consolas"/>
+              <a:cs typeface="Consolas"/>
+            </a:endParaRPr>
+          </a:p>
+        </p:txBody>
+      </p:sp>
+      <p:sp>
+        <p:nvSpPr>
+          <p:cNvPr id="362" name="Rectangle 361"/>
+          <p:cNvSpPr/>
+          <p:nvPr/>
+        </p:nvSpPr>
+        <p:spPr>
+          <a:xfrm>
+            <a:off x="22066250" y="24331675"/>
+            <a:ext cx="1828800" cy="609600"/>
+          </a:xfrm>
+          <a:prstGeom prst="rect">
+            <a:avLst/>
+          </a:prstGeom>
+          <a:solidFill>
+            <a:srgbClr val="FF8000">
+              <a:alpha val="25000"/>
+            </a:srgbClr>
+          </a:solidFill>
+          <a:ln w="19050" cmpd="sng">
+            <a:solidFill>
+              <a:schemeClr val="accent6"/>
+            </a:solidFill>
+          </a:ln>
+        </p:spPr>
+        <p:txBody>
+          <a:bodyPr wrap="square" rtlCol="0" anchor="ctr">
+            <a:spAutoFit/>
+          </a:bodyPr>
+          <a:lstStyle/>
+          <a:p>
+            <a:pPr algn="ctr"/>
+            <a:endParaRPr lang="en-US" sz="3200" dirty="0" smtClean="0">
+              <a:latin typeface="Consolas"/>
+              <a:cs typeface="Consolas"/>
+            </a:endParaRPr>
+          </a:p>
+        </p:txBody>
+      </p:sp>
+      <p:sp>
+        <p:nvSpPr>
+          <p:cNvPr id="363" name="Rectangle 362"/>
+          <p:cNvSpPr/>
+          <p:nvPr/>
+        </p:nvSpPr>
+        <p:spPr>
+          <a:xfrm>
+            <a:off x="17265650" y="25560338"/>
+            <a:ext cx="2209800" cy="609600"/>
           </a:xfrm>
           <a:prstGeom prst="rect">
             <a:avLst/>
@@ -7743,7 +7266,7 @@
           </a:solidFill>
           <a:ln w="19050" cmpd="sng">
             <a:solidFill>
-              <a:schemeClr val="accent1"/>
+              <a:schemeClr val="accent6"/>
             </a:solidFill>
           </a:ln>
         </p:spPr>
@@ -7763,14 +7286,14 @@
       </p:sp>
       <p:sp>
         <p:nvSpPr>
-          <p:cNvPr id="353" name="Rectangle 352"/>
+          <p:cNvPr id="364" name="Rectangle 363"/>
           <p:cNvSpPr/>
           <p:nvPr/>
         </p:nvSpPr>
         <p:spPr>
           <a:xfrm>
-            <a:off x="21532850" y="20378737"/>
-            <a:ext cx="1828800" cy="609600"/>
+            <a:off x="21304250" y="25560338"/>
+            <a:ext cx="2209800" cy="609600"/>
           </a:xfrm>
           <a:prstGeom prst="rect">
             <a:avLst/>
@@ -7782,7 +7305,7 @@
           </a:solidFill>
           <a:ln w="19050" cmpd="sng">
             <a:solidFill>
-              <a:schemeClr val="accent1"/>
+              <a:schemeClr val="accent6"/>
             </a:solidFill>
           </a:ln>
         </p:spPr>
@@ -7802,14 +7325,14 @@
       </p:sp>
       <p:sp>
         <p:nvSpPr>
-          <p:cNvPr id="354" name="Rectangle 353"/>
+          <p:cNvPr id="365" name="Rectangle 364"/>
           <p:cNvSpPr/>
           <p:nvPr/>
         </p:nvSpPr>
         <p:spPr>
           <a:xfrm>
-            <a:off x="17265650" y="23960137"/>
-            <a:ext cx="3657600" cy="609600"/>
+            <a:off x="25342850" y="25560338"/>
+            <a:ext cx="2209800" cy="609600"/>
           </a:xfrm>
           <a:prstGeom prst="rect">
             <a:avLst/>
@@ -7821,7 +7344,7 @@
           </a:solidFill>
           <a:ln w="19050" cmpd="sng">
             <a:solidFill>
-              <a:schemeClr val="accent1"/>
+              <a:schemeClr val="accent6"/>
             </a:solidFill>
           </a:ln>
         </p:spPr>
@@ -7841,506 +7364,35 @@
       </p:sp>
       <p:sp>
         <p:nvSpPr>
-          <p:cNvPr id="355" name="Rectangle 354"/>
+          <p:cNvPr id="444" name="Rectangle 443"/>
           <p:cNvSpPr/>
           <p:nvPr/>
         </p:nvSpPr>
         <p:spPr>
           <a:xfrm>
-            <a:off x="18942050" y="21369337"/>
-            <a:ext cx="2209800" cy="609600"/>
+            <a:off x="1111250" y="27312938"/>
+            <a:ext cx="4495800" cy="584776"/>
           </a:xfrm>
           <a:prstGeom prst="rect">
             <a:avLst/>
           </a:prstGeom>
-          <a:solidFill>
-            <a:schemeClr val="accent1">
-              <a:alpha val="25000"/>
-            </a:schemeClr>
-          </a:solidFill>
-          <a:ln w="19050" cmpd="sng">
-            <a:solidFill>
-              <a:schemeClr val="accent1"/>
-            </a:solidFill>
-          </a:ln>
-        </p:spPr>
-        <p:txBody>
-          <a:bodyPr wrap="square" rtlCol="0" anchor="ctr">
-            <a:spAutoFit/>
-          </a:bodyPr>
-          <a:lstStyle/>
-          <a:p>
-            <a:pPr algn="ctr"/>
-            <a:endParaRPr lang="en-US" sz="3200" dirty="0" smtClean="0">
-              <a:latin typeface="Consolas"/>
-              <a:cs typeface="Consolas"/>
-            </a:endParaRPr>
-          </a:p>
-        </p:txBody>
-      </p:sp>
-      <p:sp>
-        <p:nvSpPr>
-          <p:cNvPr id="356" name="Rectangle 355"/>
-          <p:cNvSpPr/>
-          <p:nvPr/>
-        </p:nvSpPr>
-        <p:spPr>
-          <a:xfrm>
-            <a:off x="22980650" y="21369337"/>
-            <a:ext cx="2209800" cy="609600"/>
-          </a:xfrm>
-          <a:prstGeom prst="rect">
-            <a:avLst/>
-          </a:prstGeom>
-          <a:solidFill>
-            <a:schemeClr val="accent1">
-              <a:alpha val="25000"/>
-            </a:schemeClr>
-          </a:solidFill>
-          <a:ln w="19050" cmpd="sng">
-            <a:solidFill>
-              <a:schemeClr val="accent1"/>
-            </a:solidFill>
-          </a:ln>
-        </p:spPr>
-        <p:txBody>
-          <a:bodyPr wrap="square" rtlCol="0" anchor="ctr">
-            <a:spAutoFit/>
-          </a:bodyPr>
-          <a:lstStyle/>
-          <a:p>
-            <a:pPr algn="ctr"/>
-            <a:endParaRPr lang="en-US" sz="3200" dirty="0" smtClean="0">
-              <a:latin typeface="Consolas"/>
-              <a:cs typeface="Consolas"/>
-            </a:endParaRPr>
-          </a:p>
-        </p:txBody>
-      </p:sp>
-      <p:sp>
-        <p:nvSpPr>
-          <p:cNvPr id="357" name="Rectangle 356"/>
-          <p:cNvSpPr/>
-          <p:nvPr/>
-        </p:nvSpPr>
-        <p:spPr>
-          <a:xfrm>
-            <a:off x="19704050" y="21369337"/>
-            <a:ext cx="1828800" cy="609600"/>
-          </a:xfrm>
-          <a:prstGeom prst="rect">
-            <a:avLst/>
-          </a:prstGeom>
-          <a:solidFill>
-            <a:schemeClr val="accent1">
-              <a:alpha val="25000"/>
-            </a:schemeClr>
-          </a:solidFill>
-          <a:ln w="19050" cmpd="sng">
-            <a:solidFill>
-              <a:schemeClr val="accent1"/>
-            </a:solidFill>
-          </a:ln>
-        </p:spPr>
-        <p:txBody>
-          <a:bodyPr wrap="square" rtlCol="0" anchor="ctr">
-            <a:spAutoFit/>
-          </a:bodyPr>
-          <a:lstStyle/>
-          <a:p>
-            <a:pPr algn="ctr"/>
-            <a:endParaRPr lang="en-US" sz="3200" dirty="0" smtClean="0">
-              <a:latin typeface="Consolas"/>
-              <a:cs typeface="Consolas"/>
-            </a:endParaRPr>
-          </a:p>
-        </p:txBody>
-      </p:sp>
-      <p:sp>
-        <p:nvSpPr>
-          <p:cNvPr id="358" name="Rectangle 357"/>
-          <p:cNvSpPr/>
-          <p:nvPr/>
-        </p:nvSpPr>
-        <p:spPr>
-          <a:xfrm>
-            <a:off x="23742650" y="21369337"/>
-            <a:ext cx="1828800" cy="609600"/>
-          </a:xfrm>
-          <a:prstGeom prst="rect">
-            <a:avLst/>
-          </a:prstGeom>
-          <a:solidFill>
-            <a:schemeClr val="accent1">
-              <a:alpha val="25000"/>
-            </a:schemeClr>
-          </a:solidFill>
-          <a:ln w="19050" cmpd="sng">
-            <a:solidFill>
-              <a:schemeClr val="accent1"/>
-            </a:solidFill>
-          </a:ln>
-        </p:spPr>
-        <p:txBody>
-          <a:bodyPr wrap="square" rtlCol="0" anchor="ctr">
-            <a:spAutoFit/>
-          </a:bodyPr>
-          <a:lstStyle/>
-          <a:p>
-            <a:pPr algn="ctr"/>
-            <a:endParaRPr lang="en-US" sz="3200" dirty="0" smtClean="0">
-              <a:latin typeface="Consolas"/>
-              <a:cs typeface="Consolas"/>
-            </a:endParaRPr>
-          </a:p>
-        </p:txBody>
-      </p:sp>
-      <p:sp>
-        <p:nvSpPr>
-          <p:cNvPr id="359" name="Rectangle 358"/>
-          <p:cNvSpPr/>
-          <p:nvPr/>
-        </p:nvSpPr>
-        <p:spPr>
-          <a:xfrm>
-            <a:off x="21304250" y="23960137"/>
-            <a:ext cx="3657600" cy="609600"/>
-          </a:xfrm>
-          <a:prstGeom prst="rect">
-            <a:avLst/>
-          </a:prstGeom>
-          <a:solidFill>
-            <a:schemeClr val="accent1">
-              <a:alpha val="25000"/>
-            </a:schemeClr>
-          </a:solidFill>
-          <a:ln w="19050" cmpd="sng">
-            <a:solidFill>
-              <a:schemeClr val="accent1"/>
-            </a:solidFill>
-          </a:ln>
-        </p:spPr>
-        <p:txBody>
-          <a:bodyPr wrap="square" rtlCol="0" anchor="ctr">
-            <a:spAutoFit/>
-          </a:bodyPr>
-          <a:lstStyle/>
-          <a:p>
-            <a:pPr algn="ctr"/>
-            <a:endParaRPr lang="en-US" sz="3200" dirty="0" smtClean="0">
-              <a:latin typeface="Consolas"/>
-              <a:cs typeface="Consolas"/>
-            </a:endParaRPr>
-          </a:p>
-        </p:txBody>
-      </p:sp>
-      <p:sp>
-        <p:nvSpPr>
-          <p:cNvPr id="360" name="Rectangle 359"/>
-          <p:cNvSpPr/>
-          <p:nvPr/>
-        </p:nvSpPr>
-        <p:spPr>
-          <a:xfrm>
-            <a:off x="25342850" y="23960137"/>
-            <a:ext cx="3657600" cy="609600"/>
-          </a:xfrm>
-          <a:prstGeom prst="rect">
-            <a:avLst/>
-          </a:prstGeom>
-          <a:solidFill>
-            <a:schemeClr val="accent1">
-              <a:alpha val="25000"/>
-            </a:schemeClr>
-          </a:solidFill>
-          <a:ln w="19050" cmpd="sng">
-            <a:solidFill>
-              <a:schemeClr val="accent1"/>
-            </a:solidFill>
-          </a:ln>
-        </p:spPr>
-        <p:txBody>
-          <a:bodyPr wrap="square" rtlCol="0" anchor="ctr">
-            <a:spAutoFit/>
-          </a:bodyPr>
-          <a:lstStyle/>
-          <a:p>
-            <a:pPr algn="ctr"/>
-            <a:endParaRPr lang="en-US" sz="3200" dirty="0" smtClean="0">
-              <a:latin typeface="Consolas"/>
-              <a:cs typeface="Consolas"/>
-            </a:endParaRPr>
-          </a:p>
-        </p:txBody>
-      </p:sp>
-      <p:sp>
-        <p:nvSpPr>
-          <p:cNvPr id="361" name="Rectangle 360"/>
-          <p:cNvSpPr/>
-          <p:nvPr/>
-        </p:nvSpPr>
-        <p:spPr>
-          <a:xfrm>
-            <a:off x="26104850" y="23960137"/>
-            <a:ext cx="1828800" cy="609600"/>
-          </a:xfrm>
-          <a:prstGeom prst="rect">
-            <a:avLst/>
-          </a:prstGeom>
-          <a:solidFill>
-            <a:srgbClr val="FF8000">
-              <a:alpha val="25000"/>
-            </a:srgbClr>
-          </a:solidFill>
-          <a:ln w="19050" cmpd="sng">
-            <a:solidFill>
-              <a:schemeClr val="accent1"/>
-            </a:solidFill>
-          </a:ln>
-        </p:spPr>
-        <p:txBody>
-          <a:bodyPr wrap="square" rtlCol="0" anchor="ctr">
-            <a:spAutoFit/>
-          </a:bodyPr>
-          <a:lstStyle/>
-          <a:p>
-            <a:pPr algn="ctr"/>
-            <a:endParaRPr lang="en-US" sz="3200" dirty="0" smtClean="0">
-              <a:latin typeface="Consolas"/>
-              <a:cs typeface="Consolas"/>
-            </a:endParaRPr>
-          </a:p>
-        </p:txBody>
-      </p:sp>
-      <p:sp>
-        <p:nvSpPr>
-          <p:cNvPr id="362" name="Rectangle 361"/>
-          <p:cNvSpPr/>
-          <p:nvPr/>
-        </p:nvSpPr>
-        <p:spPr>
-          <a:xfrm>
-            <a:off x="22066250" y="23960137"/>
-            <a:ext cx="1828800" cy="609600"/>
-          </a:xfrm>
-          <a:prstGeom prst="rect">
-            <a:avLst/>
-          </a:prstGeom>
-          <a:solidFill>
-            <a:srgbClr val="FF8000">
-              <a:alpha val="25000"/>
-            </a:srgbClr>
-          </a:solidFill>
-          <a:ln w="19050" cmpd="sng">
-            <a:solidFill>
-              <a:schemeClr val="accent1"/>
-            </a:solidFill>
-          </a:ln>
-        </p:spPr>
-        <p:txBody>
-          <a:bodyPr wrap="square" rtlCol="0" anchor="ctr">
-            <a:spAutoFit/>
-          </a:bodyPr>
-          <a:lstStyle/>
-          <a:p>
-            <a:pPr algn="ctr"/>
-            <a:endParaRPr lang="en-US" sz="3200" dirty="0" smtClean="0">
-              <a:latin typeface="Consolas"/>
-              <a:cs typeface="Consolas"/>
-            </a:endParaRPr>
-          </a:p>
-        </p:txBody>
-      </p:sp>
-      <p:sp>
-        <p:nvSpPr>
-          <p:cNvPr id="363" name="Rectangle 362"/>
-          <p:cNvSpPr/>
-          <p:nvPr/>
-        </p:nvSpPr>
-        <p:spPr>
-          <a:xfrm>
-            <a:off x="17265650" y="25407937"/>
-            <a:ext cx="2209800" cy="609600"/>
-          </a:xfrm>
-          <a:prstGeom prst="rect">
-            <a:avLst/>
-          </a:prstGeom>
-          <a:solidFill>
-            <a:schemeClr val="accent1">
-              <a:alpha val="25000"/>
-            </a:schemeClr>
-          </a:solidFill>
-          <a:ln w="19050" cmpd="sng">
-            <a:solidFill>
-              <a:schemeClr val="accent1"/>
-            </a:solidFill>
-          </a:ln>
-        </p:spPr>
-        <p:txBody>
-          <a:bodyPr wrap="square" rtlCol="0" anchor="ctr">
-            <a:spAutoFit/>
-          </a:bodyPr>
-          <a:lstStyle/>
-          <a:p>
-            <a:pPr algn="ctr"/>
-            <a:endParaRPr lang="en-US" sz="3200" dirty="0" smtClean="0">
-              <a:latin typeface="Consolas"/>
-              <a:cs typeface="Consolas"/>
-            </a:endParaRPr>
-          </a:p>
-        </p:txBody>
-      </p:sp>
-      <p:sp>
-        <p:nvSpPr>
-          <p:cNvPr id="364" name="Rectangle 363"/>
-          <p:cNvSpPr/>
-          <p:nvPr/>
-        </p:nvSpPr>
-        <p:spPr>
-          <a:xfrm>
-            <a:off x="21304250" y="25407937"/>
-            <a:ext cx="2209800" cy="609600"/>
-          </a:xfrm>
-          <a:prstGeom prst="rect">
-            <a:avLst/>
-          </a:prstGeom>
-          <a:solidFill>
-            <a:schemeClr val="accent1">
-              <a:alpha val="25000"/>
-            </a:schemeClr>
-          </a:solidFill>
-          <a:ln w="19050" cmpd="sng">
-            <a:solidFill>
-              <a:schemeClr val="accent1"/>
-            </a:solidFill>
-          </a:ln>
-        </p:spPr>
-        <p:txBody>
-          <a:bodyPr wrap="square" rtlCol="0" anchor="ctr">
-            <a:spAutoFit/>
-          </a:bodyPr>
-          <a:lstStyle/>
-          <a:p>
-            <a:pPr algn="ctr"/>
-            <a:endParaRPr lang="en-US" sz="3200" dirty="0" smtClean="0">
-              <a:latin typeface="Consolas"/>
-              <a:cs typeface="Consolas"/>
-            </a:endParaRPr>
-          </a:p>
-        </p:txBody>
-      </p:sp>
-      <p:sp>
-        <p:nvSpPr>
-          <p:cNvPr id="365" name="Rectangle 364"/>
-          <p:cNvSpPr/>
-          <p:nvPr/>
-        </p:nvSpPr>
-        <p:spPr>
-          <a:xfrm>
-            <a:off x="25342850" y="25407937"/>
-            <a:ext cx="2209800" cy="609600"/>
-          </a:xfrm>
-          <a:prstGeom prst="rect">
-            <a:avLst/>
-          </a:prstGeom>
-          <a:solidFill>
-            <a:schemeClr val="accent1">
-              <a:alpha val="25000"/>
-            </a:schemeClr>
-          </a:solidFill>
-          <a:ln w="19050" cmpd="sng">
-            <a:solidFill>
-              <a:schemeClr val="accent1"/>
-            </a:solidFill>
-          </a:ln>
-        </p:spPr>
-        <p:txBody>
-          <a:bodyPr wrap="square" rtlCol="0" anchor="ctr">
-            <a:spAutoFit/>
-          </a:bodyPr>
-          <a:lstStyle/>
-          <a:p>
-            <a:pPr algn="ctr"/>
-            <a:endParaRPr lang="en-US" sz="3200" dirty="0" smtClean="0">
-              <a:latin typeface="Consolas"/>
-              <a:cs typeface="Consolas"/>
-            </a:endParaRPr>
-          </a:p>
-        </p:txBody>
-      </p:sp>
-      <p:sp>
-        <p:nvSpPr>
-          <p:cNvPr id="297" name="Rectangle 296"/>
-          <p:cNvSpPr/>
-          <p:nvPr/>
-        </p:nvSpPr>
-        <p:spPr>
-          <a:xfrm>
-            <a:off x="1263650" y="28151137"/>
-            <a:ext cx="12268200" cy="4495800"/>
-          </a:xfrm>
-          <a:prstGeom prst="rect">
-            <a:avLst/>
-          </a:prstGeom>
-          <a:noFill/>
-          <a:ln>
-            <a:noFill/>
-          </a:ln>
+          <a:ln w="57150" cmpd="sng"/>
         </p:spPr>
         <p:style>
           <a:lnRef idx="2">
-            <a:schemeClr val="accent6"/>
+            <a:schemeClr val="accent1"/>
           </a:lnRef>
           <a:fillRef idx="1">
             <a:schemeClr val="lt1"/>
           </a:fillRef>
           <a:effectRef idx="0">
-            <a:schemeClr val="accent6"/>
+            <a:schemeClr val="accent1"/>
           </a:effectRef>
           <a:fontRef idx="minor">
             <a:schemeClr val="dk1"/>
           </a:fontRef>
         </p:style>
         <p:txBody>
-          <a:bodyPr rtlCol="0" anchor="ctr"/>
-          <a:lstStyle/>
-          <a:p>
-            <a:pPr algn="ctr"/>
-            <a:endParaRPr lang="en-US"/>
-          </a:p>
-        </p:txBody>
-      </p:sp>
-      <p:sp>
-        <p:nvSpPr>
-          <p:cNvPr id="444" name="Rectangle 443"/>
-          <p:cNvSpPr/>
-          <p:nvPr/>
-        </p:nvSpPr>
-        <p:spPr>
-          <a:xfrm>
-            <a:off x="1644650" y="27693937"/>
-            <a:ext cx="4495800" cy="584776"/>
-          </a:xfrm>
-          <a:prstGeom prst="rect">
-            <a:avLst/>
-          </a:prstGeom>
-          <a:ln w="57150" cmpd="sng"/>
-        </p:spPr>
-        <p:style>
-          <a:lnRef idx="2">
-            <a:schemeClr val="accent6"/>
-          </a:lnRef>
-          <a:fillRef idx="1">
-            <a:schemeClr val="lt1"/>
-          </a:fillRef>
-          <a:effectRef idx="0">
-            <a:schemeClr val="accent6"/>
-          </a:effectRef>
-          <a:fontRef idx="minor">
-            <a:schemeClr val="dk1"/>
-          </a:fontRef>
-        </p:style>
-        <p:txBody>
           <a:bodyPr wrap="square">
             <a:spAutoFit/>
           </a:bodyPr>
@@ -8396,7 +7448,7 @@
         </p:nvSpPr>
         <p:spPr>
           <a:xfrm>
-            <a:off x="1568450" y="28455937"/>
+            <a:off x="1568450" y="28236225"/>
             <a:ext cx="12801600" cy="838200"/>
           </a:xfrm>
           <a:prstGeom prst="rect">
@@ -8432,7 +7484,7 @@
         </p:nvSpPr>
         <p:spPr>
           <a:xfrm>
-            <a:off x="1644650" y="28684537"/>
+            <a:off x="1644650" y="28425458"/>
             <a:ext cx="1828800" cy="563880"/>
           </a:xfrm>
           <a:prstGeom prst="rect">
@@ -8471,7 +7523,7 @@
         </p:nvSpPr>
         <p:spPr>
           <a:xfrm>
-            <a:off x="1644650" y="28684537"/>
+            <a:off x="1644650" y="28425458"/>
             <a:ext cx="381000" cy="563880"/>
           </a:xfrm>
           <a:prstGeom prst="rect">
@@ -8510,7 +7562,7 @@
         </p:nvSpPr>
         <p:spPr>
           <a:xfrm>
-            <a:off x="2406650" y="28684537"/>
+            <a:off x="2406650" y="28425458"/>
             <a:ext cx="381000" cy="563880"/>
           </a:xfrm>
           <a:prstGeom prst="rect">
@@ -8549,7 +7601,7 @@
         </p:nvSpPr>
         <p:spPr>
           <a:xfrm>
-            <a:off x="3092450" y="28684537"/>
+            <a:off x="3092450" y="28425458"/>
             <a:ext cx="381000" cy="563880"/>
           </a:xfrm>
           <a:prstGeom prst="rect">
@@ -8588,7 +7640,7 @@
         </p:nvSpPr>
         <p:spPr>
           <a:xfrm>
-            <a:off x="5683250" y="28684537"/>
+            <a:off x="5683250" y="28425458"/>
             <a:ext cx="1828800" cy="563880"/>
           </a:xfrm>
           <a:prstGeom prst="rect">
@@ -8627,7 +7679,7 @@
         </p:nvSpPr>
         <p:spPr>
           <a:xfrm>
-            <a:off x="5683250" y="28684537"/>
+            <a:off x="5683250" y="28425458"/>
             <a:ext cx="381000" cy="563880"/>
           </a:xfrm>
           <a:prstGeom prst="rect">
@@ -8666,7 +7718,7 @@
         </p:nvSpPr>
         <p:spPr>
           <a:xfrm>
-            <a:off x="6445250" y="28684537"/>
+            <a:off x="6445250" y="28425458"/>
             <a:ext cx="381000" cy="563880"/>
           </a:xfrm>
           <a:prstGeom prst="rect">
@@ -8705,7 +7757,7 @@
         </p:nvSpPr>
         <p:spPr>
           <a:xfrm>
-            <a:off x="7131050" y="28684537"/>
+            <a:off x="7131050" y="28425458"/>
             <a:ext cx="381000" cy="563880"/>
           </a:xfrm>
           <a:prstGeom prst="rect">
@@ -8744,7 +7796,7 @@
         </p:nvSpPr>
         <p:spPr>
           <a:xfrm>
-            <a:off x="9721850" y="28684537"/>
+            <a:off x="9721850" y="28425458"/>
             <a:ext cx="1828800" cy="563880"/>
           </a:xfrm>
           <a:prstGeom prst="rect">
@@ -8783,7 +7835,7 @@
         </p:nvSpPr>
         <p:spPr>
           <a:xfrm>
-            <a:off x="9721850" y="28684537"/>
+            <a:off x="9721850" y="28425458"/>
             <a:ext cx="381000" cy="563880"/>
           </a:xfrm>
           <a:prstGeom prst="rect">
@@ -8822,7 +7874,7 @@
         </p:nvSpPr>
         <p:spPr>
           <a:xfrm>
-            <a:off x="10483850" y="28684537"/>
+            <a:off x="10483850" y="28425458"/>
             <a:ext cx="381000" cy="563880"/>
           </a:xfrm>
           <a:prstGeom prst="rect">
@@ -8861,7 +7913,7 @@
         </p:nvSpPr>
         <p:spPr>
           <a:xfrm>
-            <a:off x="11169650" y="28684537"/>
+            <a:off x="11169650" y="28425458"/>
             <a:ext cx="381000" cy="563880"/>
           </a:xfrm>
           <a:prstGeom prst="rect">
@@ -8900,7 +7952,7 @@
         </p:nvSpPr>
         <p:spPr>
           <a:xfrm>
-            <a:off x="1568450" y="29141737"/>
+            <a:off x="1492250" y="28998251"/>
             <a:ext cx="12801600" cy="838200"/>
           </a:xfrm>
           <a:prstGeom prst="rect">
@@ -8936,7 +7988,7 @@
         </p:nvSpPr>
         <p:spPr>
           <a:xfrm>
-            <a:off x="2025650" y="29370337"/>
+            <a:off x="1956823" y="29187458"/>
             <a:ext cx="1828800" cy="563880"/>
           </a:xfrm>
           <a:prstGeom prst="rect">
@@ -8975,7 +8027,7 @@
         </p:nvSpPr>
         <p:spPr>
           <a:xfrm>
-            <a:off x="2025650" y="29370337"/>
+            <a:off x="1956823" y="29187458"/>
             <a:ext cx="381000" cy="563880"/>
           </a:xfrm>
           <a:prstGeom prst="rect">
@@ -9014,7 +8066,7 @@
         </p:nvSpPr>
         <p:spPr>
           <a:xfrm>
-            <a:off x="2787650" y="29370337"/>
+            <a:off x="2718823" y="29187458"/>
             <a:ext cx="381000" cy="563880"/>
           </a:xfrm>
           <a:prstGeom prst="rect">
@@ -9053,7 +8105,7 @@
         </p:nvSpPr>
         <p:spPr>
           <a:xfrm>
-            <a:off x="3473450" y="29370337"/>
+            <a:off x="3404623" y="29187458"/>
             <a:ext cx="381000" cy="563880"/>
           </a:xfrm>
           <a:prstGeom prst="rect">
@@ -9092,7 +8144,7 @@
         </p:nvSpPr>
         <p:spPr>
           <a:xfrm>
-            <a:off x="6064250" y="29370337"/>
+            <a:off x="5995423" y="29187458"/>
             <a:ext cx="1828800" cy="563880"/>
           </a:xfrm>
           <a:prstGeom prst="rect">
@@ -9131,7 +8183,7 @@
         </p:nvSpPr>
         <p:spPr>
           <a:xfrm>
-            <a:off x="6064250" y="29370337"/>
+            <a:off x="5995423" y="29187458"/>
             <a:ext cx="381000" cy="563880"/>
           </a:xfrm>
           <a:prstGeom prst="rect">
@@ -9170,7 +8222,7 @@
         </p:nvSpPr>
         <p:spPr>
           <a:xfrm>
-            <a:off x="6826250" y="29370337"/>
+            <a:off x="6757423" y="29187458"/>
             <a:ext cx="381000" cy="563880"/>
           </a:xfrm>
           <a:prstGeom prst="rect">
@@ -9209,7 +8261,7 @@
         </p:nvSpPr>
         <p:spPr>
           <a:xfrm>
-            <a:off x="7512050" y="29370337"/>
+            <a:off x="7443223" y="29187458"/>
             <a:ext cx="381000" cy="563880"/>
           </a:xfrm>
           <a:prstGeom prst="rect">
@@ -9248,7 +8300,7 @@
         </p:nvSpPr>
         <p:spPr>
           <a:xfrm>
-            <a:off x="10102850" y="29370337"/>
+            <a:off x="10038386" y="29187458"/>
             <a:ext cx="1828800" cy="563880"/>
           </a:xfrm>
           <a:prstGeom prst="rect">
@@ -9287,7 +8339,7 @@
         </p:nvSpPr>
         <p:spPr>
           <a:xfrm>
-            <a:off x="10102850" y="29370337"/>
+            <a:off x="10038386" y="29187458"/>
             <a:ext cx="381000" cy="563880"/>
           </a:xfrm>
           <a:prstGeom prst="rect">
@@ -9326,7 +8378,7 @@
         </p:nvSpPr>
         <p:spPr>
           <a:xfrm>
-            <a:off x="10864850" y="29370337"/>
+            <a:off x="10800386" y="29187458"/>
             <a:ext cx="381000" cy="563880"/>
           </a:xfrm>
           <a:prstGeom prst="rect">
@@ -9365,7 +8417,7 @@
         </p:nvSpPr>
         <p:spPr>
           <a:xfrm>
-            <a:off x="11550650" y="29370337"/>
+            <a:off x="11486186" y="29187458"/>
             <a:ext cx="381000" cy="563880"/>
           </a:xfrm>
           <a:prstGeom prst="rect">
@@ -9404,7 +8456,7 @@
         </p:nvSpPr>
         <p:spPr>
           <a:xfrm>
-            <a:off x="1568450" y="29827537"/>
+            <a:off x="1492250" y="29751338"/>
             <a:ext cx="12801600" cy="838200"/>
           </a:xfrm>
           <a:prstGeom prst="rect">
@@ -9440,7 +8492,7 @@
         </p:nvSpPr>
         <p:spPr>
           <a:xfrm>
-            <a:off x="2787650" y="30056137"/>
+            <a:off x="2691097" y="29933005"/>
             <a:ext cx="1828800" cy="563880"/>
           </a:xfrm>
           <a:prstGeom prst="rect">
@@ -9479,7 +8531,7 @@
         </p:nvSpPr>
         <p:spPr>
           <a:xfrm>
-            <a:off x="2787650" y="30056137"/>
+            <a:off x="2691097" y="29933005"/>
             <a:ext cx="381000" cy="563880"/>
           </a:xfrm>
           <a:prstGeom prst="rect">
@@ -9518,7 +8570,7 @@
         </p:nvSpPr>
         <p:spPr>
           <a:xfrm>
-            <a:off x="3549650" y="30056137"/>
+            <a:off x="3453097" y="29933005"/>
             <a:ext cx="381000" cy="563880"/>
           </a:xfrm>
           <a:prstGeom prst="rect">
@@ -9557,7 +8609,7 @@
         </p:nvSpPr>
         <p:spPr>
           <a:xfrm>
-            <a:off x="4235450" y="30056137"/>
+            <a:off x="4138897" y="29933005"/>
             <a:ext cx="381000" cy="563880"/>
           </a:xfrm>
           <a:prstGeom prst="rect">
@@ -9596,7 +8648,7 @@
         </p:nvSpPr>
         <p:spPr>
           <a:xfrm>
-            <a:off x="6750050" y="30056137"/>
+            <a:off x="6673850" y="29949458"/>
             <a:ext cx="1828800" cy="563880"/>
           </a:xfrm>
           <a:prstGeom prst="rect">
@@ -9635,7 +8687,7 @@
         </p:nvSpPr>
         <p:spPr>
           <a:xfrm>
-            <a:off x="6750050" y="30056137"/>
+            <a:off x="6673850" y="29949458"/>
             <a:ext cx="381000" cy="563880"/>
           </a:xfrm>
           <a:prstGeom prst="rect">
@@ -9674,7 +8726,7 @@
         </p:nvSpPr>
         <p:spPr>
           <a:xfrm>
-            <a:off x="7512050" y="30056137"/>
+            <a:off x="7435850" y="29949458"/>
             <a:ext cx="381000" cy="563880"/>
           </a:xfrm>
           <a:prstGeom prst="rect">
@@ -9713,7 +8765,7 @@
         </p:nvSpPr>
         <p:spPr>
           <a:xfrm>
-            <a:off x="8197850" y="30056137"/>
+            <a:off x="8121650" y="29949458"/>
             <a:ext cx="381000" cy="563880"/>
           </a:xfrm>
           <a:prstGeom prst="rect">
@@ -9752,7 +8804,7 @@
         </p:nvSpPr>
         <p:spPr>
           <a:xfrm>
-            <a:off x="10788650" y="30056137"/>
+            <a:off x="10712450" y="29905579"/>
             <a:ext cx="1828800" cy="563880"/>
           </a:xfrm>
           <a:prstGeom prst="rect">
@@ -9791,7 +8843,7 @@
         </p:nvSpPr>
         <p:spPr>
           <a:xfrm>
-            <a:off x="10788650" y="30056137"/>
+            <a:off x="10712450" y="29905579"/>
             <a:ext cx="381000" cy="563880"/>
           </a:xfrm>
           <a:prstGeom prst="rect">
@@ -9830,7 +8882,7 @@
         </p:nvSpPr>
         <p:spPr>
           <a:xfrm>
-            <a:off x="11550650" y="30056137"/>
+            <a:off x="11474450" y="29905579"/>
             <a:ext cx="381000" cy="563880"/>
           </a:xfrm>
           <a:prstGeom prst="rect">
@@ -9869,7 +8921,7 @@
         </p:nvSpPr>
         <p:spPr>
           <a:xfrm>
-            <a:off x="12236450" y="30056137"/>
+            <a:off x="12160250" y="29905579"/>
             <a:ext cx="381000" cy="563880"/>
           </a:xfrm>
           <a:prstGeom prst="rect">
@@ -9944,7 +8996,7 @@
         </p:nvSpPr>
         <p:spPr>
           <a:xfrm>
-            <a:off x="3473450" y="30741937"/>
+            <a:off x="3496664" y="30656240"/>
             <a:ext cx="1828800" cy="563880"/>
           </a:xfrm>
           <a:prstGeom prst="rect">
@@ -9983,7 +9035,7 @@
         </p:nvSpPr>
         <p:spPr>
           <a:xfrm>
-            <a:off x="3473450" y="30741937"/>
+            <a:off x="3496664" y="30656240"/>
             <a:ext cx="381000" cy="563880"/>
           </a:xfrm>
           <a:prstGeom prst="rect">
@@ -10022,7 +9074,7 @@
         </p:nvSpPr>
         <p:spPr>
           <a:xfrm>
-            <a:off x="4235450" y="30741937"/>
+            <a:off x="4258664" y="30656240"/>
             <a:ext cx="381000" cy="563880"/>
           </a:xfrm>
           <a:prstGeom prst="rect">
@@ -10061,7 +9113,7 @@
         </p:nvSpPr>
         <p:spPr>
           <a:xfrm>
-            <a:off x="4921250" y="30741937"/>
+            <a:off x="4944464" y="30656240"/>
             <a:ext cx="381000" cy="563880"/>
           </a:xfrm>
           <a:prstGeom prst="rect">
@@ -10100,7 +9152,7 @@
         </p:nvSpPr>
         <p:spPr>
           <a:xfrm>
-            <a:off x="7512050" y="30741937"/>
+            <a:off x="7535264" y="30656240"/>
             <a:ext cx="1828800" cy="563880"/>
           </a:xfrm>
           <a:prstGeom prst="rect">
@@ -10139,7 +9191,7 @@
         </p:nvSpPr>
         <p:spPr>
           <a:xfrm>
-            <a:off x="7512050" y="30741937"/>
+            <a:off x="7535264" y="30656240"/>
             <a:ext cx="381000" cy="563880"/>
           </a:xfrm>
           <a:prstGeom prst="rect">
@@ -10178,7 +9230,7 @@
         </p:nvSpPr>
         <p:spPr>
           <a:xfrm>
-            <a:off x="8274050" y="30741937"/>
+            <a:off x="8297264" y="30656240"/>
             <a:ext cx="381000" cy="563880"/>
           </a:xfrm>
           <a:prstGeom prst="rect">
@@ -10217,7 +9269,7 @@
         </p:nvSpPr>
         <p:spPr>
           <a:xfrm>
-            <a:off x="8959850" y="30741937"/>
+            <a:off x="8983064" y="30656240"/>
             <a:ext cx="381000" cy="563880"/>
           </a:xfrm>
           <a:prstGeom prst="rect">
@@ -10256,7 +9308,7 @@
         </p:nvSpPr>
         <p:spPr>
           <a:xfrm>
-            <a:off x="11550650" y="30741937"/>
+            <a:off x="11573864" y="30656240"/>
             <a:ext cx="1828800" cy="563880"/>
           </a:xfrm>
           <a:prstGeom prst="rect">
@@ -10295,7 +9347,7 @@
         </p:nvSpPr>
         <p:spPr>
           <a:xfrm>
-            <a:off x="11550650" y="30741937"/>
+            <a:off x="11573864" y="30656240"/>
             <a:ext cx="381000" cy="563880"/>
           </a:xfrm>
           <a:prstGeom prst="rect">
@@ -10334,7 +9386,7 @@
         </p:nvSpPr>
         <p:spPr>
           <a:xfrm>
-            <a:off x="12312650" y="30741937"/>
+            <a:off x="12335864" y="30656240"/>
             <a:ext cx="381000" cy="563880"/>
           </a:xfrm>
           <a:prstGeom prst="rect">
@@ -10373,7 +9425,7 @@
         </p:nvSpPr>
         <p:spPr>
           <a:xfrm>
-            <a:off x="12998450" y="30741937"/>
+            <a:off x="13021664" y="30656240"/>
             <a:ext cx="381000" cy="563880"/>
           </a:xfrm>
           <a:prstGeom prst="rect">
@@ -10412,8 +9464,8 @@
         </p:nvSpPr>
         <p:spPr>
           <a:xfrm>
-            <a:off x="1568450" y="31503937"/>
-            <a:ext cx="12801600" cy="838200"/>
+            <a:off x="1567263" y="31302462"/>
+            <a:ext cx="12802787" cy="830997"/>
           </a:xfrm>
           <a:prstGeom prst="rect">
             <a:avLst/>
@@ -10448,8 +9500,8 @@
         </p:nvSpPr>
         <p:spPr>
           <a:xfrm>
-            <a:off x="1644650" y="31656337"/>
-            <a:ext cx="3657600" cy="563880"/>
+            <a:off x="1649760" y="31414120"/>
+            <a:ext cx="3657939" cy="699418"/>
           </a:xfrm>
           <a:prstGeom prst="rect">
             <a:avLst/>
@@ -10487,8 +9539,8 @@
         </p:nvSpPr>
         <p:spPr>
           <a:xfrm>
-            <a:off x="5683250" y="31656337"/>
-            <a:ext cx="3657600" cy="563880"/>
+            <a:off x="5683589" y="31427737"/>
+            <a:ext cx="3657939" cy="699418"/>
           </a:xfrm>
           <a:prstGeom prst="rect">
             <a:avLst/>
@@ -10526,8 +9578,8 @@
         </p:nvSpPr>
         <p:spPr>
           <a:xfrm>
-            <a:off x="9721850" y="31656337"/>
-            <a:ext cx="3657600" cy="563880"/>
+            <a:off x="9721850" y="31414120"/>
+            <a:ext cx="3657939" cy="699418"/>
           </a:xfrm>
           <a:prstGeom prst="rect">
             <a:avLst/>
@@ -10565,7 +9617,7 @@
         </p:nvCxnSpPr>
         <p:spPr>
           <a:xfrm>
-            <a:off x="1644650" y="31503937"/>
+            <a:off x="1644650" y="31351538"/>
             <a:ext cx="11734800" cy="0"/>
           </a:xfrm>
           <a:prstGeom prst="line">
@@ -10597,14 +9649,14 @@
           <p:nvPr>
             <p:extLst>
               <p:ext uri="{D42A27DB-BD31-4B8C-83A1-F6EECF244321}">
-                <p14:modId xmlns:p14="http://schemas.microsoft.com/office/powerpoint/2010/main" val="1156338841"/>
+                <p14:modId xmlns:p14="http://schemas.microsoft.com/office/powerpoint/2010/main" val="1641301846"/>
               </p:ext>
             </p:extLst>
           </p:nvPr>
         </p:nvGraphicFramePr>
         <p:xfrm>
-          <a:off x="14217650" y="27693937"/>
-          <a:ext cx="16916400" cy="3480120"/>
+          <a:off x="14141450" y="27312938"/>
+          <a:ext cx="17145000" cy="4061293"/>
         </p:xfrm>
         <a:graphic>
           <a:graphicData uri="http://schemas.openxmlformats.org/drawingml/2006/table">
@@ -10613,9 +9665,9 @@
                 <a:tableStyleId>{5C22544A-7EE6-4342-B048-85BDC9FD1C3A}</a:tableStyleId>
               </a:tblPr>
               <a:tblGrid>
-                <a:gridCol w="16916400"/>
+                <a:gridCol w="17145000"/>
               </a:tblGrid>
-              <a:tr h="950280">
+              <a:tr h="891708">
                 <a:tc>
                   <a:txBody>
                     <a:bodyPr/>
@@ -10634,7 +9686,7 @@
                   <a:tcPr/>
                 </a:tc>
               </a:tr>
-              <a:tr h="2250120">
+              <a:tr h="3146893">
                 <a:tc>
                   <a:txBody>
                     <a:bodyPr/>
@@ -10658,15 +9710,15 @@
                         <a:defRPr/>
                       </a:pPr>
                       <a:r>
-                        <a:rPr lang="en-US" sz="3200" dirty="0" smtClean="0"/>
+                        <a:rPr lang="en-US" sz="3600" dirty="0" smtClean="0"/>
                         <a:t> Spaced seed-</a:t>
                       </a:r>
                       <a:r>
-                        <a:rPr lang="en-US" sz="3200" baseline="0" dirty="0" smtClean="0"/>
+                        <a:rPr lang="en-US" sz="3600" baseline="0" dirty="0" smtClean="0"/>
                         <a:t> p</a:t>
                       </a:r>
                       <a:r>
-                        <a:rPr lang="en-US" sz="3200" dirty="0" smtClean="0"/>
+                        <a:rPr lang="en-US" sz="3600" dirty="0" smtClean="0"/>
                         <a:t>attern describing required matching between two strings</a:t>
                       </a:r>
                     </a:p>
@@ -10689,20 +9741,24 @@
                         <a:defRPr/>
                       </a:pPr>
                       <a:r>
-                        <a:rPr lang="en-US" sz="3200" baseline="0" dirty="0" smtClean="0"/>
-                        <a:t>   - Used successfully by PatternHunter</a:t>
-                      </a:r>
-                      <a:r>
-                        <a:rPr lang="en-US" sz="3200" baseline="30000" dirty="0" smtClean="0"/>
-                        <a:t>6</a:t>
-                      </a:r>
-                      <a:r>
-                        <a:rPr lang="en-US" sz="3200" baseline="0" dirty="0" smtClean="0"/>
-                        <a:t> in </a:t>
-                      </a:r>
-                      <a:r>
-                        <a:rPr lang="en-US" sz="3200" baseline="0" dirty="0" smtClean="0"/>
-                        <a:t>BLAST</a:t>
+                        <a:rPr lang="en-US" sz="3600" baseline="0" dirty="0" smtClean="0"/>
+                        <a:t>   - Used successfully by </a:t>
+                      </a:r>
+                      <a:r>
+                        <a:rPr lang="en-US" sz="3600" baseline="0" dirty="0" smtClean="0"/>
+                        <a:t>PatternHunter</a:t>
+                      </a:r>
+                      <a:r>
+                        <a:rPr lang="en-US" sz="3600" baseline="30000" dirty="0" smtClean="0"/>
+                        <a:t>8</a:t>
+                      </a:r>
+                      <a:r>
+                        <a:rPr lang="en-US" sz="3600" baseline="0" dirty="0" smtClean="0"/>
+                        <a:t> </a:t>
+                      </a:r>
+                      <a:r>
+                        <a:rPr lang="en-US" sz="3600" baseline="0" dirty="0" smtClean="0"/>
+                        <a:t>in BLAST</a:t>
                       </a:r>
                     </a:p>
                     <a:p>
@@ -10724,7 +9780,7 @@
                         <a:defRPr/>
                       </a:pPr>
                       <a:r>
-                        <a:rPr lang="en-US" sz="3200" baseline="0" dirty="0" smtClean="0"/>
+                        <a:rPr lang="en-US" sz="3600" baseline="0" dirty="0" smtClean="0"/>
                         <a:t>   - String of 1’s and *’s, where *’s represent “wildcard” positions</a:t>
                       </a:r>
                     </a:p>
@@ -10747,99 +9803,99 @@
                         <a:defRPr/>
                       </a:pPr>
                       <a:r>
-                        <a:rPr lang="en-US" sz="3200" i="1" baseline="0" dirty="0" smtClean="0"/>
+                        <a:rPr lang="en-US" sz="3600" i="1" baseline="0" dirty="0" smtClean="0"/>
                         <a:t> </a:t>
                       </a:r>
                       <a:r>
-                        <a:rPr lang="en-US" sz="3200" i="1" dirty="0" smtClean="0"/>
+                        <a:rPr lang="en-US" sz="3600" i="1" dirty="0" smtClean="0"/>
                         <a:t>l</a:t>
                       </a:r>
                       <a:r>
-                        <a:rPr lang="en-US" sz="3200" dirty="0" smtClean="0"/>
+                        <a:rPr lang="en-US" sz="3600" dirty="0" smtClean="0"/>
                         <a:t>-</a:t>
                       </a:r>
                       <a:r>
-                        <a:rPr lang="en-US" sz="3200" dirty="0" err="1" smtClean="0"/>
+                        <a:rPr lang="en-US" sz="3600" dirty="0" err="1" smtClean="0"/>
                         <a:t>mers</a:t>
                       </a:r>
                       <a:r>
-                        <a:rPr lang="en-US" sz="3200" dirty="0" smtClean="0"/>
+                        <a:rPr lang="en-US" sz="3600" dirty="0" smtClean="0"/>
                         <a:t> </a:t>
                       </a:r>
                       <a:r>
-                        <a:rPr lang="en-US" sz="3200" i="1" dirty="0" smtClean="0"/>
+                        <a:rPr lang="en-US" sz="3600" i="1" dirty="0" smtClean="0"/>
                         <a:t>q </a:t>
                       </a:r>
                       <a:r>
-                        <a:rPr lang="en-US" sz="3200" dirty="0" smtClean="0"/>
+                        <a:rPr lang="en-US" sz="3600" dirty="0" smtClean="0"/>
                         <a:t>and </a:t>
                       </a:r>
                       <a:r>
-                        <a:rPr lang="en-US" sz="3200" i="1" dirty="0" smtClean="0"/>
+                        <a:rPr lang="en-US" sz="3600" i="1" dirty="0" smtClean="0"/>
                         <a:t>t </a:t>
                       </a:r>
                       <a:r>
-                        <a:rPr lang="en-US" sz="3200" dirty="0" smtClean="0"/>
+                        <a:rPr lang="en-US" sz="3600" dirty="0" smtClean="0"/>
                         <a:t>match WRT seed </a:t>
                       </a:r>
                       <a:r>
-                        <a:rPr lang="en-US" sz="3200" i="1" dirty="0" smtClean="0"/>
+                        <a:rPr lang="en-US" sz="3600" i="1" dirty="0" smtClean="0"/>
                         <a:t>s</a:t>
                       </a:r>
                       <a:r>
-                        <a:rPr lang="en-US" sz="3200" dirty="0" smtClean="0"/>
+                        <a:rPr lang="en-US" sz="3600" dirty="0" smtClean="0"/>
                         <a:t> of length </a:t>
                       </a:r>
                       <a:r>
-                        <a:rPr lang="en-US" sz="3200" i="1" dirty="0" smtClean="0"/>
+                        <a:rPr lang="en-US" sz="3600" i="1" dirty="0" smtClean="0"/>
                         <a:t>l </a:t>
                       </a:r>
                       <a:r>
-                        <a:rPr lang="en-US" sz="3200" dirty="0" smtClean="0"/>
+                        <a:rPr lang="en-US" sz="3600" dirty="0" smtClean="0"/>
                         <a:t>if </a:t>
                       </a:r>
                       <a:r>
-                        <a:rPr lang="en-US" sz="3200" i="1" dirty="0" smtClean="0"/>
+                        <a:rPr lang="en-US" sz="3600" i="1" dirty="0" smtClean="0"/>
                         <a:t>q</a:t>
                       </a:r>
                       <a:r>
-                        <a:rPr lang="en-US" sz="3200" i="1" baseline="-25000" dirty="0" smtClean="0"/>
+                        <a:rPr lang="en-US" sz="3600" i="1" baseline="-25000" dirty="0" smtClean="0"/>
                         <a:t>i</a:t>
                       </a:r>
                       <a:r>
-                        <a:rPr lang="en-US" sz="3200" i="1" dirty="0" smtClean="0"/>
+                        <a:rPr lang="en-US" sz="3600" i="1" dirty="0" smtClean="0"/>
                         <a:t>=</a:t>
                       </a:r>
                       <a:r>
-                        <a:rPr lang="en-US" sz="3200" i="1" dirty="0" err="1" smtClean="0"/>
+                        <a:rPr lang="en-US" sz="3600" i="1" dirty="0" err="1" smtClean="0"/>
                         <a:t>t</a:t>
                       </a:r>
                       <a:r>
-                        <a:rPr lang="en-US" sz="3200" i="1" baseline="-25000" dirty="0" err="1" smtClean="0"/>
+                        <a:rPr lang="en-US" sz="3600" i="1" baseline="-25000" dirty="0" err="1" smtClean="0"/>
                         <a:t>i</a:t>
                       </a:r>
                       <a:r>
-                        <a:rPr lang="en-US" sz="3200" i="1" dirty="0" smtClean="0"/>
+                        <a:rPr lang="en-US" sz="3600" i="1" dirty="0" smtClean="0"/>
                         <a:t> </a:t>
                       </a:r>
                       <a:r>
-                        <a:rPr lang="en-US" sz="3200" dirty="0" smtClean="0"/>
+                        <a:rPr lang="en-US" sz="3600" dirty="0" smtClean="0"/>
                         <a:t>for each 1 position </a:t>
                       </a:r>
                       <a:r>
-                        <a:rPr lang="en-US" sz="3200" i="1" dirty="0" err="1" smtClean="0"/>
+                        <a:rPr lang="en-US" sz="3600" i="1" dirty="0" err="1" smtClean="0"/>
                         <a:t>i</a:t>
                       </a:r>
                       <a:r>
-                        <a:rPr lang="en-US" sz="3200" i="1" dirty="0" smtClean="0"/>
+                        <a:rPr lang="en-US" sz="3600" i="1" dirty="0" smtClean="0"/>
                         <a:t> </a:t>
                       </a:r>
                       <a:r>
-                        <a:rPr lang="en-US" sz="3200" dirty="0" smtClean="0"/>
+                        <a:rPr lang="en-US" sz="3600" dirty="0" smtClean="0"/>
                         <a:t>in </a:t>
                       </a:r>
                       <a:r>
-                        <a:rPr lang="en-US" sz="3200" i="1" dirty="0" smtClean="0"/>
+                        <a:rPr lang="en-US" sz="3600" i="1" dirty="0" smtClean="0"/>
                         <a:t>s</a:t>
                       </a:r>
                     </a:p>
@@ -10862,14 +9918,14 @@
                         <a:defRPr/>
                       </a:pPr>
                       <a:r>
-                        <a:rPr lang="en-US" sz="3200" i="0" dirty="0" smtClean="0"/>
+                        <a:rPr lang="en-US" sz="3600" i="0" dirty="0" smtClean="0"/>
                         <a:t> Allows for some mismatched bases</a:t>
                       </a:r>
                       <a:r>
-                        <a:rPr lang="en-US" sz="3200" i="0" baseline="0" dirty="0" smtClean="0"/>
+                        <a:rPr lang="en-US" sz="3600" i="0" baseline="0" dirty="0" smtClean="0"/>
                         <a:t> in elementary repeat instances</a:t>
                       </a:r>
-                      <a:endParaRPr lang="en-US" sz="3200" i="0" dirty="0" smtClean="0"/>
+                      <a:endParaRPr lang="en-US" sz="3600" i="0" dirty="0" smtClean="0"/>
                     </a:p>
                   </a:txBody>
                   <a:tcPr/>
@@ -10888,14 +9944,14 @@
           <p:nvPr>
             <p:extLst>
               <p:ext uri="{D42A27DB-BD31-4B8C-83A1-F6EECF244321}">
-                <p14:modId xmlns:p14="http://schemas.microsoft.com/office/powerpoint/2010/main" val="2547541124"/>
+                <p14:modId xmlns:p14="http://schemas.microsoft.com/office/powerpoint/2010/main" val="1276955352"/>
               </p:ext>
             </p:extLst>
           </p:nvPr>
         </p:nvGraphicFramePr>
         <p:xfrm>
-          <a:off x="16122649" y="36990337"/>
-          <a:ext cx="15011400" cy="3733800"/>
+          <a:off x="16427450" y="36260596"/>
+          <a:ext cx="14858999" cy="4038600"/>
         </p:xfrm>
         <a:graphic>
           <a:graphicData uri="http://schemas.openxmlformats.org/drawingml/2006/table">
@@ -10904,12 +9960,12 @@
                 <a:tableStyleId>{35758FB7-9AC5-4552-8A53-C91805E547FA}</a:tableStyleId>
               </a:tblPr>
               <a:tblGrid>
-                <a:gridCol w="7467601"/>
+                <a:gridCol w="7317964"/>
                 <a:gridCol w="2057400"/>
-                <a:gridCol w="2590800"/>
-                <a:gridCol w="2895599"/>
+                <a:gridCol w="2743200"/>
+                <a:gridCol w="2740435"/>
               </a:tblGrid>
-              <a:tr h="190500">
+              <a:tr h="504825">
                 <a:tc>
                   <a:txBody>
                     <a:bodyPr/>
@@ -10981,7 +10037,7 @@
                   <a:tcPr/>
                 </a:tc>
               </a:tr>
-              <a:tr h="190500">
+              <a:tr h="504825">
                 <a:tc>
                   <a:txBody>
                     <a:bodyPr/>
@@ -11063,7 +10119,7 @@
                   <a:tcPr marL="9525" marR="9525" marT="9525" marB="0" anchor="b"/>
                 </a:tc>
               </a:tr>
-              <a:tr h="190500">
+              <a:tr h="504825">
                 <a:tc>
                   <a:txBody>
                     <a:bodyPr/>
@@ -11175,7 +10231,7 @@
                   <a:tcPr marL="9525" marR="9525" marT="9525" marB="0" anchor="b"/>
                 </a:tc>
               </a:tr>
-              <a:tr h="190500">
+              <a:tr h="504825">
                 <a:tc>
                   <a:txBody>
                     <a:bodyPr/>
@@ -11207,12 +10263,6 @@
                         </a:rPr>
                         <a:t>11111011111110011111111011111</a:t>
                       </a:r>
-                      <a:endParaRPr lang="en-US" sz="3000" b="0" i="0" u="none" strike="noStrike" dirty="0" smtClean="0">
-                        <a:solidFill>
-                          <a:srgbClr val="000000"/>
-                        </a:solidFill>
-                        <a:latin typeface="+mn-lt"/>
-                      </a:endParaRPr>
                     </a:p>
                   </a:txBody>
                   <a:tcPr marL="9525" marR="9525" marT="9525" marB="0" anchor="b"/>
@@ -11290,7 +10340,7 @@
                   <a:tcPr marL="9525" marR="9525" marT="9525" marB="0" anchor="b"/>
                 </a:tc>
               </a:tr>
-              <a:tr h="190500">
+              <a:tr h="504825">
                 <a:tc>
                   <a:txBody>
                     <a:bodyPr/>
@@ -11380,7 +10430,7 @@
                   <a:tcPr marL="9525" marR="9525" marT="9525" marB="0" anchor="b"/>
                 </a:tc>
               </a:tr>
-              <a:tr h="190500">
+              <a:tr h="504825">
                 <a:tc>
                   <a:txBody>
                     <a:bodyPr/>
@@ -11486,7 +10536,7 @@
                   <a:tcPr marL="9525" marR="9525" marT="9525" marB="0" anchor="b"/>
                 </a:tc>
               </a:tr>
-              <a:tr h="190500">
+              <a:tr h="504825">
                 <a:tc>
                   <a:txBody>
                     <a:bodyPr/>
@@ -11598,7 +10648,7 @@
                   <a:tcPr marL="9525" marR="9525" marT="9525" marB="0" anchor="b"/>
                 </a:tc>
               </a:tr>
-              <a:tr h="190500">
+              <a:tr h="504825">
                 <a:tc>
                   <a:txBody>
                     <a:bodyPr/>
@@ -11606,32 +10656,10 @@
                     <a:p>
                       <a:pPr algn="r" fontAlgn="b"/>
                       <a:r>
-                        <a:rPr lang="en-US" sz="3000" u="none" strike="noStrike">
+                        <a:rPr lang="en-US" sz="3000" u="none" strike="noStrike" dirty="0" err="1">
                           <a:latin typeface="+mn-lt"/>
                         </a:rPr>
                         <a:t>RepeatScout</a:t>
-                      </a:r>
-                      <a:endParaRPr lang="en-US" sz="3000" b="0" i="0" u="none" strike="noStrike">
-                        <a:solidFill>
-                          <a:srgbClr val="000000"/>
-                        </a:solidFill>
-                        <a:latin typeface="+mn-lt"/>
-                      </a:endParaRPr>
-                    </a:p>
-                  </a:txBody>
-                  <a:tcPr marL="9525" marR="9525" marT="9525" marB="0" anchor="b"/>
-                </a:tc>
-                <a:tc>
-                  <a:txBody>
-                    <a:bodyPr/>
-                    <a:lstStyle/>
-                    <a:p>
-                      <a:pPr algn="r" fontAlgn="b"/>
-                      <a:r>
-                        <a:rPr lang="en-US" sz="3000" u="none" strike="noStrike" dirty="0" smtClean="0">
-                          <a:latin typeface="+mn-lt"/>
-                        </a:rPr>
-                        <a:t>39610</a:t>
                       </a:r>
                       <a:endParaRPr lang="en-US" sz="3000" b="0" i="0" u="none" strike="noStrike" dirty="0">
                         <a:solidFill>
@@ -11653,7 +10681,7 @@
                         <a:rPr lang="en-US" sz="3000" u="none" strike="noStrike" dirty="0" smtClean="0">
                           <a:latin typeface="+mn-lt"/>
                         </a:rPr>
-                        <a:t>0.63881</a:t>
+                        <a:t>39610</a:t>
                       </a:r>
                       <a:endParaRPr lang="en-US" sz="3000" b="0" i="0" u="none" strike="noStrike" dirty="0">
                         <a:solidFill>
@@ -11675,6 +10703,28 @@
                         <a:rPr lang="en-US" sz="3000" u="none" strike="noStrike" dirty="0" smtClean="0">
                           <a:latin typeface="+mn-lt"/>
                         </a:rPr>
+                        <a:t>0.63881</a:t>
+                      </a:r>
+                      <a:endParaRPr lang="en-US" sz="3000" b="0" i="0" u="none" strike="noStrike" dirty="0">
+                        <a:solidFill>
+                          <a:srgbClr val="000000"/>
+                        </a:solidFill>
+                        <a:latin typeface="+mn-lt"/>
+                      </a:endParaRPr>
+                    </a:p>
+                  </a:txBody>
+                  <a:tcPr marL="9525" marR="9525" marT="9525" marB="0" anchor="b"/>
+                </a:tc>
+                <a:tc>
+                  <a:txBody>
+                    <a:bodyPr/>
+                    <a:lstStyle/>
+                    <a:p>
+                      <a:pPr algn="r" fontAlgn="b"/>
+                      <a:r>
+                        <a:rPr lang="en-US" sz="3000" u="none" strike="noStrike" dirty="0" smtClean="0">
+                          <a:latin typeface="+mn-lt"/>
+                        </a:rPr>
                         <a:t>0.7118</a:t>
                       </a:r>
                       <a:endParaRPr lang="en-US" sz="3000" b="0" i="0" u="none" strike="noStrike" dirty="0">
@@ -11692,6 +10742,1229 @@
           </a:graphicData>
         </a:graphic>
       </p:graphicFrame>
+      <p:sp>
+        <p:nvSpPr>
+          <p:cNvPr id="133" name="TextBox 132"/>
+          <p:cNvSpPr txBox="1"/>
+          <p:nvPr/>
+        </p:nvSpPr>
+        <p:spPr>
+          <a:xfrm>
+            <a:off x="12769850" y="18016537"/>
+            <a:ext cx="1524000" cy="1200328"/>
+          </a:xfrm>
+          <a:prstGeom prst="rect">
+            <a:avLst/>
+          </a:prstGeom>
+          <a:noFill/>
+          <a:ln>
+            <a:solidFill>
+              <a:schemeClr val="tx1"/>
+            </a:solidFill>
+          </a:ln>
+        </p:spPr>
+        <p:txBody>
+          <a:bodyPr wrap="square" rtlCol="0">
+            <a:spAutoFit/>
+          </a:bodyPr>
+          <a:lstStyle/>
+          <a:p>
+            <a:r>
+              <a:rPr lang="en-US" sz="2400" dirty="0" smtClean="0">
+                <a:latin typeface="Courier"/>
+                <a:cs typeface="Courier"/>
+              </a:rPr>
+              <a:t>CTTCA</a:t>
+            </a:r>
+            <a:r>
+              <a:rPr lang="en-US" sz="2400" dirty="0" smtClean="0">
+                <a:latin typeface="Courier"/>
+                <a:cs typeface="Courier"/>
+              </a:rPr>
+              <a:t>:</a:t>
+            </a:r>
+            <a:r>
+              <a:rPr lang="en-US" sz="2400" dirty="0">
+                <a:latin typeface="Courier"/>
+                <a:cs typeface="Courier"/>
+              </a:rPr>
+              <a:t>1</a:t>
+            </a:r>
+            <a:endParaRPr lang="en-US" sz="2400" dirty="0" smtClean="0">
+              <a:solidFill>
+                <a:schemeClr val="accent1"/>
+              </a:solidFill>
+              <a:latin typeface="Courier"/>
+              <a:cs typeface="Courier"/>
+            </a:endParaRPr>
+          </a:p>
+          <a:p>
+            <a:r>
+              <a:rPr lang="en-US" sz="2400" dirty="0" smtClean="0">
+                <a:latin typeface="Courier"/>
+                <a:cs typeface="Courier"/>
+              </a:rPr>
+              <a:t>TTCAG:1</a:t>
+            </a:r>
+          </a:p>
+          <a:p>
+            <a:r>
+              <a:rPr lang="en-US" sz="2400" dirty="0" smtClean="0">
+                <a:latin typeface="Courier"/>
+                <a:cs typeface="Courier"/>
+              </a:rPr>
+              <a:t>TCAGA</a:t>
+            </a:r>
+            <a:r>
+              <a:rPr lang="en-US" sz="2400" dirty="0" smtClean="0">
+                <a:latin typeface="Courier"/>
+                <a:cs typeface="Courier"/>
+              </a:rPr>
+              <a:t>:</a:t>
+            </a:r>
+            <a:r>
+              <a:rPr lang="en-US" sz="2400" dirty="0">
+                <a:latin typeface="Courier"/>
+                <a:cs typeface="Courier"/>
+              </a:rPr>
+              <a:t>1</a:t>
+            </a:r>
+            <a:endParaRPr lang="en-US" sz="2400" dirty="0" smtClean="0">
+              <a:latin typeface="Courier"/>
+              <a:cs typeface="Courier"/>
+            </a:endParaRPr>
+          </a:p>
+        </p:txBody>
+      </p:sp>
+      <p:graphicFrame>
+        <p:nvGraphicFramePr>
+          <p:cNvPr id="135" name="Table 134"/>
+          <p:cNvGraphicFramePr>
+            <a:graphicFrameLocks noGrp="1"/>
+          </p:cNvGraphicFramePr>
+          <p:nvPr>
+            <p:extLst>
+              <p:ext uri="{D42A27DB-BD31-4B8C-83A1-F6EECF244321}">
+                <p14:modId xmlns:p14="http://schemas.microsoft.com/office/powerpoint/2010/main" val="3393835100"/>
+              </p:ext>
+            </p:extLst>
+          </p:nvPr>
+        </p:nvGraphicFramePr>
+        <p:xfrm>
+          <a:off x="1111250" y="36233001"/>
+          <a:ext cx="14858999" cy="4110136"/>
+        </p:xfrm>
+        <a:graphic>
+          <a:graphicData uri="http://schemas.openxmlformats.org/drawingml/2006/table">
+            <a:tbl>
+              <a:tblPr firstRow="1" bandRow="1">
+                <a:tableStyleId>{775DCB02-9BB8-47FD-8907-85C794F793BA}</a:tableStyleId>
+              </a:tblPr>
+              <a:tblGrid>
+                <a:gridCol w="7315199"/>
+                <a:gridCol w="2057400"/>
+                <a:gridCol w="2743200"/>
+                <a:gridCol w="2743200"/>
+              </a:tblGrid>
+              <a:tr h="513767">
+                <a:tc>
+                  <a:txBody>
+                    <a:bodyPr/>
+                    <a:lstStyle/>
+                    <a:p>
+                      <a:pPr algn="ctr" fontAlgn="b"/>
+                      <a:endParaRPr lang="en-US" sz="3000" b="1" i="0" u="none" strike="noStrike" dirty="0">
+                        <a:solidFill>
+                          <a:srgbClr val="FFFFFF"/>
+                        </a:solidFill>
+                        <a:latin typeface="Calibri"/>
+                      </a:endParaRPr>
+                    </a:p>
+                  </a:txBody>
+                  <a:tcPr marL="9525" marR="9525" marT="9525" marB="0" anchor="b"/>
+                </a:tc>
+                <a:tc gridSpan="3">
+                  <a:txBody>
+                    <a:bodyPr/>
+                    <a:lstStyle/>
+                    <a:p>
+                      <a:pPr algn="ctr" fontAlgn="b"/>
+                      <a:r>
+                        <a:rPr lang="fr-FR" sz="3000" b="0" u="none" strike="noStrike" dirty="0"/>
+                        <a:t>C. </a:t>
+                      </a:r>
+                      <a:r>
+                        <a:rPr lang="fr-FR" sz="3000" b="0" u="none" strike="noStrike" dirty="0" err="1"/>
+                        <a:t>Elegans</a:t>
+                      </a:r>
+                      <a:r>
+                        <a:rPr lang="fr-FR" sz="3000" b="0" u="none" strike="noStrike" dirty="0"/>
+                        <a:t> </a:t>
+                      </a:r>
+                      <a:r>
+                        <a:rPr lang="fr-FR" sz="3000" b="0" u="none" strike="noStrike" dirty="0" err="1"/>
+                        <a:t>ChrI</a:t>
+                      </a:r>
+                      <a:r>
+                        <a:rPr lang="fr-FR" sz="3000" b="0" u="none" strike="noStrike" dirty="0"/>
+                        <a:t> </a:t>
+                      </a:r>
+                      <a:r>
+                        <a:rPr lang="fr-FR" sz="3000" b="0" u="none" strike="noStrike" dirty="0" smtClean="0"/>
+                        <a:t>- </a:t>
+                      </a:r>
+                      <a:r>
+                        <a:rPr lang="fr-FR" sz="3000" b="0" u="none" strike="noStrike" dirty="0"/>
+                        <a:t>15,072,423 </a:t>
+                      </a:r>
+                      <a:r>
+                        <a:rPr lang="fr-FR" sz="3000" b="0" u="none" strike="noStrike" dirty="0" err="1"/>
+                        <a:t>bp</a:t>
+                      </a:r>
+                      <a:endParaRPr lang="fr-FR" sz="3000" b="0" i="0" u="none" strike="noStrike" dirty="0">
+                        <a:solidFill>
+                          <a:srgbClr val="FFFFFF"/>
+                        </a:solidFill>
+                        <a:latin typeface="+mj-lt"/>
+                      </a:endParaRPr>
+                    </a:p>
+                  </a:txBody>
+                  <a:tcPr marL="9525" marR="9525" marT="9525" marB="0" anchor="b"/>
+                </a:tc>
+                <a:tc hMerge="1">
+                  <a:txBody>
+                    <a:bodyPr/>
+                    <a:lstStyle/>
+                    <a:p>
+                      <a:endParaRPr lang="en-US"/>
+                    </a:p>
+                  </a:txBody>
+                  <a:tcPr/>
+                </a:tc>
+                <a:tc hMerge="1">
+                  <a:txBody>
+                    <a:bodyPr/>
+                    <a:lstStyle/>
+                    <a:p>
+                      <a:endParaRPr lang="en-US"/>
+                    </a:p>
+                  </a:txBody>
+                  <a:tcPr/>
+                </a:tc>
+              </a:tr>
+              <a:tr h="513767">
+                <a:tc>
+                  <a:txBody>
+                    <a:bodyPr/>
+                    <a:lstStyle/>
+                    <a:p>
+                      <a:pPr algn="ctr" fontAlgn="b"/>
+                      <a:r>
+                        <a:rPr lang="en-US" sz="3000" u="none" strike="noStrike" dirty="0"/>
+                        <a:t>Seed / Method</a:t>
+                      </a:r>
+                      <a:endParaRPr lang="en-US" sz="3000" b="1" i="0" u="none" strike="noStrike" dirty="0">
+                        <a:solidFill>
+                          <a:srgbClr val="000000"/>
+                        </a:solidFill>
+                        <a:latin typeface="+mn-lt"/>
+                      </a:endParaRPr>
+                    </a:p>
+                  </a:txBody>
+                  <a:tcPr marL="9525" marR="9525" marT="9525" marB="0" anchor="b"/>
+                </a:tc>
+                <a:tc>
+                  <a:txBody>
+                    <a:bodyPr/>
+                    <a:lstStyle/>
+                    <a:p>
+                      <a:pPr algn="ctr" fontAlgn="b"/>
+                      <a:r>
+                        <a:rPr lang="en-US" sz="3000" u="none" strike="noStrike" dirty="0"/>
+                        <a:t>Time (s)</a:t>
+                      </a:r>
+                      <a:endParaRPr lang="en-US" sz="3000" b="1" i="0" u="none" strike="noStrike" dirty="0">
+                        <a:solidFill>
+                          <a:srgbClr val="000000"/>
+                        </a:solidFill>
+                        <a:latin typeface="+mn-lt"/>
+                      </a:endParaRPr>
+                    </a:p>
+                  </a:txBody>
+                  <a:tcPr marL="9525" marR="9525" marT="9525" marB="0" anchor="b"/>
+                </a:tc>
+                <a:tc>
+                  <a:txBody>
+                    <a:bodyPr/>
+                    <a:lstStyle/>
+                    <a:p>
+                      <a:pPr algn="ctr" fontAlgn="b"/>
+                      <a:r>
+                        <a:rPr lang="en-US" sz="3000" u="none" strike="noStrike" dirty="0" smtClean="0"/>
+                        <a:t>True Positives</a:t>
+                      </a:r>
+                      <a:endParaRPr lang="en-US" sz="3000" b="1" i="0" u="none" strike="noStrike" dirty="0">
+                        <a:solidFill>
+                          <a:srgbClr val="000000"/>
+                        </a:solidFill>
+                        <a:latin typeface="+mn-lt"/>
+                      </a:endParaRPr>
+                    </a:p>
+                  </a:txBody>
+                  <a:tcPr marL="9525" marR="9525" marT="9525" marB="0" anchor="b"/>
+                </a:tc>
+                <a:tc>
+                  <a:txBody>
+                    <a:bodyPr/>
+                    <a:lstStyle/>
+                    <a:p>
+                      <a:pPr algn="ctr" fontAlgn="b"/>
+                      <a:r>
+                        <a:rPr lang="en-US" sz="3000" u="none" strike="noStrike" dirty="0" smtClean="0"/>
+                        <a:t>True Negatives</a:t>
+                      </a:r>
+                      <a:endParaRPr lang="en-US" sz="3000" b="1" i="0" u="none" strike="noStrike" dirty="0">
+                        <a:solidFill>
+                          <a:srgbClr val="000000"/>
+                        </a:solidFill>
+                        <a:latin typeface="+mn-lt"/>
+                      </a:endParaRPr>
+                    </a:p>
+                  </a:txBody>
+                  <a:tcPr marL="9525" marR="9525" marT="9525" marB="0" anchor="b"/>
+                </a:tc>
+              </a:tr>
+              <a:tr h="513767">
+                <a:tc>
+                  <a:txBody>
+                    <a:bodyPr/>
+                    <a:lstStyle/>
+                    <a:p>
+                      <a:pPr algn="r" fontAlgn="b"/>
+                      <a:r>
+                        <a:rPr lang="en-US" sz="3000" u="none" strike="noStrike" dirty="0" smtClean="0"/>
+                        <a:t>111111111111111111111111</a:t>
+                      </a:r>
+                      <a:endParaRPr lang="en-US" sz="3000" b="0" i="0" u="none" strike="noStrike" dirty="0">
+                        <a:solidFill>
+                          <a:srgbClr val="000000"/>
+                        </a:solidFill>
+                        <a:latin typeface="+mn-lt"/>
+                      </a:endParaRPr>
+                    </a:p>
+                  </a:txBody>
+                  <a:tcPr marL="9525" marR="9525" marT="9525" marB="0" anchor="b"/>
+                </a:tc>
+                <a:tc>
+                  <a:txBody>
+                    <a:bodyPr/>
+                    <a:lstStyle/>
+                    <a:p>
+                      <a:pPr algn="r" fontAlgn="b"/>
+                      <a:r>
+                        <a:rPr lang="en-US" sz="3000" u="none" strike="noStrike" dirty="0" smtClean="0"/>
+                        <a:t>3632</a:t>
+                      </a:r>
+                      <a:endParaRPr lang="en-US" sz="3000" b="0" i="0" u="none" strike="noStrike" dirty="0">
+                        <a:solidFill>
+                          <a:srgbClr val="000000"/>
+                        </a:solidFill>
+                        <a:latin typeface="+mn-lt"/>
+                      </a:endParaRPr>
+                    </a:p>
+                  </a:txBody>
+                  <a:tcPr marL="9525" marR="9525" marT="9525" marB="0" anchor="b"/>
+                </a:tc>
+                <a:tc>
+                  <a:txBody>
+                    <a:bodyPr/>
+                    <a:lstStyle/>
+                    <a:p>
+                      <a:pPr algn="r" fontAlgn="b"/>
+                      <a:r>
+                        <a:rPr lang="en-US" sz="3000" u="none" strike="noStrike" dirty="0" smtClean="0"/>
+                        <a:t>0.27573</a:t>
+                      </a:r>
+                      <a:endParaRPr lang="en-US" sz="3000" b="0" i="0" u="none" strike="noStrike" dirty="0">
+                        <a:solidFill>
+                          <a:srgbClr val="000000"/>
+                        </a:solidFill>
+                        <a:latin typeface="+mn-lt"/>
+                      </a:endParaRPr>
+                    </a:p>
+                  </a:txBody>
+                  <a:tcPr marL="9525" marR="9525" marT="9525" marB="0" anchor="b"/>
+                </a:tc>
+                <a:tc>
+                  <a:txBody>
+                    <a:bodyPr/>
+                    <a:lstStyle/>
+                    <a:p>
+                      <a:pPr algn="r" fontAlgn="b"/>
+                      <a:r>
+                        <a:rPr lang="en-US" sz="3000" u="none" strike="noStrike" dirty="0" smtClean="0"/>
+                        <a:t>0.84774</a:t>
+                      </a:r>
+                      <a:endParaRPr lang="en-US" sz="3000" b="0" i="0" u="none" strike="noStrike" dirty="0">
+                        <a:solidFill>
+                          <a:srgbClr val="000000"/>
+                        </a:solidFill>
+                        <a:latin typeface="+mn-lt"/>
+                      </a:endParaRPr>
+                    </a:p>
+                  </a:txBody>
+                  <a:tcPr marL="9525" marR="9525" marT="9525" marB="0" anchor="b"/>
+                </a:tc>
+              </a:tr>
+              <a:tr h="513767">
+                <a:tc>
+                  <a:txBody>
+                    <a:bodyPr/>
+                    <a:lstStyle/>
+                    <a:p>
+                      <a:pPr marL="0" marR="0" indent="0" algn="r" defTabSz="4319626" rtl="0" eaLnBrk="1" fontAlgn="b" latinLnBrk="0" hangingPunct="1">
+                        <a:lnSpc>
+                          <a:spcPct val="100000"/>
+                        </a:lnSpc>
+                        <a:spcBef>
+                          <a:spcPts val="0"/>
+                        </a:spcBef>
+                        <a:spcAft>
+                          <a:spcPts val="0"/>
+                        </a:spcAft>
+                        <a:buClrTx/>
+                        <a:buSzTx/>
+                        <a:buFontTx/>
+                        <a:buNone/>
+                        <a:tabLst/>
+                        <a:defRPr/>
+                      </a:pPr>
+                      <a:r>
+                        <a:rPr lang="en-US" sz="3000" u="none" strike="noStrike" dirty="0" smtClean="0"/>
+                        <a:t>11111011111110011111111011111</a:t>
+                      </a:r>
+                      <a:endParaRPr lang="en-US" sz="3000" b="0" i="0" u="none" strike="noStrike" dirty="0" smtClean="0">
+                        <a:solidFill>
+                          <a:srgbClr val="000000"/>
+                        </a:solidFill>
+                        <a:latin typeface="+mn-lt"/>
+                      </a:endParaRPr>
+                    </a:p>
+                  </a:txBody>
+                  <a:tcPr marL="9525" marR="9525" marT="9525" marB="0" anchor="b"/>
+                </a:tc>
+                <a:tc>
+                  <a:txBody>
+                    <a:bodyPr/>
+                    <a:lstStyle/>
+                    <a:p>
+                      <a:pPr algn="r" fontAlgn="b"/>
+                      <a:r>
+                        <a:rPr lang="en-US" sz="3000" u="none" strike="noStrike" dirty="0" smtClean="0"/>
+                        <a:t>3650</a:t>
+                      </a:r>
+                      <a:endParaRPr lang="en-US" sz="3000" b="0" i="0" u="none" strike="noStrike" dirty="0">
+                        <a:solidFill>
+                          <a:srgbClr val="000000"/>
+                        </a:solidFill>
+                        <a:latin typeface="+mn-lt"/>
+                      </a:endParaRPr>
+                    </a:p>
+                  </a:txBody>
+                  <a:tcPr marL="9525" marR="9525" marT="9525" marB="0" anchor="b"/>
+                </a:tc>
+                <a:tc>
+                  <a:txBody>
+                    <a:bodyPr/>
+                    <a:lstStyle/>
+                    <a:p>
+                      <a:pPr algn="r" fontAlgn="b"/>
+                      <a:r>
+                        <a:rPr lang="en-US" sz="3000" u="none" strike="noStrike" dirty="0" smtClean="0"/>
+                        <a:t>0.35049</a:t>
+                      </a:r>
+                      <a:endParaRPr lang="en-US" sz="3000" b="0" i="0" u="none" strike="noStrike" dirty="0">
+                        <a:solidFill>
+                          <a:srgbClr val="000000"/>
+                        </a:solidFill>
+                        <a:latin typeface="+mn-lt"/>
+                      </a:endParaRPr>
+                    </a:p>
+                  </a:txBody>
+                  <a:tcPr marL="9525" marR="9525" marT="9525" marB="0" anchor="b"/>
+                </a:tc>
+                <a:tc>
+                  <a:txBody>
+                    <a:bodyPr/>
+                    <a:lstStyle/>
+                    <a:p>
+                      <a:pPr algn="r" fontAlgn="b"/>
+                      <a:r>
+                        <a:rPr lang="en-US" sz="3000" u="none" strike="noStrike" dirty="0" smtClean="0"/>
+                        <a:t>0.82401</a:t>
+                      </a:r>
+                      <a:endParaRPr lang="en-US" sz="3000" b="0" i="0" u="none" strike="noStrike" dirty="0">
+                        <a:solidFill>
+                          <a:srgbClr val="000000"/>
+                        </a:solidFill>
+                        <a:latin typeface="+mn-lt"/>
+                      </a:endParaRPr>
+                    </a:p>
+                  </a:txBody>
+                  <a:tcPr marL="9525" marR="9525" marT="9525" marB="0" anchor="b"/>
+                </a:tc>
+              </a:tr>
+              <a:tr h="513767">
+                <a:tc>
+                  <a:txBody>
+                    <a:bodyPr/>
+                    <a:lstStyle/>
+                    <a:p>
+                      <a:pPr algn="r" fontAlgn="b"/>
+                      <a:r>
+                        <a:rPr lang="en-US" sz="3000" u="none" strike="noStrike" dirty="0" smtClean="0"/>
+                        <a:t>11101101101001100111</a:t>
+                      </a:r>
+                      <a:endParaRPr lang="en-US" sz="3000" b="0" i="0" u="none" strike="noStrike" dirty="0">
+                        <a:solidFill>
+                          <a:srgbClr val="000000"/>
+                        </a:solidFill>
+                        <a:latin typeface="+mn-lt"/>
+                      </a:endParaRPr>
+                    </a:p>
+                  </a:txBody>
+                  <a:tcPr marL="9525" marR="9525" marT="9525" marB="0" anchor="b"/>
+                </a:tc>
+                <a:tc>
+                  <a:txBody>
+                    <a:bodyPr/>
+                    <a:lstStyle/>
+                    <a:p>
+                      <a:pPr algn="r" fontAlgn="b"/>
+                      <a:r>
+                        <a:rPr lang="en-US" sz="3000" u="none" strike="noStrike" dirty="0" smtClean="0"/>
+                        <a:t>14426</a:t>
+                      </a:r>
+                      <a:endParaRPr lang="en-US" sz="3000" b="0" i="0" u="none" strike="noStrike" dirty="0">
+                        <a:solidFill>
+                          <a:srgbClr val="000000"/>
+                        </a:solidFill>
+                        <a:latin typeface="+mn-lt"/>
+                      </a:endParaRPr>
+                    </a:p>
+                  </a:txBody>
+                  <a:tcPr marL="9525" marR="9525" marT="9525" marB="0" anchor="b"/>
+                </a:tc>
+                <a:tc>
+                  <a:txBody>
+                    <a:bodyPr/>
+                    <a:lstStyle/>
+                    <a:p>
+                      <a:pPr algn="r" fontAlgn="b"/>
+                      <a:r>
+                        <a:rPr lang="en-US" sz="3000" u="none" strike="noStrike" dirty="0" smtClean="0"/>
+                        <a:t>0.39361</a:t>
+                      </a:r>
+                      <a:endParaRPr lang="en-US" sz="3000" b="0" i="0" u="none" strike="noStrike" dirty="0">
+                        <a:solidFill>
+                          <a:srgbClr val="000000"/>
+                        </a:solidFill>
+                        <a:latin typeface="+mn-lt"/>
+                      </a:endParaRPr>
+                    </a:p>
+                  </a:txBody>
+                  <a:tcPr marL="9525" marR="9525" marT="9525" marB="0" anchor="b"/>
+                </a:tc>
+                <a:tc>
+                  <a:txBody>
+                    <a:bodyPr/>
+                    <a:lstStyle/>
+                    <a:p>
+                      <a:pPr algn="r" fontAlgn="b"/>
+                      <a:r>
+                        <a:rPr lang="en-US" sz="3000" u="none" strike="noStrike" dirty="0" smtClean="0"/>
+                        <a:t>0.78065</a:t>
+                      </a:r>
+                      <a:endParaRPr lang="en-US" sz="3000" b="0" i="0" u="none" strike="noStrike" dirty="0">
+                        <a:solidFill>
+                          <a:srgbClr val="000000"/>
+                        </a:solidFill>
+                        <a:latin typeface="+mn-lt"/>
+                      </a:endParaRPr>
+                    </a:p>
+                  </a:txBody>
+                  <a:tcPr marL="9525" marR="9525" marT="9525" marB="0" anchor="b"/>
+                </a:tc>
+              </a:tr>
+              <a:tr h="513767">
+                <a:tc>
+                  <a:txBody>
+                    <a:bodyPr/>
+                    <a:lstStyle/>
+                    <a:p>
+                      <a:pPr marL="0" marR="0" indent="0" algn="r" defTabSz="4319626" rtl="0" eaLnBrk="1" fontAlgn="b" latinLnBrk="0" hangingPunct="1">
+                        <a:lnSpc>
+                          <a:spcPct val="100000"/>
+                        </a:lnSpc>
+                        <a:spcBef>
+                          <a:spcPts val="0"/>
+                        </a:spcBef>
+                        <a:spcAft>
+                          <a:spcPts val="0"/>
+                        </a:spcAft>
+                        <a:buClrTx/>
+                        <a:buSzTx/>
+                        <a:buFontTx/>
+                        <a:buNone/>
+                        <a:tabLst/>
+                        <a:defRPr/>
+                      </a:pPr>
+                      <a:r>
+                        <a:rPr lang="en-US" sz="3000" u="none" strike="noStrike" dirty="0" smtClean="0"/>
+                        <a:t>11110100101001101111</a:t>
+                      </a:r>
+                      <a:endParaRPr lang="en-US" sz="3000" b="0" i="0" u="none" strike="noStrike" dirty="0" smtClean="0">
+                        <a:solidFill>
+                          <a:srgbClr val="000000"/>
+                        </a:solidFill>
+                        <a:latin typeface="+mn-lt"/>
+                      </a:endParaRPr>
+                    </a:p>
+                  </a:txBody>
+                  <a:tcPr marL="9525" marR="9525" marT="9525" marB="0" anchor="b"/>
+                </a:tc>
+                <a:tc>
+                  <a:txBody>
+                    <a:bodyPr/>
+                    <a:lstStyle/>
+                    <a:p>
+                      <a:pPr algn="r" fontAlgn="b"/>
+                      <a:r>
+                        <a:rPr lang="en-US" sz="3000" u="none" strike="noStrike" dirty="0" smtClean="0"/>
+                        <a:t>14403</a:t>
+                      </a:r>
+                      <a:endParaRPr lang="en-US" sz="3000" b="0" i="0" u="none" strike="noStrike" dirty="0">
+                        <a:solidFill>
+                          <a:srgbClr val="000000"/>
+                        </a:solidFill>
+                        <a:latin typeface="+mn-lt"/>
+                      </a:endParaRPr>
+                    </a:p>
+                  </a:txBody>
+                  <a:tcPr marL="9525" marR="9525" marT="9525" marB="0" anchor="b"/>
+                </a:tc>
+                <a:tc>
+                  <a:txBody>
+                    <a:bodyPr/>
+                    <a:lstStyle/>
+                    <a:p>
+                      <a:pPr algn="r" fontAlgn="b"/>
+                      <a:r>
+                        <a:rPr lang="en-US" sz="3000" u="none" strike="noStrike" dirty="0" smtClean="0"/>
+                        <a:t>0.41674</a:t>
+                      </a:r>
+                      <a:endParaRPr lang="en-US" sz="3000" b="0" i="0" u="none" strike="noStrike" dirty="0">
+                        <a:solidFill>
+                          <a:srgbClr val="000000"/>
+                        </a:solidFill>
+                        <a:latin typeface="+mn-lt"/>
+                      </a:endParaRPr>
+                    </a:p>
+                  </a:txBody>
+                  <a:tcPr marL="9525" marR="9525" marT="9525" marB="0" anchor="b"/>
+                </a:tc>
+                <a:tc>
+                  <a:txBody>
+                    <a:bodyPr/>
+                    <a:lstStyle/>
+                    <a:p>
+                      <a:pPr algn="r" fontAlgn="b"/>
+                      <a:r>
+                        <a:rPr lang="en-US" sz="3000" u="none" strike="noStrike" dirty="0" smtClean="0"/>
+                        <a:t>0.78163</a:t>
+                      </a:r>
+                      <a:endParaRPr lang="en-US" sz="3000" b="0" i="0" u="none" strike="noStrike" dirty="0">
+                        <a:solidFill>
+                          <a:srgbClr val="000000"/>
+                        </a:solidFill>
+                        <a:latin typeface="+mn-lt"/>
+                      </a:endParaRPr>
+                    </a:p>
+                  </a:txBody>
+                  <a:tcPr marL="9525" marR="9525" marT="9525" marB="0" anchor="b"/>
+                </a:tc>
+              </a:tr>
+              <a:tr h="513767">
+                <a:tc>
+                  <a:txBody>
+                    <a:bodyPr/>
+                    <a:lstStyle/>
+                    <a:p>
+                      <a:pPr marL="0" marR="0" indent="0" algn="r" defTabSz="4319626" rtl="0" eaLnBrk="1" fontAlgn="b" latinLnBrk="0" hangingPunct="1">
+                        <a:lnSpc>
+                          <a:spcPct val="100000"/>
+                        </a:lnSpc>
+                        <a:spcBef>
+                          <a:spcPts val="0"/>
+                        </a:spcBef>
+                        <a:spcAft>
+                          <a:spcPts val="0"/>
+                        </a:spcAft>
+                        <a:buClrTx/>
+                        <a:buSzTx/>
+                        <a:buFontTx/>
+                        <a:buNone/>
+                        <a:tabLst/>
+                        <a:defRPr/>
+                      </a:pPr>
+                      <a:r>
+                        <a:rPr lang="en-US" sz="3000" u="none" strike="noStrike" dirty="0" smtClean="0"/>
+                        <a:t>11110010101001100111</a:t>
+                      </a:r>
+                      <a:endParaRPr lang="en-US" sz="3000" b="0" i="0" u="none" strike="noStrike" dirty="0" smtClean="0">
+                        <a:solidFill>
+                          <a:srgbClr val="000000"/>
+                        </a:solidFill>
+                        <a:latin typeface="+mn-lt"/>
+                      </a:endParaRPr>
+                    </a:p>
+                  </a:txBody>
+                  <a:tcPr marL="9525" marR="9525" marT="9525" marB="0" anchor="b"/>
+                </a:tc>
+                <a:tc>
+                  <a:txBody>
+                    <a:bodyPr/>
+                    <a:lstStyle/>
+                    <a:p>
+                      <a:pPr algn="r" fontAlgn="b"/>
+                      <a:r>
+                        <a:rPr lang="en-US" sz="3000" u="none" strike="noStrike" dirty="0" smtClean="0"/>
+                        <a:t>18049</a:t>
+                      </a:r>
+                      <a:endParaRPr lang="en-US" sz="3000" b="0" i="0" u="none" strike="noStrike" dirty="0">
+                        <a:solidFill>
+                          <a:srgbClr val="000000"/>
+                        </a:solidFill>
+                        <a:latin typeface="+mn-lt"/>
+                      </a:endParaRPr>
+                    </a:p>
+                  </a:txBody>
+                  <a:tcPr marL="9525" marR="9525" marT="9525" marB="0" anchor="b"/>
+                </a:tc>
+                <a:tc>
+                  <a:txBody>
+                    <a:bodyPr/>
+                    <a:lstStyle/>
+                    <a:p>
+                      <a:pPr algn="r" fontAlgn="b"/>
+                      <a:r>
+                        <a:rPr lang="en-US" sz="3000" u="none" strike="noStrike" dirty="0" smtClean="0"/>
+                        <a:t>0.42555</a:t>
+                      </a:r>
+                      <a:endParaRPr lang="en-US" sz="3000" b="0" i="0" u="none" strike="noStrike" dirty="0">
+                        <a:solidFill>
+                          <a:srgbClr val="000000"/>
+                        </a:solidFill>
+                        <a:latin typeface="+mn-lt"/>
+                      </a:endParaRPr>
+                    </a:p>
+                  </a:txBody>
+                  <a:tcPr marL="9525" marR="9525" marT="9525" marB="0" anchor="b"/>
+                </a:tc>
+                <a:tc>
+                  <a:txBody>
+                    <a:bodyPr/>
+                    <a:lstStyle/>
+                    <a:p>
+                      <a:pPr algn="r" fontAlgn="b"/>
+                      <a:r>
+                        <a:rPr lang="en-US" sz="3000" u="none" strike="noStrike" dirty="0" smtClean="0"/>
+                        <a:t>0.77728</a:t>
+                      </a:r>
+                      <a:endParaRPr lang="en-US" sz="3000" b="0" i="0" u="none" strike="noStrike" dirty="0">
+                        <a:solidFill>
+                          <a:srgbClr val="000000"/>
+                        </a:solidFill>
+                        <a:latin typeface="+mn-lt"/>
+                      </a:endParaRPr>
+                    </a:p>
+                  </a:txBody>
+                  <a:tcPr marL="9525" marR="9525" marT="9525" marB="0" anchor="b"/>
+                </a:tc>
+              </a:tr>
+              <a:tr h="513767">
+                <a:tc>
+                  <a:txBody>
+                    <a:bodyPr/>
+                    <a:lstStyle/>
+                    <a:p>
+                      <a:pPr algn="r" fontAlgn="b"/>
+                      <a:r>
+                        <a:rPr lang="en-US" sz="3000" u="none" strike="noStrike" dirty="0" err="1"/>
+                        <a:t>RepeatScout</a:t>
+                      </a:r>
+                      <a:endParaRPr lang="en-US" sz="3000" b="0" i="0" u="none" strike="noStrike" dirty="0">
+                        <a:solidFill>
+                          <a:srgbClr val="000000"/>
+                        </a:solidFill>
+                        <a:latin typeface="Calibri"/>
+                      </a:endParaRPr>
+                    </a:p>
+                  </a:txBody>
+                  <a:tcPr marL="9525" marR="9525" marT="9525" marB="0" anchor="b"/>
+                </a:tc>
+                <a:tc>
+                  <a:txBody>
+                    <a:bodyPr/>
+                    <a:lstStyle/>
+                    <a:p>
+                      <a:pPr algn="r" fontAlgn="b"/>
+                      <a:r>
+                        <a:rPr lang="en-US" sz="3000" u="none" strike="noStrike" dirty="0" smtClean="0"/>
+                        <a:t>28853</a:t>
+                      </a:r>
+                      <a:endParaRPr lang="en-US" sz="3000" b="0" i="0" u="none" strike="noStrike" dirty="0">
+                        <a:solidFill>
+                          <a:srgbClr val="000000"/>
+                        </a:solidFill>
+                        <a:latin typeface="Calibri"/>
+                      </a:endParaRPr>
+                    </a:p>
+                  </a:txBody>
+                  <a:tcPr marL="9525" marR="9525" marT="9525" marB="0" anchor="b"/>
+                </a:tc>
+                <a:tc>
+                  <a:txBody>
+                    <a:bodyPr/>
+                    <a:lstStyle/>
+                    <a:p>
+                      <a:pPr algn="r" fontAlgn="b"/>
+                      <a:r>
+                        <a:rPr lang="en-US" sz="3000" u="none" strike="noStrike" dirty="0" smtClean="0"/>
+                        <a:t>0.55450</a:t>
+                      </a:r>
+                      <a:endParaRPr lang="en-US" sz="3000" b="0" i="0" u="none" strike="noStrike" dirty="0">
+                        <a:solidFill>
+                          <a:srgbClr val="000000"/>
+                        </a:solidFill>
+                        <a:latin typeface="Calibri"/>
+                      </a:endParaRPr>
+                    </a:p>
+                  </a:txBody>
+                  <a:tcPr marL="9525" marR="9525" marT="9525" marB="0" anchor="b"/>
+                </a:tc>
+                <a:tc>
+                  <a:txBody>
+                    <a:bodyPr/>
+                    <a:lstStyle/>
+                    <a:p>
+                      <a:pPr algn="r" fontAlgn="b"/>
+                      <a:r>
+                        <a:rPr lang="en-US" sz="3000" u="none" strike="noStrike" dirty="0" smtClean="0"/>
+                        <a:t>0.85224</a:t>
+                      </a:r>
+                      <a:endParaRPr lang="en-US" sz="3000" b="0" i="0" u="none" strike="noStrike" dirty="0">
+                        <a:solidFill>
+                          <a:srgbClr val="000000"/>
+                        </a:solidFill>
+                        <a:latin typeface="Calibri"/>
+                      </a:endParaRPr>
+                    </a:p>
+                  </a:txBody>
+                  <a:tcPr marL="9525" marR="9525" marT="9525" marB="0" anchor="b"/>
+                </a:tc>
+              </a:tr>
+            </a:tbl>
+          </a:graphicData>
+        </a:graphic>
+      </p:graphicFrame>
+      <p:cxnSp>
+        <p:nvCxnSpPr>
+          <p:cNvPr id="137" name="Straight Arrow Connector 136"/>
+          <p:cNvCxnSpPr/>
+          <p:nvPr/>
+        </p:nvCxnSpPr>
+        <p:spPr>
+          <a:xfrm flipV="1">
+            <a:off x="28619450" y="9939338"/>
+            <a:ext cx="762000" cy="761999"/>
+          </a:xfrm>
+          <a:prstGeom prst="straightConnector1">
+            <a:avLst/>
+          </a:prstGeom>
+          <a:ln>
+            <a:solidFill>
+              <a:schemeClr val="accent4"/>
+            </a:solidFill>
+            <a:tailEnd type="arrow"/>
+          </a:ln>
+        </p:spPr>
+        <p:style>
+          <a:lnRef idx="1">
+            <a:schemeClr val="accent1"/>
+          </a:lnRef>
+          <a:fillRef idx="0">
+            <a:schemeClr val="accent1"/>
+          </a:fillRef>
+          <a:effectRef idx="0">
+            <a:schemeClr val="accent1"/>
+          </a:effectRef>
+          <a:fontRef idx="minor">
+            <a:schemeClr val="tx1"/>
+          </a:fontRef>
+        </p:style>
+      </p:cxnSp>
+      <p:sp>
+        <p:nvSpPr>
+          <p:cNvPr id="154" name="Rectangle 153"/>
+          <p:cNvSpPr/>
+          <p:nvPr/>
+        </p:nvSpPr>
+        <p:spPr>
+          <a:xfrm>
+            <a:off x="20039949" y="19414943"/>
+            <a:ext cx="1874520" cy="594360"/>
+          </a:xfrm>
+          <a:prstGeom prst="rect">
+            <a:avLst/>
+          </a:prstGeom>
+          <a:solidFill>
+            <a:schemeClr val="accent1">
+              <a:alpha val="25000"/>
+            </a:schemeClr>
+          </a:solidFill>
+          <a:ln w="19050" cmpd="sng">
+            <a:solidFill>
+              <a:schemeClr val="accent6"/>
+            </a:solidFill>
+          </a:ln>
+        </p:spPr>
+        <p:txBody>
+          <a:bodyPr wrap="square" rtlCol="0" anchor="ctr">
+            <a:spAutoFit/>
+          </a:bodyPr>
+          <a:lstStyle/>
+          <a:p>
+            <a:pPr algn="ctr"/>
+            <a:endParaRPr lang="en-US" sz="3200" dirty="0" smtClean="0">
+              <a:latin typeface="Consolas"/>
+              <a:cs typeface="Consolas"/>
+            </a:endParaRPr>
+          </a:p>
+        </p:txBody>
+      </p:sp>
+      <p:sp>
+        <p:nvSpPr>
+          <p:cNvPr id="155" name="Rectangle 154"/>
+          <p:cNvSpPr/>
+          <p:nvPr/>
+        </p:nvSpPr>
+        <p:spPr>
+          <a:xfrm>
+            <a:off x="17830149" y="20378737"/>
+            <a:ext cx="1874520" cy="594360"/>
+          </a:xfrm>
+          <a:prstGeom prst="rect">
+            <a:avLst/>
+          </a:prstGeom>
+          <a:solidFill>
+            <a:schemeClr val="accent1">
+              <a:alpha val="25000"/>
+            </a:schemeClr>
+          </a:solidFill>
+          <a:ln w="19050" cmpd="sng">
+            <a:solidFill>
+              <a:schemeClr val="accent6"/>
+            </a:solidFill>
+          </a:ln>
+        </p:spPr>
+        <p:txBody>
+          <a:bodyPr wrap="square" rtlCol="0" anchor="ctr">
+            <a:spAutoFit/>
+          </a:bodyPr>
+          <a:lstStyle/>
+          <a:p>
+            <a:pPr algn="ctr"/>
+            <a:endParaRPr lang="en-US" sz="3200" dirty="0" smtClean="0">
+              <a:latin typeface="Consolas"/>
+              <a:cs typeface="Consolas"/>
+            </a:endParaRPr>
+          </a:p>
+        </p:txBody>
+      </p:sp>
+      <p:sp>
+        <p:nvSpPr>
+          <p:cNvPr id="156" name="Rectangle 155"/>
+          <p:cNvSpPr/>
+          <p:nvPr/>
+        </p:nvSpPr>
+        <p:spPr>
+          <a:xfrm>
+            <a:off x="21868749" y="20378737"/>
+            <a:ext cx="1874520" cy="594360"/>
+          </a:xfrm>
+          <a:prstGeom prst="rect">
+            <a:avLst/>
+          </a:prstGeom>
+          <a:solidFill>
+            <a:schemeClr val="accent1">
+              <a:alpha val="25000"/>
+            </a:schemeClr>
+          </a:solidFill>
+          <a:ln w="19050" cmpd="sng">
+            <a:solidFill>
+              <a:schemeClr val="accent6"/>
+            </a:solidFill>
+          </a:ln>
+        </p:spPr>
+        <p:txBody>
+          <a:bodyPr wrap="square" rtlCol="0" anchor="ctr">
+            <a:spAutoFit/>
+          </a:bodyPr>
+          <a:lstStyle/>
+          <a:p>
+            <a:pPr algn="ctr"/>
+            <a:endParaRPr lang="en-US" sz="3200" dirty="0" smtClean="0">
+              <a:latin typeface="Consolas"/>
+              <a:cs typeface="Consolas"/>
+            </a:endParaRPr>
+          </a:p>
+        </p:txBody>
+      </p:sp>
+      <p:sp>
+        <p:nvSpPr>
+          <p:cNvPr id="157" name="Rectangle 156"/>
+          <p:cNvSpPr/>
+          <p:nvPr/>
+        </p:nvSpPr>
+        <p:spPr>
+          <a:xfrm>
+            <a:off x="18241629" y="20378737"/>
+            <a:ext cx="1874520" cy="594360"/>
+          </a:xfrm>
+          <a:prstGeom prst="rect">
+            <a:avLst/>
+          </a:prstGeom>
+          <a:solidFill>
+            <a:schemeClr val="accent1">
+              <a:alpha val="25000"/>
+            </a:schemeClr>
+          </a:solidFill>
+          <a:ln w="19050" cmpd="sng">
+            <a:solidFill>
+              <a:schemeClr val="accent6"/>
+            </a:solidFill>
+          </a:ln>
+        </p:spPr>
+        <p:txBody>
+          <a:bodyPr wrap="square" rtlCol="0" anchor="ctr">
+            <a:spAutoFit/>
+          </a:bodyPr>
+          <a:lstStyle/>
+          <a:p>
+            <a:pPr algn="ctr"/>
+            <a:endParaRPr lang="en-US" sz="3200" dirty="0" smtClean="0">
+              <a:latin typeface="Consolas"/>
+              <a:cs typeface="Consolas"/>
+            </a:endParaRPr>
+          </a:p>
+        </p:txBody>
+      </p:sp>
+      <p:sp>
+        <p:nvSpPr>
+          <p:cNvPr id="158" name="Rectangle 157"/>
+          <p:cNvSpPr/>
+          <p:nvPr/>
+        </p:nvSpPr>
+        <p:spPr>
+          <a:xfrm>
+            <a:off x="22249749" y="20378737"/>
+            <a:ext cx="1874520" cy="594360"/>
+          </a:xfrm>
+          <a:prstGeom prst="rect">
+            <a:avLst/>
+          </a:prstGeom>
+          <a:solidFill>
+            <a:schemeClr val="accent1">
+              <a:alpha val="25000"/>
+            </a:schemeClr>
+          </a:solidFill>
+          <a:ln w="19050" cmpd="sng">
+            <a:solidFill>
+              <a:schemeClr val="accent6"/>
+            </a:solidFill>
+          </a:ln>
+        </p:spPr>
+        <p:txBody>
+          <a:bodyPr wrap="square" rtlCol="0" anchor="ctr">
+            <a:spAutoFit/>
+          </a:bodyPr>
+          <a:lstStyle/>
+          <a:p>
+            <a:pPr algn="ctr"/>
+            <a:endParaRPr lang="en-US" sz="3200" dirty="0" smtClean="0">
+              <a:latin typeface="Consolas"/>
+              <a:cs typeface="Consolas"/>
+            </a:endParaRPr>
+          </a:p>
+        </p:txBody>
+      </p:sp>
+      <p:sp>
+        <p:nvSpPr>
+          <p:cNvPr id="159" name="Rectangle 158"/>
+          <p:cNvSpPr/>
+          <p:nvPr/>
+        </p:nvSpPr>
+        <p:spPr>
+          <a:xfrm>
+            <a:off x="19658949" y="21384577"/>
+            <a:ext cx="2194560" cy="594360"/>
+          </a:xfrm>
+          <a:prstGeom prst="rect">
+            <a:avLst/>
+          </a:prstGeom>
+          <a:solidFill>
+            <a:schemeClr val="accent1">
+              <a:alpha val="25000"/>
+            </a:schemeClr>
+          </a:solidFill>
+          <a:ln w="19050" cmpd="sng">
+            <a:solidFill>
+              <a:schemeClr val="accent6"/>
+            </a:solidFill>
+          </a:ln>
+        </p:spPr>
+        <p:txBody>
+          <a:bodyPr wrap="square" rtlCol="0" anchor="ctr">
+            <a:spAutoFit/>
+          </a:bodyPr>
+          <a:lstStyle/>
+          <a:p>
+            <a:pPr algn="ctr"/>
+            <a:endParaRPr lang="en-US" sz="3200" dirty="0" smtClean="0">
+              <a:latin typeface="Consolas"/>
+              <a:cs typeface="Consolas"/>
+            </a:endParaRPr>
+          </a:p>
+        </p:txBody>
+      </p:sp>
+      <p:sp>
+        <p:nvSpPr>
+          <p:cNvPr id="160" name="Rectangle 159"/>
+          <p:cNvSpPr/>
+          <p:nvPr/>
+        </p:nvSpPr>
+        <p:spPr>
+          <a:xfrm>
+            <a:off x="23697549" y="21384577"/>
+            <a:ext cx="2194560" cy="594360"/>
+          </a:xfrm>
+          <a:prstGeom prst="rect">
+            <a:avLst/>
+          </a:prstGeom>
+          <a:solidFill>
+            <a:schemeClr val="accent1">
+              <a:alpha val="25000"/>
+            </a:schemeClr>
+          </a:solidFill>
+          <a:ln w="19050" cmpd="sng">
+            <a:solidFill>
+              <a:schemeClr val="accent6"/>
+            </a:solidFill>
+          </a:ln>
+        </p:spPr>
+        <p:txBody>
+          <a:bodyPr wrap="square" rtlCol="0" anchor="ctr">
+            <a:spAutoFit/>
+          </a:bodyPr>
+          <a:lstStyle/>
+          <a:p>
+            <a:pPr algn="ctr"/>
+            <a:endParaRPr lang="en-US" sz="3200" dirty="0" smtClean="0">
+              <a:latin typeface="Consolas"/>
+              <a:cs typeface="Consolas"/>
+            </a:endParaRPr>
+          </a:p>
+        </p:txBody>
+      </p:sp>
+      <p:sp>
+        <p:nvSpPr>
+          <p:cNvPr id="161" name="Rectangle 160"/>
+          <p:cNvSpPr/>
+          <p:nvPr/>
+        </p:nvSpPr>
+        <p:spPr>
+          <a:xfrm>
+            <a:off x="20420949" y="21384577"/>
+            <a:ext cx="1874520" cy="594360"/>
+          </a:xfrm>
+          <a:prstGeom prst="rect">
+            <a:avLst/>
+          </a:prstGeom>
+          <a:solidFill>
+            <a:schemeClr val="accent1">
+              <a:alpha val="25000"/>
+            </a:schemeClr>
+          </a:solidFill>
+          <a:ln w="19050" cmpd="sng">
+            <a:solidFill>
+              <a:schemeClr val="accent6"/>
+            </a:solidFill>
+          </a:ln>
+        </p:spPr>
+        <p:txBody>
+          <a:bodyPr wrap="square" rtlCol="0" anchor="ctr">
+            <a:spAutoFit/>
+          </a:bodyPr>
+          <a:lstStyle/>
+          <a:p>
+            <a:pPr algn="ctr"/>
+            <a:endParaRPr lang="en-US" sz="3200" dirty="0" smtClean="0">
+              <a:latin typeface="Consolas"/>
+              <a:cs typeface="Consolas"/>
+            </a:endParaRPr>
+          </a:p>
+        </p:txBody>
+      </p:sp>
+      <p:sp>
+        <p:nvSpPr>
+          <p:cNvPr id="163" name="Rectangle 162"/>
+          <p:cNvSpPr/>
+          <p:nvPr/>
+        </p:nvSpPr>
+        <p:spPr>
+          <a:xfrm>
+            <a:off x="24459549" y="21388885"/>
+            <a:ext cx="1874520" cy="594360"/>
+          </a:xfrm>
+          <a:prstGeom prst="rect">
+            <a:avLst/>
+          </a:prstGeom>
+          <a:solidFill>
+            <a:schemeClr val="accent1">
+              <a:alpha val="25000"/>
+            </a:schemeClr>
+          </a:solidFill>
+          <a:ln w="19050" cmpd="sng">
+            <a:solidFill>
+              <a:schemeClr val="accent6"/>
+            </a:solidFill>
+          </a:ln>
+        </p:spPr>
+        <p:txBody>
+          <a:bodyPr wrap="square" rtlCol="0" anchor="ctr">
+            <a:spAutoFit/>
+          </a:bodyPr>
+          <a:lstStyle/>
+          <a:p>
+            <a:pPr algn="ctr"/>
+            <a:endParaRPr lang="en-US" sz="3200" dirty="0" smtClean="0">
+              <a:latin typeface="Consolas"/>
+              <a:cs typeface="Consolas"/>
+            </a:endParaRPr>
+          </a:p>
+        </p:txBody>
+      </p:sp>
     </p:spTree>
   </p:cSld>
   <p:clrMapOvr>
